--- a/Figures/Dist3/Dist3_temp.pptx
+++ b/Figures/Dist3/Dist3_temp.pptx
@@ -243,7 +243,7 @@
           <a:p>
             <a:fld id="{D3A6B123-D7EF-4E83-BA9B-DCD733485001}" type="datetimeFigureOut">
               <a:rPr lang="en-US" smtClean="0"/>
-              <a:t>12/13/2016</a:t>
+              <a:t>12/17/2016</a:t>
             </a:fld>
             <a:endParaRPr lang="en-US"/>
           </a:p>
@@ -413,7 +413,7 @@
           <a:p>
             <a:fld id="{D3A6B123-D7EF-4E83-BA9B-DCD733485001}" type="datetimeFigureOut">
               <a:rPr lang="en-US" smtClean="0"/>
-              <a:t>12/13/2016</a:t>
+              <a:t>12/17/2016</a:t>
             </a:fld>
             <a:endParaRPr lang="en-US"/>
           </a:p>
@@ -593,7 +593,7 @@
           <a:p>
             <a:fld id="{D3A6B123-D7EF-4E83-BA9B-DCD733485001}" type="datetimeFigureOut">
               <a:rPr lang="en-US" smtClean="0"/>
-              <a:t>12/13/2016</a:t>
+              <a:t>12/17/2016</a:t>
             </a:fld>
             <a:endParaRPr lang="en-US"/>
           </a:p>
@@ -763,7 +763,7 @@
           <a:p>
             <a:fld id="{D3A6B123-D7EF-4E83-BA9B-DCD733485001}" type="datetimeFigureOut">
               <a:rPr lang="en-US" smtClean="0"/>
-              <a:t>12/13/2016</a:t>
+              <a:t>12/17/2016</a:t>
             </a:fld>
             <a:endParaRPr lang="en-US"/>
           </a:p>
@@ -1007,7 +1007,7 @@
           <a:p>
             <a:fld id="{D3A6B123-D7EF-4E83-BA9B-DCD733485001}" type="datetimeFigureOut">
               <a:rPr lang="en-US" smtClean="0"/>
-              <a:t>12/13/2016</a:t>
+              <a:t>12/17/2016</a:t>
             </a:fld>
             <a:endParaRPr lang="en-US"/>
           </a:p>
@@ -1239,7 +1239,7 @@
           <a:p>
             <a:fld id="{D3A6B123-D7EF-4E83-BA9B-DCD733485001}" type="datetimeFigureOut">
               <a:rPr lang="en-US" smtClean="0"/>
-              <a:t>12/13/2016</a:t>
+              <a:t>12/17/2016</a:t>
             </a:fld>
             <a:endParaRPr lang="en-US"/>
           </a:p>
@@ -1606,7 +1606,7 @@
           <a:p>
             <a:fld id="{D3A6B123-D7EF-4E83-BA9B-DCD733485001}" type="datetimeFigureOut">
               <a:rPr lang="en-US" smtClean="0"/>
-              <a:t>12/13/2016</a:t>
+              <a:t>12/17/2016</a:t>
             </a:fld>
             <a:endParaRPr lang="en-US"/>
           </a:p>
@@ -1724,7 +1724,7 @@
           <a:p>
             <a:fld id="{D3A6B123-D7EF-4E83-BA9B-DCD733485001}" type="datetimeFigureOut">
               <a:rPr lang="en-US" smtClean="0"/>
-              <a:t>12/13/2016</a:t>
+              <a:t>12/17/2016</a:t>
             </a:fld>
             <a:endParaRPr lang="en-US"/>
           </a:p>
@@ -1819,7 +1819,7 @@
           <a:p>
             <a:fld id="{D3A6B123-D7EF-4E83-BA9B-DCD733485001}" type="datetimeFigureOut">
               <a:rPr lang="en-US" smtClean="0"/>
-              <a:t>12/13/2016</a:t>
+              <a:t>12/17/2016</a:t>
             </a:fld>
             <a:endParaRPr lang="en-US"/>
           </a:p>
@@ -2096,7 +2096,7 @@
           <a:p>
             <a:fld id="{D3A6B123-D7EF-4E83-BA9B-DCD733485001}" type="datetimeFigureOut">
               <a:rPr lang="en-US" smtClean="0"/>
-              <a:t>12/13/2016</a:t>
+              <a:t>12/17/2016</a:t>
             </a:fld>
             <a:endParaRPr lang="en-US"/>
           </a:p>
@@ -2353,7 +2353,7 @@
           <a:p>
             <a:fld id="{D3A6B123-D7EF-4E83-BA9B-DCD733485001}" type="datetimeFigureOut">
               <a:rPr lang="en-US" smtClean="0"/>
-              <a:t>12/13/2016</a:t>
+              <a:t>12/17/2016</a:t>
             </a:fld>
             <a:endParaRPr lang="en-US"/>
           </a:p>
@@ -2566,7 +2566,7 @@
           <a:p>
             <a:fld id="{D3A6B123-D7EF-4E83-BA9B-DCD733485001}" type="datetimeFigureOut">
               <a:rPr lang="en-US" smtClean="0"/>
-              <a:t>12/13/2016</a:t>
+              <a:t>12/17/2016</a:t>
             </a:fld>
             <a:endParaRPr lang="en-US"/>
           </a:p>
@@ -2971,9 +2971,43 @@
           <a:chExt cx="0" cy="0"/>
         </a:xfrm>
       </p:grpSpPr>
+      <p:cxnSp>
+        <p:nvCxnSpPr>
+          <p:cNvPr id="85" name="Straight Arrow Connector 84"/>
+          <p:cNvCxnSpPr/>
+          <p:nvPr/>
+        </p:nvCxnSpPr>
+        <p:spPr>
+          <a:xfrm flipV="1">
+            <a:off x="2675466" y="11515899"/>
+            <a:ext cx="1554480" cy="0"/>
+          </a:xfrm>
+          <a:prstGeom prst="straightConnector1">
+            <a:avLst/>
+          </a:prstGeom>
+          <a:ln w="28575">
+            <a:headEnd type="stealth" w="med" len="lg"/>
+            <a:tailEnd type="stealth" w="med" len="lg"/>
+          </a:ln>
+        </p:spPr>
+        <p:style>
+          <a:lnRef idx="1">
+            <a:schemeClr val="dk1"/>
+          </a:lnRef>
+          <a:fillRef idx="0">
+            <a:schemeClr val="dk1"/>
+          </a:fillRef>
+          <a:effectRef idx="0">
+            <a:schemeClr val="dk1"/>
+          </a:effectRef>
+          <a:fontRef idx="minor">
+            <a:schemeClr val="tx1"/>
+          </a:fontRef>
+        </p:style>
+      </p:cxnSp>
       <p:pic>
         <p:nvPicPr>
-          <p:cNvPr id="2" name="Picture 1"/>
+          <p:cNvPr id="45" name="Picture 44"/>
           <p:cNvPicPr>
             <a:picLocks noChangeAspect="1"/>
           </p:cNvPicPr>
@@ -2997,8 +3031,8 @@
         </p:blipFill>
         <p:spPr>
           <a:xfrm>
-            <a:off x="2907629" y="1347470"/>
-            <a:ext cx="1081905" cy="255238"/>
+            <a:off x="3371433" y="11623040"/>
+            <a:ext cx="216000" cy="242667"/>
           </a:xfrm>
           <a:prstGeom prst="rect">
             <a:avLst/>
@@ -3007,32 +3041,36 @@
       </p:pic>
       <p:pic>
         <p:nvPicPr>
-          <p:cNvPr id="6" name="Picture 5"/>
+          <p:cNvPr id="87" name="Content Placeholder 3"/>
           <p:cNvPicPr>
             <a:picLocks noChangeAspect="1"/>
           </p:cNvPicPr>
-          <p:nvPr>
-            <p:custDataLst>
-              <p:tags r:id="rId2"/>
-            </p:custDataLst>
-          </p:nvPr>
+          <p:nvPr/>
         </p:nvPicPr>
-        <p:blipFill>
+        <p:blipFill rotWithShape="1">
           <a:blip r:embed="rId30">
             <a:extLst>
+              <a:ext uri="{BEBA8EAE-BF5A-486C-A8C5-ECC9F3942E4B}">
+                <a14:imgProps xmlns:a14="http://schemas.microsoft.com/office/drawing/2010/main">
+                  <a14:imgLayer r:embed="rId31">
+                    <a14:imgEffect>
+                      <a14:backgroundRemoval t="75268" b="88704" l="13777" r="94062"/>
+                    </a14:imgEffect>
+                  </a14:imgLayer>
+                </a14:imgProps>
+              </a:ext>
               <a:ext uri="{28A0092B-C50C-407E-A947-70E740481C1C}">
                 <a14:useLocalDpi xmlns:a14="http://schemas.microsoft.com/office/drawing/2010/main" val="0"/>
               </a:ext>
             </a:extLst>
           </a:blip>
-          <a:stretch>
-            <a:fillRect/>
-          </a:stretch>
+          <a:srcRect l="13269" t="74206" r="4523" b="10908"/>
+          <a:stretch/>
         </p:blipFill>
         <p:spPr>
           <a:xfrm>
-            <a:off x="4655454" y="1348317"/>
-            <a:ext cx="878095" cy="255238"/>
+            <a:off x="15316200" y="11450696"/>
+            <a:ext cx="3581400" cy="647701"/>
           </a:xfrm>
           <a:prstGeom prst="rect">
             <a:avLst/>
@@ -3041,47 +3079,13 @@
       </p:pic>
       <p:pic>
         <p:nvPicPr>
-          <p:cNvPr id="7" name="Picture 6"/>
+          <p:cNvPr id="22" name="Picture 21"/>
           <p:cNvPicPr>
             <a:picLocks noChangeAspect="1"/>
           </p:cNvPicPr>
           <p:nvPr>
             <p:custDataLst>
-              <p:tags r:id="rId3"/>
-            </p:custDataLst>
-          </p:nvPr>
-        </p:nvPicPr>
-        <p:blipFill>
-          <a:blip r:embed="rId31">
-            <a:extLst>
-              <a:ext uri="{28A0092B-C50C-407E-A947-70E740481C1C}">
-                <a14:useLocalDpi xmlns:a14="http://schemas.microsoft.com/office/drawing/2010/main" val="0"/>
-              </a:ext>
-            </a:extLst>
-          </a:blip>
-          <a:stretch>
-            <a:fillRect/>
-          </a:stretch>
-        </p:blipFill>
-        <p:spPr>
-          <a:xfrm>
-            <a:off x="6199469" y="1347470"/>
-            <a:ext cx="1081905" cy="255238"/>
-          </a:xfrm>
-          <a:prstGeom prst="rect">
-            <a:avLst/>
-          </a:prstGeom>
-        </p:spPr>
-      </p:pic>
-      <p:pic>
-        <p:nvPicPr>
-          <p:cNvPr id="8" name="Picture 7"/>
-          <p:cNvPicPr>
-            <a:picLocks noChangeAspect="1"/>
-          </p:cNvPicPr>
-          <p:nvPr>
-            <p:custDataLst>
-              <p:tags r:id="rId4"/>
+              <p:tags r:id="rId2"/>
             </p:custDataLst>
           </p:nvPr>
         </p:nvPicPr>
@@ -3099,8 +3103,8 @@
         </p:blipFill>
         <p:spPr>
           <a:xfrm>
-            <a:off x="7947289" y="1353788"/>
-            <a:ext cx="885714" cy="255238"/>
+            <a:off x="15430340" y="11786850"/>
+            <a:ext cx="152000" cy="245333"/>
           </a:xfrm>
           <a:prstGeom prst="rect">
             <a:avLst/>
@@ -3109,13 +3113,13 @@
       </p:pic>
       <p:pic>
         <p:nvPicPr>
-          <p:cNvPr id="10" name="Picture 9"/>
+          <p:cNvPr id="31" name="Picture 30"/>
           <p:cNvPicPr>
             <a:picLocks noChangeAspect="1"/>
           </p:cNvPicPr>
           <p:nvPr>
             <p:custDataLst>
-              <p:tags r:id="rId5"/>
+              <p:tags r:id="rId3"/>
             </p:custDataLst>
           </p:nvPr>
         </p:nvPicPr>
@@ -3133,8 +3137,8 @@
         </p:blipFill>
         <p:spPr>
           <a:xfrm>
-            <a:off x="12527867" y="1342358"/>
-            <a:ext cx="891429" cy="255238"/>
+            <a:off x="18534546" y="11786850"/>
+            <a:ext cx="421333" cy="245333"/>
           </a:xfrm>
           <a:prstGeom prst="rect">
             <a:avLst/>
@@ -3143,13 +3147,13 @@
       </p:pic>
       <p:pic>
         <p:nvPicPr>
-          <p:cNvPr id="30" name="Picture 29"/>
+          <p:cNvPr id="29" name="Picture 28"/>
           <p:cNvPicPr>
             <a:picLocks noChangeAspect="1"/>
           </p:cNvPicPr>
           <p:nvPr>
             <p:custDataLst>
-              <p:tags r:id="rId6"/>
+              <p:tags r:id="rId4"/>
             </p:custDataLst>
           </p:nvPr>
         </p:nvPicPr>
@@ -3167,8 +3171,8 @@
         </p:blipFill>
         <p:spPr>
           <a:xfrm>
-            <a:off x="14179756" y="1353788"/>
-            <a:ext cx="887619" cy="255238"/>
+            <a:off x="16853557" y="11798284"/>
+            <a:ext cx="597333" cy="248000"/>
           </a:xfrm>
           <a:prstGeom prst="rect">
             <a:avLst/>
@@ -3177,18 +3181,565 @@
       </p:pic>
       <p:pic>
         <p:nvPicPr>
-          <p:cNvPr id="32" name="Picture 31"/>
+          <p:cNvPr id="131" name="Picture 130"/>
           <p:cNvPicPr>
             <a:picLocks noChangeAspect="1"/>
           </p:cNvPicPr>
+          <p:nvPr/>
+        </p:nvPicPr>
+        <p:blipFill rotWithShape="1">
+          <a:blip r:embed="rId35">
+            <a:extLst>
+              <a:ext uri="{28A0092B-C50C-407E-A947-70E740481C1C}">
+                <a14:useLocalDpi xmlns:a14="http://schemas.microsoft.com/office/drawing/2010/main" val="0"/>
+              </a:ext>
+            </a:extLst>
+          </a:blip>
+          <a:srcRect l="13086" t="8405" r="8967" b="22043"/>
+          <a:stretch/>
+        </p:blipFill>
+        <p:spPr>
+          <a:xfrm>
+            <a:off x="4325112" y="6887719"/>
+            <a:ext cx="1554480" cy="4487461"/>
+          </a:xfrm>
+          <a:prstGeom prst="rect">
+            <a:avLst/>
+          </a:prstGeom>
+        </p:spPr>
+      </p:pic>
+      <p:pic>
+        <p:nvPicPr>
+          <p:cNvPr id="132" name="Picture 131"/>
+          <p:cNvPicPr>
+            <a:picLocks noChangeAspect="1"/>
+          </p:cNvPicPr>
+          <p:nvPr/>
+        </p:nvPicPr>
+        <p:blipFill rotWithShape="1">
+          <a:blip r:embed="rId36">
+            <a:extLst>
+              <a:ext uri="{28A0092B-C50C-407E-A947-70E740481C1C}">
+                <a14:useLocalDpi xmlns:a14="http://schemas.microsoft.com/office/drawing/2010/main" val="0"/>
+              </a:ext>
+            </a:extLst>
+          </a:blip>
+          <a:srcRect l="13086" t="8405" r="8967" b="22043"/>
+          <a:stretch/>
+        </p:blipFill>
+        <p:spPr>
+          <a:xfrm>
+            <a:off x="5971032" y="6887719"/>
+            <a:ext cx="1554480" cy="4487461"/>
+          </a:xfrm>
+          <a:prstGeom prst="rect">
+            <a:avLst/>
+          </a:prstGeom>
+        </p:spPr>
+      </p:pic>
+      <p:pic>
+        <p:nvPicPr>
+          <p:cNvPr id="133" name="Picture 132"/>
+          <p:cNvPicPr>
+            <a:picLocks noChangeAspect="1"/>
+          </p:cNvPicPr>
+          <p:nvPr/>
+        </p:nvPicPr>
+        <p:blipFill rotWithShape="1">
+          <a:blip r:embed="rId37">
+            <a:extLst>
+              <a:ext uri="{28A0092B-C50C-407E-A947-70E740481C1C}">
+                <a14:useLocalDpi xmlns:a14="http://schemas.microsoft.com/office/drawing/2010/main" val="0"/>
+              </a:ext>
+            </a:extLst>
+          </a:blip>
+          <a:srcRect l="13086" t="8405" r="8967" b="22043"/>
+          <a:stretch/>
+        </p:blipFill>
+        <p:spPr>
+          <a:xfrm>
+            <a:off x="7616952" y="6887719"/>
+            <a:ext cx="1554480" cy="4487461"/>
+          </a:xfrm>
+          <a:prstGeom prst="rect">
+            <a:avLst/>
+          </a:prstGeom>
+        </p:spPr>
+      </p:pic>
+      <p:pic>
+        <p:nvPicPr>
+          <p:cNvPr id="136" name="Picture 135"/>
+          <p:cNvPicPr>
+            <a:picLocks noChangeAspect="1"/>
+          </p:cNvPicPr>
+          <p:nvPr/>
+        </p:nvPicPr>
+        <p:blipFill rotWithShape="1">
+          <a:blip r:embed="rId38">
+            <a:extLst>
+              <a:ext uri="{28A0092B-C50C-407E-A947-70E740481C1C}">
+                <a14:useLocalDpi xmlns:a14="http://schemas.microsoft.com/office/drawing/2010/main" val="0"/>
+              </a:ext>
+            </a:extLst>
+          </a:blip>
+          <a:srcRect l="13086" t="8405" r="8967" b="22043"/>
+          <a:stretch/>
+        </p:blipFill>
+        <p:spPr>
+          <a:xfrm>
+            <a:off x="12195048" y="6887719"/>
+            <a:ext cx="1554480" cy="4487461"/>
+          </a:xfrm>
+          <a:prstGeom prst="rect">
+            <a:avLst/>
+          </a:prstGeom>
+        </p:spPr>
+      </p:pic>
+      <p:pic>
+        <p:nvPicPr>
+          <p:cNvPr id="137" name="Picture 136"/>
+          <p:cNvPicPr>
+            <a:picLocks noChangeAspect="1"/>
+          </p:cNvPicPr>
+          <p:nvPr/>
+        </p:nvPicPr>
+        <p:blipFill rotWithShape="1">
+          <a:blip r:embed="rId39">
+            <a:extLst>
+              <a:ext uri="{28A0092B-C50C-407E-A947-70E740481C1C}">
+                <a14:useLocalDpi xmlns:a14="http://schemas.microsoft.com/office/drawing/2010/main" val="0"/>
+              </a:ext>
+            </a:extLst>
+          </a:blip>
+          <a:srcRect l="13086" t="8405" r="8967" b="22043"/>
+          <a:stretch/>
+        </p:blipFill>
+        <p:spPr>
+          <a:xfrm>
+            <a:off x="13850112" y="6887719"/>
+            <a:ext cx="1554480" cy="4487461"/>
+          </a:xfrm>
+          <a:prstGeom prst="rect">
+            <a:avLst/>
+          </a:prstGeom>
+        </p:spPr>
+      </p:pic>
+      <p:pic>
+        <p:nvPicPr>
+          <p:cNvPr id="149" name="Picture 148"/>
+          <p:cNvPicPr>
+            <a:picLocks noChangeAspect="1"/>
+          </p:cNvPicPr>
+          <p:nvPr/>
+        </p:nvPicPr>
+        <p:blipFill rotWithShape="1">
+          <a:blip r:embed="rId40">
+            <a:extLst>
+              <a:ext uri="{28A0092B-C50C-407E-A947-70E740481C1C}">
+                <a14:useLocalDpi xmlns:a14="http://schemas.microsoft.com/office/drawing/2010/main" val="0"/>
+              </a:ext>
+            </a:extLst>
+          </a:blip>
+          <a:srcRect l="13086" t="8405" r="8967" b="22043"/>
+          <a:stretch/>
+        </p:blipFill>
+        <p:spPr>
+          <a:xfrm>
+            <a:off x="15496032" y="6887719"/>
+            <a:ext cx="1554480" cy="4487461"/>
+          </a:xfrm>
+          <a:prstGeom prst="rect">
+            <a:avLst/>
+          </a:prstGeom>
+        </p:spPr>
+      </p:pic>
+      <p:pic>
+        <p:nvPicPr>
+          <p:cNvPr id="150" name="Picture 149"/>
+          <p:cNvPicPr>
+            <a:picLocks noChangeAspect="1"/>
+          </p:cNvPicPr>
+          <p:nvPr/>
+        </p:nvPicPr>
+        <p:blipFill rotWithShape="1">
+          <a:blip r:embed="rId41">
+            <a:extLst>
+              <a:ext uri="{28A0092B-C50C-407E-A947-70E740481C1C}">
+                <a14:useLocalDpi xmlns:a14="http://schemas.microsoft.com/office/drawing/2010/main" val="0"/>
+              </a:ext>
+            </a:extLst>
+          </a:blip>
+          <a:srcRect l="13086" t="8405" r="8967" b="22043"/>
+          <a:stretch/>
+        </p:blipFill>
+        <p:spPr>
+          <a:xfrm>
+            <a:off x="17141952" y="6887719"/>
+            <a:ext cx="1554480" cy="4487461"/>
+          </a:xfrm>
+          <a:prstGeom prst="rect">
+            <a:avLst/>
+          </a:prstGeom>
+        </p:spPr>
+      </p:pic>
+      <p:sp>
+        <p:nvSpPr>
+          <p:cNvPr id="19" name="Oval 18"/>
+          <p:cNvSpPr/>
+          <p:nvPr/>
+        </p:nvSpPr>
+        <p:spPr>
+          <a:xfrm>
+            <a:off x="9345168" y="2438399"/>
+            <a:ext cx="1330567" cy="773863"/>
+          </a:xfrm>
+          <a:prstGeom prst="ellipse">
+            <a:avLst/>
+          </a:prstGeom>
+          <a:noFill/>
+          <a:ln w="57150">
+            <a:solidFill>
+              <a:schemeClr val="tx1"/>
+            </a:solidFill>
+          </a:ln>
+        </p:spPr>
+        <p:style>
+          <a:lnRef idx="2">
+            <a:schemeClr val="accent1">
+              <a:shade val="50000"/>
+            </a:schemeClr>
+          </a:lnRef>
+          <a:fillRef idx="1">
+            <a:schemeClr val="accent1"/>
+          </a:fillRef>
+          <a:effectRef idx="0">
+            <a:schemeClr val="accent1"/>
+          </a:effectRef>
+          <a:fontRef idx="minor">
+            <a:schemeClr val="lt1"/>
+          </a:fontRef>
+        </p:style>
+        <p:txBody>
+          <a:bodyPr rot="0" spcFirstLastPara="0" vertOverflow="overflow" horzOverflow="overflow" vert="horz" wrap="square" lIns="91440" tIns="45720" rIns="91440" bIns="45720" numCol="1" spcCol="0" rtlCol="0" fromWordArt="0" anchor="ctr" anchorCtr="0" forceAA="0" compatLnSpc="1">
+            <a:prstTxWarp prst="textNoShape">
+              <a:avLst/>
+            </a:prstTxWarp>
+            <a:noAutofit/>
+          </a:bodyPr>
+          <a:lstStyle/>
+          <a:p>
+            <a:pPr algn="ctr"/>
+            <a:endParaRPr lang="en-US">
+              <a:solidFill>
+                <a:srgbClr val="FF0000"/>
+              </a:solidFill>
+            </a:endParaRPr>
+          </a:p>
+        </p:txBody>
+      </p:sp>
+      <p:sp>
+        <p:nvSpPr>
+          <p:cNvPr id="20" name="Chevron 19"/>
+          <p:cNvSpPr/>
+          <p:nvPr/>
+        </p:nvSpPr>
+        <p:spPr>
+          <a:xfrm>
+            <a:off x="9875520" y="3072920"/>
+            <a:ext cx="182880" cy="274320"/>
+          </a:xfrm>
+          <a:prstGeom prst="chevron">
+            <a:avLst/>
+          </a:prstGeom>
+          <a:ln w="57150"/>
+        </p:spPr>
+        <p:style>
+          <a:lnRef idx="2">
+            <a:schemeClr val="dk1">
+              <a:shade val="50000"/>
+            </a:schemeClr>
+          </a:lnRef>
+          <a:fillRef idx="1">
+            <a:schemeClr val="dk1"/>
+          </a:fillRef>
+          <a:effectRef idx="0">
+            <a:schemeClr val="dk1"/>
+          </a:effectRef>
+          <a:fontRef idx="minor">
+            <a:schemeClr val="lt1"/>
+          </a:fontRef>
+        </p:style>
+        <p:txBody>
+          <a:bodyPr rot="0" spcFirstLastPara="0" vertOverflow="overflow" horzOverflow="overflow" vert="horz" wrap="square" lIns="91440" tIns="45720" rIns="91440" bIns="45720" numCol="1" spcCol="0" rtlCol="0" fromWordArt="0" anchor="ctr" anchorCtr="0" forceAA="0" compatLnSpc="1">
+            <a:prstTxWarp prst="textNoShape">
+              <a:avLst/>
+            </a:prstTxWarp>
+            <a:noAutofit/>
+          </a:bodyPr>
+          <a:lstStyle/>
+          <a:p>
+            <a:pPr algn="ctr"/>
+            <a:endParaRPr lang="en-US">
+              <a:solidFill>
+                <a:schemeClr val="tx1"/>
+              </a:solidFill>
+            </a:endParaRPr>
+          </a:p>
+        </p:txBody>
+      </p:sp>
+      <p:sp>
+        <p:nvSpPr>
+          <p:cNvPr id="71" name="Chevron 70"/>
+          <p:cNvSpPr/>
+          <p:nvPr/>
+        </p:nvSpPr>
+        <p:spPr>
+          <a:xfrm flipH="1">
+            <a:off x="9875520" y="2288224"/>
+            <a:ext cx="182880" cy="274320"/>
+          </a:xfrm>
+          <a:prstGeom prst="chevron">
+            <a:avLst/>
+          </a:prstGeom>
+          <a:ln w="57150"/>
+        </p:spPr>
+        <p:style>
+          <a:lnRef idx="2">
+            <a:schemeClr val="dk1">
+              <a:shade val="50000"/>
+            </a:schemeClr>
+          </a:lnRef>
+          <a:fillRef idx="1">
+            <a:schemeClr val="dk1"/>
+          </a:fillRef>
+          <a:effectRef idx="0">
+            <a:schemeClr val="dk1"/>
+          </a:effectRef>
+          <a:fontRef idx="minor">
+            <a:schemeClr val="lt1"/>
+          </a:fontRef>
+        </p:style>
+        <p:txBody>
+          <a:bodyPr rot="0" spcFirstLastPara="0" vertOverflow="overflow" horzOverflow="overflow" vert="horz" wrap="square" lIns="91440" tIns="45720" rIns="91440" bIns="45720" numCol="1" spcCol="0" rtlCol="0" fromWordArt="0" anchor="ctr" anchorCtr="0" forceAA="0" compatLnSpc="1">
+            <a:prstTxWarp prst="textNoShape">
+              <a:avLst/>
+            </a:prstTxWarp>
+            <a:noAutofit/>
+          </a:bodyPr>
+          <a:lstStyle/>
+          <a:p>
+            <a:pPr algn="ctr"/>
+            <a:endParaRPr lang="en-US">
+              <a:solidFill>
+                <a:schemeClr val="tx1"/>
+              </a:solidFill>
+            </a:endParaRPr>
+          </a:p>
+        </p:txBody>
+      </p:sp>
+      <p:sp>
+        <p:nvSpPr>
+          <p:cNvPr id="74" name="Chevron 73"/>
+          <p:cNvSpPr/>
+          <p:nvPr/>
+        </p:nvSpPr>
+        <p:spPr>
+          <a:xfrm>
+            <a:off x="9875520" y="3433120"/>
+            <a:ext cx="182880" cy="274320"/>
+          </a:xfrm>
+          <a:prstGeom prst="chevron">
+            <a:avLst/>
+          </a:prstGeom>
+          <a:ln w="57150"/>
+        </p:spPr>
+        <p:style>
+          <a:lnRef idx="2">
+            <a:schemeClr val="dk1">
+              <a:shade val="50000"/>
+            </a:schemeClr>
+          </a:lnRef>
+          <a:fillRef idx="1">
+            <a:schemeClr val="dk1"/>
+          </a:fillRef>
+          <a:effectRef idx="0">
+            <a:schemeClr val="dk1"/>
+          </a:effectRef>
+          <a:fontRef idx="minor">
+            <a:schemeClr val="lt1"/>
+          </a:fontRef>
+        </p:style>
+        <p:txBody>
+          <a:bodyPr rot="0" spcFirstLastPara="0" vertOverflow="overflow" horzOverflow="overflow" vert="horz" wrap="square" lIns="91440" tIns="45720" rIns="91440" bIns="45720" numCol="1" spcCol="0" rtlCol="0" fromWordArt="0" anchor="ctr" anchorCtr="0" forceAA="0" compatLnSpc="1">
+            <a:prstTxWarp prst="textNoShape">
+              <a:avLst/>
+            </a:prstTxWarp>
+            <a:noAutofit/>
+          </a:bodyPr>
+          <a:lstStyle/>
+          <a:p>
+            <a:pPr algn="ctr"/>
+            <a:endParaRPr lang="en-US">
+              <a:solidFill>
+                <a:schemeClr val="tx1"/>
+              </a:solidFill>
+            </a:endParaRPr>
+          </a:p>
+        </p:txBody>
+      </p:sp>
+      <p:sp>
+        <p:nvSpPr>
+          <p:cNvPr id="21" name="Oval 20"/>
+          <p:cNvSpPr/>
+          <p:nvPr/>
+        </p:nvSpPr>
+        <p:spPr>
+          <a:xfrm>
+            <a:off x="9875520" y="2684754"/>
+            <a:ext cx="274320" cy="274320"/>
+          </a:xfrm>
+          <a:prstGeom prst="ellipse">
+            <a:avLst/>
+          </a:prstGeom>
+          <a:solidFill>
+            <a:srgbClr val="FF0000"/>
+          </a:solidFill>
+          <a:ln w="57150">
+            <a:noFill/>
+          </a:ln>
+        </p:spPr>
+        <p:style>
+          <a:lnRef idx="2">
+            <a:schemeClr val="accent1">
+              <a:shade val="50000"/>
+            </a:schemeClr>
+          </a:lnRef>
+          <a:fillRef idx="1">
+            <a:schemeClr val="accent1"/>
+          </a:fillRef>
+          <a:effectRef idx="0">
+            <a:schemeClr val="accent1"/>
+          </a:effectRef>
+          <a:fontRef idx="minor">
+            <a:schemeClr val="lt1"/>
+          </a:fontRef>
+        </p:style>
+        <p:txBody>
+          <a:bodyPr rot="0" spcFirstLastPara="0" vertOverflow="overflow" horzOverflow="overflow" vert="horz" wrap="square" lIns="91440" tIns="45720" rIns="91440" bIns="45720" numCol="1" spcCol="0" rtlCol="0" fromWordArt="0" anchor="ctr" anchorCtr="0" forceAA="0" compatLnSpc="1">
+            <a:prstTxWarp prst="textNoShape">
+              <a:avLst/>
+            </a:prstTxWarp>
+            <a:noAutofit/>
+          </a:bodyPr>
+          <a:lstStyle/>
+          <a:p>
+            <a:pPr algn="ctr"/>
+            <a:endParaRPr lang="en-US"/>
+          </a:p>
+        </p:txBody>
+      </p:sp>
+      <p:sp>
+        <p:nvSpPr>
+          <p:cNvPr id="81" name="Oval 80"/>
+          <p:cNvSpPr/>
+          <p:nvPr/>
+        </p:nvSpPr>
+        <p:spPr>
+          <a:xfrm>
+            <a:off x="9875520" y="3853596"/>
+            <a:ext cx="274320" cy="274320"/>
+          </a:xfrm>
+          <a:prstGeom prst="ellipse">
+            <a:avLst/>
+          </a:prstGeom>
+          <a:solidFill>
+            <a:srgbClr val="0000FF"/>
+          </a:solidFill>
+          <a:ln w="57150">
+            <a:noFill/>
+          </a:ln>
+        </p:spPr>
+        <p:style>
+          <a:lnRef idx="2">
+            <a:schemeClr val="accent1">
+              <a:shade val="50000"/>
+            </a:schemeClr>
+          </a:lnRef>
+          <a:fillRef idx="1">
+            <a:schemeClr val="accent1"/>
+          </a:fillRef>
+          <a:effectRef idx="0">
+            <a:schemeClr val="accent1"/>
+          </a:effectRef>
+          <a:fontRef idx="minor">
+            <a:schemeClr val="lt1"/>
+          </a:fontRef>
+        </p:style>
+        <p:txBody>
+          <a:bodyPr rot="0" spcFirstLastPara="0" vertOverflow="overflow" horzOverflow="overflow" vert="horz" wrap="square" lIns="91440" tIns="45720" rIns="91440" bIns="45720" numCol="1" spcCol="0" rtlCol="0" fromWordArt="0" anchor="ctr" anchorCtr="0" forceAA="0" compatLnSpc="1">
+            <a:prstTxWarp prst="textNoShape">
+              <a:avLst/>
+            </a:prstTxWarp>
+            <a:noAutofit/>
+          </a:bodyPr>
+          <a:lstStyle/>
+          <a:p>
+            <a:pPr algn="ctr"/>
+            <a:endParaRPr lang="en-US"/>
+          </a:p>
+        </p:txBody>
+      </p:sp>
+      <p:cxnSp>
+        <p:nvCxnSpPr>
+          <p:cNvPr id="26" name="Straight Arrow Connector 25"/>
+          <p:cNvCxnSpPr/>
+          <p:nvPr/>
+        </p:nvCxnSpPr>
+        <p:spPr>
+          <a:xfrm flipH="1">
+            <a:off x="10861337" y="2769798"/>
+            <a:ext cx="0" cy="2468880"/>
+          </a:xfrm>
+          <a:prstGeom prst="straightConnector1">
+            <a:avLst/>
+          </a:prstGeom>
+          <a:ln w="57150">
+            <a:solidFill>
+              <a:schemeClr val="tx1"/>
+            </a:solidFill>
+            <a:headEnd type="stealth" w="lg" len="lg"/>
+            <a:tailEnd type="stealth" w="lg" len="lg"/>
+          </a:ln>
+        </p:spPr>
+        <p:style>
+          <a:lnRef idx="1">
+            <a:schemeClr val="accent1"/>
+          </a:lnRef>
+          <a:fillRef idx="0">
+            <a:schemeClr val="accent1"/>
+          </a:fillRef>
+          <a:effectRef idx="0">
+            <a:schemeClr val="accent1"/>
+          </a:effectRef>
+          <a:fontRef idx="minor">
+            <a:schemeClr val="tx1"/>
+          </a:fontRef>
+        </p:style>
+      </p:cxnSp>
+      <p:pic>
+        <p:nvPicPr>
+          <p:cNvPr id="46" name="Picture 45"/>
+          <p:cNvPicPr>
+            <a:picLocks noChangeAspect="1"/>
+          </p:cNvPicPr>
           <p:nvPr>
             <p:custDataLst>
-              <p:tags r:id="rId7"/>
+              <p:tags r:id="rId5"/>
             </p:custDataLst>
           </p:nvPr>
         </p:nvPicPr>
         <p:blipFill>
-          <a:blip r:embed="rId35">
+          <a:blip r:embed="rId42">
             <a:extLst>
               <a:ext uri="{28A0092B-C50C-407E-A947-70E740481C1C}">
                 <a14:useLocalDpi xmlns:a14="http://schemas.microsoft.com/office/drawing/2010/main" val="0"/>
@@ -3201,8 +3752,838 @@
         </p:blipFill>
         <p:spPr>
           <a:xfrm>
-            <a:off x="15826883" y="1353788"/>
-            <a:ext cx="887619" cy="255238"/>
+            <a:off x="10971204" y="3891940"/>
+            <a:ext cx="1040000" cy="349333"/>
+          </a:xfrm>
+          <a:prstGeom prst="rect">
+            <a:avLst/>
+          </a:prstGeom>
+        </p:spPr>
+      </p:pic>
+      <p:cxnSp>
+        <p:nvCxnSpPr>
+          <p:cNvPr id="114" name="Straight Arrow Connector 113"/>
+          <p:cNvCxnSpPr/>
+          <p:nvPr/>
+        </p:nvCxnSpPr>
+        <p:spPr>
+          <a:xfrm flipH="1">
+            <a:off x="10419728" y="7933007"/>
+            <a:ext cx="0" cy="1371600"/>
+          </a:xfrm>
+          <a:prstGeom prst="straightConnector1">
+            <a:avLst/>
+          </a:prstGeom>
+          <a:ln w="57150">
+            <a:solidFill>
+              <a:schemeClr val="tx1"/>
+            </a:solidFill>
+            <a:headEnd type="stealth" w="lg" len="lg"/>
+            <a:tailEnd type="stealth" w="lg" len="lg"/>
+          </a:ln>
+        </p:spPr>
+        <p:style>
+          <a:lnRef idx="1">
+            <a:schemeClr val="accent1"/>
+          </a:lnRef>
+          <a:fillRef idx="0">
+            <a:schemeClr val="accent1"/>
+          </a:fillRef>
+          <a:effectRef idx="0">
+            <a:schemeClr val="accent1"/>
+          </a:effectRef>
+          <a:fontRef idx="minor">
+            <a:schemeClr val="tx1"/>
+          </a:fontRef>
+        </p:style>
+      </p:cxnSp>
+      <p:sp>
+        <p:nvSpPr>
+          <p:cNvPr id="119" name="Oval 118"/>
+          <p:cNvSpPr/>
+          <p:nvPr/>
+        </p:nvSpPr>
+        <p:spPr>
+          <a:xfrm>
+            <a:off x="9389927" y="7775344"/>
+            <a:ext cx="818574" cy="536861"/>
+          </a:xfrm>
+          <a:prstGeom prst="ellipse">
+            <a:avLst/>
+          </a:prstGeom>
+          <a:noFill/>
+          <a:ln w="57150">
+            <a:solidFill>
+              <a:schemeClr val="tx1"/>
+            </a:solidFill>
+          </a:ln>
+        </p:spPr>
+        <p:style>
+          <a:lnRef idx="2">
+            <a:schemeClr val="accent1">
+              <a:shade val="50000"/>
+            </a:schemeClr>
+          </a:lnRef>
+          <a:fillRef idx="1">
+            <a:schemeClr val="accent1"/>
+          </a:fillRef>
+          <a:effectRef idx="0">
+            <a:schemeClr val="accent1"/>
+          </a:effectRef>
+          <a:fontRef idx="minor">
+            <a:schemeClr val="lt1"/>
+          </a:fontRef>
+        </p:style>
+        <p:txBody>
+          <a:bodyPr rot="0" spcFirstLastPara="0" vertOverflow="overflow" horzOverflow="overflow" vert="horz" wrap="square" lIns="91440" tIns="45720" rIns="91440" bIns="45720" numCol="1" spcCol="0" rtlCol="0" fromWordArt="0" anchor="ctr" anchorCtr="0" forceAA="0" compatLnSpc="1">
+            <a:prstTxWarp prst="textNoShape">
+              <a:avLst/>
+            </a:prstTxWarp>
+            <a:noAutofit/>
+          </a:bodyPr>
+          <a:lstStyle/>
+          <a:p>
+            <a:pPr algn="ctr"/>
+            <a:endParaRPr lang="en-US">
+              <a:solidFill>
+                <a:srgbClr val="FF0000"/>
+              </a:solidFill>
+            </a:endParaRPr>
+          </a:p>
+        </p:txBody>
+      </p:sp>
+      <p:sp>
+        <p:nvSpPr>
+          <p:cNvPr id="120" name="Chevron 119"/>
+          <p:cNvSpPr/>
+          <p:nvPr/>
+        </p:nvSpPr>
+        <p:spPr>
+          <a:xfrm flipH="1">
+            <a:off x="9659007" y="8139945"/>
+            <a:ext cx="182880" cy="274320"/>
+          </a:xfrm>
+          <a:prstGeom prst="chevron">
+            <a:avLst/>
+          </a:prstGeom>
+          <a:ln w="57150"/>
+        </p:spPr>
+        <p:style>
+          <a:lnRef idx="2">
+            <a:schemeClr val="dk1">
+              <a:shade val="50000"/>
+            </a:schemeClr>
+          </a:lnRef>
+          <a:fillRef idx="1">
+            <a:schemeClr val="dk1"/>
+          </a:fillRef>
+          <a:effectRef idx="0">
+            <a:schemeClr val="dk1"/>
+          </a:effectRef>
+          <a:fontRef idx="minor">
+            <a:schemeClr val="lt1"/>
+          </a:fontRef>
+        </p:style>
+        <p:txBody>
+          <a:bodyPr rot="0" spcFirstLastPara="0" vertOverflow="overflow" horzOverflow="overflow" vert="horz" wrap="square" lIns="91440" tIns="45720" rIns="91440" bIns="45720" numCol="1" spcCol="0" rtlCol="0" fromWordArt="0" anchor="ctr" anchorCtr="0" forceAA="0" compatLnSpc="1">
+            <a:prstTxWarp prst="textNoShape">
+              <a:avLst/>
+            </a:prstTxWarp>
+            <a:noAutofit/>
+          </a:bodyPr>
+          <a:lstStyle/>
+          <a:p>
+            <a:pPr algn="ctr"/>
+            <a:endParaRPr lang="en-US">
+              <a:solidFill>
+                <a:schemeClr val="tx1"/>
+              </a:solidFill>
+            </a:endParaRPr>
+          </a:p>
+        </p:txBody>
+      </p:sp>
+      <p:sp>
+        <p:nvSpPr>
+          <p:cNvPr id="121" name="Chevron 120"/>
+          <p:cNvSpPr/>
+          <p:nvPr/>
+        </p:nvSpPr>
+        <p:spPr>
+          <a:xfrm flipH="1">
+            <a:off x="9658901" y="7647832"/>
+            <a:ext cx="182880" cy="274320"/>
+          </a:xfrm>
+          <a:prstGeom prst="chevron">
+            <a:avLst/>
+          </a:prstGeom>
+          <a:ln w="57150"/>
+        </p:spPr>
+        <p:style>
+          <a:lnRef idx="2">
+            <a:schemeClr val="dk1">
+              <a:shade val="50000"/>
+            </a:schemeClr>
+          </a:lnRef>
+          <a:fillRef idx="1">
+            <a:schemeClr val="dk1"/>
+          </a:fillRef>
+          <a:effectRef idx="0">
+            <a:schemeClr val="dk1"/>
+          </a:effectRef>
+          <a:fontRef idx="minor">
+            <a:schemeClr val="lt1"/>
+          </a:fontRef>
+        </p:style>
+        <p:txBody>
+          <a:bodyPr rot="0" spcFirstLastPara="0" vertOverflow="overflow" horzOverflow="overflow" vert="horz" wrap="square" lIns="91440" tIns="45720" rIns="91440" bIns="45720" numCol="1" spcCol="0" rtlCol="0" fromWordArt="0" anchor="ctr" anchorCtr="0" forceAA="0" compatLnSpc="1">
+            <a:prstTxWarp prst="textNoShape">
+              <a:avLst/>
+            </a:prstTxWarp>
+            <a:noAutofit/>
+          </a:bodyPr>
+          <a:lstStyle/>
+          <a:p>
+            <a:pPr algn="ctr"/>
+            <a:endParaRPr lang="en-US">
+              <a:solidFill>
+                <a:schemeClr val="tx1"/>
+              </a:solidFill>
+            </a:endParaRPr>
+          </a:p>
+        </p:txBody>
+      </p:sp>
+      <p:sp>
+        <p:nvSpPr>
+          <p:cNvPr id="122" name="Oval 121"/>
+          <p:cNvSpPr/>
+          <p:nvPr/>
+        </p:nvSpPr>
+        <p:spPr>
+          <a:xfrm>
+            <a:off x="9345168" y="4760213"/>
+            <a:ext cx="1330567" cy="773863"/>
+          </a:xfrm>
+          <a:prstGeom prst="ellipse">
+            <a:avLst/>
+          </a:prstGeom>
+          <a:noFill/>
+          <a:ln w="57150">
+            <a:solidFill>
+              <a:schemeClr val="tx1"/>
+            </a:solidFill>
+          </a:ln>
+        </p:spPr>
+        <p:style>
+          <a:lnRef idx="2">
+            <a:schemeClr val="accent1">
+              <a:shade val="50000"/>
+            </a:schemeClr>
+          </a:lnRef>
+          <a:fillRef idx="1">
+            <a:schemeClr val="accent1"/>
+          </a:fillRef>
+          <a:effectRef idx="0">
+            <a:schemeClr val="accent1"/>
+          </a:effectRef>
+          <a:fontRef idx="minor">
+            <a:schemeClr val="lt1"/>
+          </a:fontRef>
+        </p:style>
+        <p:txBody>
+          <a:bodyPr rot="0" spcFirstLastPara="0" vertOverflow="overflow" horzOverflow="overflow" vert="horz" wrap="square" lIns="91440" tIns="45720" rIns="91440" bIns="45720" numCol="1" spcCol="0" rtlCol="0" fromWordArt="0" anchor="ctr" anchorCtr="0" forceAA="0" compatLnSpc="1">
+            <a:prstTxWarp prst="textNoShape">
+              <a:avLst/>
+            </a:prstTxWarp>
+            <a:noAutofit/>
+          </a:bodyPr>
+          <a:lstStyle/>
+          <a:p>
+            <a:pPr algn="ctr"/>
+            <a:endParaRPr lang="en-US">
+              <a:solidFill>
+                <a:srgbClr val="FF0000"/>
+              </a:solidFill>
+            </a:endParaRPr>
+          </a:p>
+        </p:txBody>
+      </p:sp>
+      <p:sp>
+        <p:nvSpPr>
+          <p:cNvPr id="123" name="Chevron 122"/>
+          <p:cNvSpPr/>
+          <p:nvPr/>
+        </p:nvSpPr>
+        <p:spPr>
+          <a:xfrm>
+            <a:off x="9875520" y="5394734"/>
+            <a:ext cx="182880" cy="304921"/>
+          </a:xfrm>
+          <a:prstGeom prst="chevron">
+            <a:avLst/>
+          </a:prstGeom>
+          <a:ln w="57150"/>
+        </p:spPr>
+        <p:style>
+          <a:lnRef idx="2">
+            <a:schemeClr val="dk1">
+              <a:shade val="50000"/>
+            </a:schemeClr>
+          </a:lnRef>
+          <a:fillRef idx="1">
+            <a:schemeClr val="dk1"/>
+          </a:fillRef>
+          <a:effectRef idx="0">
+            <a:schemeClr val="dk1"/>
+          </a:effectRef>
+          <a:fontRef idx="minor">
+            <a:schemeClr val="lt1"/>
+          </a:fontRef>
+        </p:style>
+        <p:txBody>
+          <a:bodyPr rot="0" spcFirstLastPara="0" vertOverflow="overflow" horzOverflow="overflow" vert="horz" wrap="square" lIns="91440" tIns="45720" rIns="91440" bIns="45720" numCol="1" spcCol="0" rtlCol="0" fromWordArt="0" anchor="ctr" anchorCtr="0" forceAA="0" compatLnSpc="1">
+            <a:prstTxWarp prst="textNoShape">
+              <a:avLst/>
+            </a:prstTxWarp>
+            <a:noAutofit/>
+          </a:bodyPr>
+          <a:lstStyle/>
+          <a:p>
+            <a:pPr algn="ctr"/>
+            <a:endParaRPr lang="en-US">
+              <a:solidFill>
+                <a:schemeClr val="tx1"/>
+              </a:solidFill>
+            </a:endParaRPr>
+          </a:p>
+        </p:txBody>
+      </p:sp>
+      <p:sp>
+        <p:nvSpPr>
+          <p:cNvPr id="124" name="Chevron 123"/>
+          <p:cNvSpPr/>
+          <p:nvPr/>
+        </p:nvSpPr>
+        <p:spPr>
+          <a:xfrm flipH="1">
+            <a:off x="9875520" y="4610038"/>
+            <a:ext cx="182880" cy="304921"/>
+          </a:xfrm>
+          <a:prstGeom prst="chevron">
+            <a:avLst/>
+          </a:prstGeom>
+          <a:ln w="57150"/>
+        </p:spPr>
+        <p:style>
+          <a:lnRef idx="2">
+            <a:schemeClr val="dk1">
+              <a:shade val="50000"/>
+            </a:schemeClr>
+          </a:lnRef>
+          <a:fillRef idx="1">
+            <a:schemeClr val="dk1"/>
+          </a:fillRef>
+          <a:effectRef idx="0">
+            <a:schemeClr val="dk1"/>
+          </a:effectRef>
+          <a:fontRef idx="minor">
+            <a:schemeClr val="lt1"/>
+          </a:fontRef>
+        </p:style>
+        <p:txBody>
+          <a:bodyPr rot="0" spcFirstLastPara="0" vertOverflow="overflow" horzOverflow="overflow" vert="horz" wrap="square" lIns="91440" tIns="45720" rIns="91440" bIns="45720" numCol="1" spcCol="0" rtlCol="0" fromWordArt="0" anchor="ctr" anchorCtr="0" forceAA="0" compatLnSpc="1">
+            <a:prstTxWarp prst="textNoShape">
+              <a:avLst/>
+            </a:prstTxWarp>
+            <a:noAutofit/>
+          </a:bodyPr>
+          <a:lstStyle/>
+          <a:p>
+            <a:pPr algn="ctr"/>
+            <a:endParaRPr lang="en-US">
+              <a:solidFill>
+                <a:schemeClr val="tx1"/>
+              </a:solidFill>
+            </a:endParaRPr>
+          </a:p>
+        </p:txBody>
+      </p:sp>
+      <p:sp>
+        <p:nvSpPr>
+          <p:cNvPr id="125" name="Oval 124"/>
+          <p:cNvSpPr/>
+          <p:nvPr/>
+        </p:nvSpPr>
+        <p:spPr>
+          <a:xfrm>
+            <a:off x="9875520" y="5006568"/>
+            <a:ext cx="274320" cy="274320"/>
+          </a:xfrm>
+          <a:prstGeom prst="ellipse">
+            <a:avLst/>
+          </a:prstGeom>
+          <a:solidFill>
+            <a:srgbClr val="FF0000"/>
+          </a:solidFill>
+          <a:ln w="57150">
+            <a:noFill/>
+          </a:ln>
+        </p:spPr>
+        <p:style>
+          <a:lnRef idx="2">
+            <a:schemeClr val="accent1">
+              <a:shade val="50000"/>
+            </a:schemeClr>
+          </a:lnRef>
+          <a:fillRef idx="1">
+            <a:schemeClr val="accent1"/>
+          </a:fillRef>
+          <a:effectRef idx="0">
+            <a:schemeClr val="accent1"/>
+          </a:effectRef>
+          <a:fontRef idx="minor">
+            <a:schemeClr val="lt1"/>
+          </a:fontRef>
+        </p:style>
+        <p:txBody>
+          <a:bodyPr rot="0" spcFirstLastPara="0" vertOverflow="overflow" horzOverflow="overflow" vert="horz" wrap="square" lIns="91440" tIns="45720" rIns="91440" bIns="45720" numCol="1" spcCol="0" rtlCol="0" fromWordArt="0" anchor="ctr" anchorCtr="0" forceAA="0" compatLnSpc="1">
+            <a:prstTxWarp prst="textNoShape">
+              <a:avLst/>
+            </a:prstTxWarp>
+            <a:noAutofit/>
+          </a:bodyPr>
+          <a:lstStyle/>
+          <a:p>
+            <a:pPr algn="ctr"/>
+            <a:endParaRPr lang="en-US"/>
+          </a:p>
+        </p:txBody>
+      </p:sp>
+      <p:sp>
+        <p:nvSpPr>
+          <p:cNvPr id="126" name="Oval 125"/>
+          <p:cNvSpPr/>
+          <p:nvPr/>
+        </p:nvSpPr>
+        <p:spPr>
+          <a:xfrm>
+            <a:off x="9345168" y="3599687"/>
+            <a:ext cx="1330567" cy="773863"/>
+          </a:xfrm>
+          <a:prstGeom prst="ellipse">
+            <a:avLst/>
+          </a:prstGeom>
+          <a:noFill/>
+          <a:ln w="57150">
+            <a:solidFill>
+              <a:schemeClr val="tx1"/>
+            </a:solidFill>
+          </a:ln>
+        </p:spPr>
+        <p:style>
+          <a:lnRef idx="2">
+            <a:schemeClr val="accent1">
+              <a:shade val="50000"/>
+            </a:schemeClr>
+          </a:lnRef>
+          <a:fillRef idx="1">
+            <a:schemeClr val="accent1"/>
+          </a:fillRef>
+          <a:effectRef idx="0">
+            <a:schemeClr val="accent1"/>
+          </a:effectRef>
+          <a:fontRef idx="minor">
+            <a:schemeClr val="lt1"/>
+          </a:fontRef>
+        </p:style>
+        <p:txBody>
+          <a:bodyPr rot="0" spcFirstLastPara="0" vertOverflow="overflow" horzOverflow="overflow" vert="horz" wrap="square" lIns="91440" tIns="45720" rIns="91440" bIns="45720" numCol="1" spcCol="0" rtlCol="0" fromWordArt="0" anchor="ctr" anchorCtr="0" forceAA="0" compatLnSpc="1">
+            <a:prstTxWarp prst="textNoShape">
+              <a:avLst/>
+            </a:prstTxWarp>
+            <a:noAutofit/>
+          </a:bodyPr>
+          <a:lstStyle/>
+          <a:p>
+            <a:pPr algn="ctr"/>
+            <a:endParaRPr lang="en-US">
+              <a:solidFill>
+                <a:srgbClr val="FF0000"/>
+              </a:solidFill>
+            </a:endParaRPr>
+          </a:p>
+        </p:txBody>
+      </p:sp>
+      <p:sp>
+        <p:nvSpPr>
+          <p:cNvPr id="127" name="Chevron 126"/>
+          <p:cNvSpPr/>
+          <p:nvPr/>
+        </p:nvSpPr>
+        <p:spPr>
+          <a:xfrm flipH="1">
+            <a:off x="9875520" y="4253258"/>
+            <a:ext cx="182880" cy="274320"/>
+          </a:xfrm>
+          <a:prstGeom prst="chevron">
+            <a:avLst/>
+          </a:prstGeom>
+          <a:ln w="57150"/>
+        </p:spPr>
+        <p:style>
+          <a:lnRef idx="2">
+            <a:schemeClr val="dk1">
+              <a:shade val="50000"/>
+            </a:schemeClr>
+          </a:lnRef>
+          <a:fillRef idx="1">
+            <a:schemeClr val="dk1"/>
+          </a:fillRef>
+          <a:effectRef idx="0">
+            <a:schemeClr val="dk1"/>
+          </a:effectRef>
+          <a:fontRef idx="minor">
+            <a:schemeClr val="lt1"/>
+          </a:fontRef>
+        </p:style>
+        <p:txBody>
+          <a:bodyPr rot="0" spcFirstLastPara="0" vertOverflow="overflow" horzOverflow="overflow" vert="horz" wrap="square" lIns="91440" tIns="45720" rIns="91440" bIns="45720" numCol="1" spcCol="0" rtlCol="0" fromWordArt="0" anchor="ctr" anchorCtr="0" forceAA="0" compatLnSpc="1">
+            <a:prstTxWarp prst="textNoShape">
+              <a:avLst/>
+            </a:prstTxWarp>
+            <a:noAutofit/>
+          </a:bodyPr>
+          <a:lstStyle/>
+          <a:p>
+            <a:pPr algn="ctr"/>
+            <a:endParaRPr lang="en-US">
+              <a:solidFill>
+                <a:schemeClr val="tx1"/>
+              </a:solidFill>
+            </a:endParaRPr>
+          </a:p>
+        </p:txBody>
+      </p:sp>
+      <p:sp>
+        <p:nvSpPr>
+          <p:cNvPr id="173" name="Oval 172"/>
+          <p:cNvSpPr/>
+          <p:nvPr/>
+        </p:nvSpPr>
+        <p:spPr>
+          <a:xfrm>
+            <a:off x="9385975" y="8895670"/>
+            <a:ext cx="818574" cy="536861"/>
+          </a:xfrm>
+          <a:prstGeom prst="ellipse">
+            <a:avLst/>
+          </a:prstGeom>
+          <a:noFill/>
+          <a:ln w="57150">
+            <a:solidFill>
+              <a:schemeClr val="tx1"/>
+            </a:solidFill>
+          </a:ln>
+        </p:spPr>
+        <p:style>
+          <a:lnRef idx="2">
+            <a:schemeClr val="accent1">
+              <a:shade val="50000"/>
+            </a:schemeClr>
+          </a:lnRef>
+          <a:fillRef idx="1">
+            <a:schemeClr val="accent1"/>
+          </a:fillRef>
+          <a:effectRef idx="0">
+            <a:schemeClr val="accent1"/>
+          </a:effectRef>
+          <a:fontRef idx="minor">
+            <a:schemeClr val="lt1"/>
+          </a:fontRef>
+        </p:style>
+        <p:txBody>
+          <a:bodyPr rot="0" spcFirstLastPara="0" vertOverflow="overflow" horzOverflow="overflow" vert="horz" wrap="square" lIns="91440" tIns="45720" rIns="91440" bIns="45720" numCol="1" spcCol="0" rtlCol="0" fromWordArt="0" anchor="ctr" anchorCtr="0" forceAA="0" compatLnSpc="1">
+            <a:prstTxWarp prst="textNoShape">
+              <a:avLst/>
+            </a:prstTxWarp>
+            <a:noAutofit/>
+          </a:bodyPr>
+          <a:lstStyle/>
+          <a:p>
+            <a:pPr algn="ctr"/>
+            <a:endParaRPr lang="en-US">
+              <a:solidFill>
+                <a:srgbClr val="FF0000"/>
+              </a:solidFill>
+            </a:endParaRPr>
+          </a:p>
+        </p:txBody>
+      </p:sp>
+      <p:sp>
+        <p:nvSpPr>
+          <p:cNvPr id="174" name="Chevron 173"/>
+          <p:cNvSpPr/>
+          <p:nvPr/>
+        </p:nvSpPr>
+        <p:spPr>
+          <a:xfrm flipH="1">
+            <a:off x="9655055" y="9260271"/>
+            <a:ext cx="182880" cy="274320"/>
+          </a:xfrm>
+          <a:prstGeom prst="chevron">
+            <a:avLst/>
+          </a:prstGeom>
+          <a:ln w="57150"/>
+        </p:spPr>
+        <p:style>
+          <a:lnRef idx="2">
+            <a:schemeClr val="dk1">
+              <a:shade val="50000"/>
+            </a:schemeClr>
+          </a:lnRef>
+          <a:fillRef idx="1">
+            <a:schemeClr val="dk1"/>
+          </a:fillRef>
+          <a:effectRef idx="0">
+            <a:schemeClr val="dk1"/>
+          </a:effectRef>
+          <a:fontRef idx="minor">
+            <a:schemeClr val="lt1"/>
+          </a:fontRef>
+        </p:style>
+        <p:txBody>
+          <a:bodyPr rot="0" spcFirstLastPara="0" vertOverflow="overflow" horzOverflow="overflow" vert="horz" wrap="square" lIns="91440" tIns="45720" rIns="91440" bIns="45720" numCol="1" spcCol="0" rtlCol="0" fromWordArt="0" anchor="ctr" anchorCtr="0" forceAA="0" compatLnSpc="1">
+            <a:prstTxWarp prst="textNoShape">
+              <a:avLst/>
+            </a:prstTxWarp>
+            <a:noAutofit/>
+          </a:bodyPr>
+          <a:lstStyle/>
+          <a:p>
+            <a:pPr algn="ctr"/>
+            <a:endParaRPr lang="en-US">
+              <a:solidFill>
+                <a:schemeClr val="tx1"/>
+              </a:solidFill>
+            </a:endParaRPr>
+          </a:p>
+        </p:txBody>
+      </p:sp>
+      <p:sp>
+        <p:nvSpPr>
+          <p:cNvPr id="175" name="Chevron 174"/>
+          <p:cNvSpPr/>
+          <p:nvPr/>
+        </p:nvSpPr>
+        <p:spPr>
+          <a:xfrm flipH="1">
+            <a:off x="9654949" y="8768158"/>
+            <a:ext cx="182880" cy="274320"/>
+          </a:xfrm>
+          <a:prstGeom prst="chevron">
+            <a:avLst/>
+          </a:prstGeom>
+          <a:ln w="57150"/>
+        </p:spPr>
+        <p:style>
+          <a:lnRef idx="2">
+            <a:schemeClr val="dk1">
+              <a:shade val="50000"/>
+            </a:schemeClr>
+          </a:lnRef>
+          <a:fillRef idx="1">
+            <a:schemeClr val="dk1"/>
+          </a:fillRef>
+          <a:effectRef idx="0">
+            <a:schemeClr val="dk1"/>
+          </a:effectRef>
+          <a:fontRef idx="minor">
+            <a:schemeClr val="lt1"/>
+          </a:fontRef>
+        </p:style>
+        <p:txBody>
+          <a:bodyPr rot="0" spcFirstLastPara="0" vertOverflow="overflow" horzOverflow="overflow" vert="horz" wrap="square" lIns="91440" tIns="45720" rIns="91440" bIns="45720" numCol="1" spcCol="0" rtlCol="0" fromWordArt="0" anchor="ctr" anchorCtr="0" forceAA="0" compatLnSpc="1">
+            <a:prstTxWarp prst="textNoShape">
+              <a:avLst/>
+            </a:prstTxWarp>
+            <a:noAutofit/>
+          </a:bodyPr>
+          <a:lstStyle/>
+          <a:p>
+            <a:pPr algn="ctr"/>
+            <a:endParaRPr lang="en-US">
+              <a:solidFill>
+                <a:schemeClr val="tx1"/>
+              </a:solidFill>
+            </a:endParaRPr>
+          </a:p>
+        </p:txBody>
+      </p:sp>
+      <p:sp>
+        <p:nvSpPr>
+          <p:cNvPr id="176" name="Oval 175"/>
+          <p:cNvSpPr/>
+          <p:nvPr/>
+        </p:nvSpPr>
+        <p:spPr>
+          <a:xfrm>
+            <a:off x="9414874" y="10030593"/>
+            <a:ext cx="818574" cy="536861"/>
+          </a:xfrm>
+          <a:prstGeom prst="ellipse">
+            <a:avLst/>
+          </a:prstGeom>
+          <a:noFill/>
+          <a:ln w="57150">
+            <a:solidFill>
+              <a:schemeClr val="tx1"/>
+            </a:solidFill>
+          </a:ln>
+        </p:spPr>
+        <p:style>
+          <a:lnRef idx="2">
+            <a:schemeClr val="accent1">
+              <a:shade val="50000"/>
+            </a:schemeClr>
+          </a:lnRef>
+          <a:fillRef idx="1">
+            <a:schemeClr val="accent1"/>
+          </a:fillRef>
+          <a:effectRef idx="0">
+            <a:schemeClr val="accent1"/>
+          </a:effectRef>
+          <a:fontRef idx="minor">
+            <a:schemeClr val="lt1"/>
+          </a:fontRef>
+        </p:style>
+        <p:txBody>
+          <a:bodyPr rot="0" spcFirstLastPara="0" vertOverflow="overflow" horzOverflow="overflow" vert="horz" wrap="square" lIns="91440" tIns="45720" rIns="91440" bIns="45720" numCol="1" spcCol="0" rtlCol="0" fromWordArt="0" anchor="ctr" anchorCtr="0" forceAA="0" compatLnSpc="1">
+            <a:prstTxWarp prst="textNoShape">
+              <a:avLst/>
+            </a:prstTxWarp>
+            <a:noAutofit/>
+          </a:bodyPr>
+          <a:lstStyle/>
+          <a:p>
+            <a:pPr algn="ctr"/>
+            <a:endParaRPr lang="en-US"/>
+          </a:p>
+        </p:txBody>
+      </p:sp>
+      <p:sp>
+        <p:nvSpPr>
+          <p:cNvPr id="177" name="Chevron 176"/>
+          <p:cNvSpPr/>
+          <p:nvPr/>
+        </p:nvSpPr>
+        <p:spPr>
+          <a:xfrm flipH="1">
+            <a:off x="9683954" y="10395194"/>
+            <a:ext cx="182880" cy="274320"/>
+          </a:xfrm>
+          <a:prstGeom prst="chevron">
+            <a:avLst/>
+          </a:prstGeom>
+          <a:ln w="57150"/>
+        </p:spPr>
+        <p:style>
+          <a:lnRef idx="2">
+            <a:schemeClr val="dk1">
+              <a:shade val="50000"/>
+            </a:schemeClr>
+          </a:lnRef>
+          <a:fillRef idx="1">
+            <a:schemeClr val="dk1"/>
+          </a:fillRef>
+          <a:effectRef idx="0">
+            <a:schemeClr val="dk1"/>
+          </a:effectRef>
+          <a:fontRef idx="minor">
+            <a:schemeClr val="lt1"/>
+          </a:fontRef>
+        </p:style>
+        <p:txBody>
+          <a:bodyPr rot="0" spcFirstLastPara="0" vertOverflow="overflow" horzOverflow="overflow" vert="horz" wrap="square" lIns="91440" tIns="45720" rIns="91440" bIns="45720" numCol="1" spcCol="0" rtlCol="0" fromWordArt="0" anchor="ctr" anchorCtr="0" forceAA="0" compatLnSpc="1">
+            <a:prstTxWarp prst="textNoShape">
+              <a:avLst/>
+            </a:prstTxWarp>
+            <a:noAutofit/>
+          </a:bodyPr>
+          <a:lstStyle/>
+          <a:p>
+            <a:pPr algn="ctr"/>
+            <a:endParaRPr lang="en-US"/>
+          </a:p>
+        </p:txBody>
+      </p:sp>
+      <p:sp>
+        <p:nvSpPr>
+          <p:cNvPr id="178" name="Chevron 177"/>
+          <p:cNvSpPr/>
+          <p:nvPr/>
+        </p:nvSpPr>
+        <p:spPr>
+          <a:xfrm flipH="1">
+            <a:off x="9683848" y="9903081"/>
+            <a:ext cx="182880" cy="274320"/>
+          </a:xfrm>
+          <a:prstGeom prst="chevron">
+            <a:avLst/>
+          </a:prstGeom>
+          <a:ln w="57150"/>
+        </p:spPr>
+        <p:style>
+          <a:lnRef idx="2">
+            <a:schemeClr val="dk1">
+              <a:shade val="50000"/>
+            </a:schemeClr>
+          </a:lnRef>
+          <a:fillRef idx="1">
+            <a:schemeClr val="dk1"/>
+          </a:fillRef>
+          <a:effectRef idx="0">
+            <a:schemeClr val="dk1"/>
+          </a:effectRef>
+          <a:fontRef idx="minor">
+            <a:schemeClr val="lt1"/>
+          </a:fontRef>
+        </p:style>
+        <p:txBody>
+          <a:bodyPr rot="0" spcFirstLastPara="0" vertOverflow="overflow" horzOverflow="overflow" vert="horz" wrap="square" lIns="91440" tIns="45720" rIns="91440" bIns="45720" numCol="1" spcCol="0" rtlCol="0" fromWordArt="0" anchor="ctr" anchorCtr="0" forceAA="0" compatLnSpc="1">
+            <a:prstTxWarp prst="textNoShape">
+              <a:avLst/>
+            </a:prstTxWarp>
+            <a:noAutofit/>
+          </a:bodyPr>
+          <a:lstStyle/>
+          <a:p>
+            <a:pPr algn="ctr"/>
+            <a:endParaRPr lang="en-US"/>
+          </a:p>
+        </p:txBody>
+      </p:sp>
+      <p:pic>
+        <p:nvPicPr>
+          <p:cNvPr id="3" name="Picture 2"/>
+          <p:cNvPicPr>
+            <a:picLocks noChangeAspect="1"/>
+          </p:cNvPicPr>
+          <p:nvPr/>
+        </p:nvPicPr>
+        <p:blipFill rotWithShape="1">
+          <a:blip r:embed="rId43">
+            <a:extLst>
+              <a:ext uri="{28A0092B-C50C-407E-A947-70E740481C1C}">
+                <a14:useLocalDpi xmlns:a14="http://schemas.microsoft.com/office/drawing/2010/main" val="0"/>
+              </a:ext>
+            </a:extLst>
+          </a:blip>
+          <a:srcRect l="12831" t="8325" r="10478" b="21962"/>
+          <a:stretch/>
+        </p:blipFill>
+        <p:spPr>
+          <a:xfrm>
+            <a:off x="2679192" y="1700784"/>
+            <a:ext cx="1554480" cy="4571588"/>
           </a:xfrm>
           <a:prstGeom prst="rect">
             <a:avLst/>
@@ -3211,18 +4592,163 @@
       </p:pic>
       <p:pic>
         <p:nvPicPr>
-          <p:cNvPr id="35" name="Picture 34"/>
+          <p:cNvPr id="4" name="Picture 3"/>
           <p:cNvPicPr>
             <a:picLocks noChangeAspect="1"/>
           </p:cNvPicPr>
+          <p:nvPr/>
+        </p:nvPicPr>
+        <p:blipFill rotWithShape="1">
+          <a:blip r:embed="rId44">
+            <a:extLst>
+              <a:ext uri="{28A0092B-C50C-407E-A947-70E740481C1C}">
+                <a14:useLocalDpi xmlns:a14="http://schemas.microsoft.com/office/drawing/2010/main" val="0"/>
+              </a:ext>
+            </a:extLst>
+          </a:blip>
+          <a:srcRect l="12792" t="8315" r="10438" b="21952"/>
+          <a:stretch/>
+        </p:blipFill>
+        <p:spPr>
+          <a:xfrm>
+            <a:off x="4325112" y="1700784"/>
+            <a:ext cx="1554480" cy="4568146"/>
+          </a:xfrm>
+          <a:prstGeom prst="rect">
+            <a:avLst/>
+          </a:prstGeom>
+        </p:spPr>
+      </p:pic>
+      <p:pic>
+        <p:nvPicPr>
+          <p:cNvPr id="5" name="Picture 4"/>
+          <p:cNvPicPr>
+            <a:picLocks noChangeAspect="1"/>
+          </p:cNvPicPr>
+          <p:nvPr/>
+        </p:nvPicPr>
+        <p:blipFill rotWithShape="1">
+          <a:blip r:embed="rId45">
+            <a:extLst>
+              <a:ext uri="{28A0092B-C50C-407E-A947-70E740481C1C}">
+                <a14:useLocalDpi xmlns:a14="http://schemas.microsoft.com/office/drawing/2010/main" val="0"/>
+              </a:ext>
+            </a:extLst>
+          </a:blip>
+          <a:srcRect l="12792" t="8315" r="10438" b="21952"/>
+          <a:stretch/>
+        </p:blipFill>
+        <p:spPr>
+          <a:xfrm>
+            <a:off x="5971032" y="1700784"/>
+            <a:ext cx="1554480" cy="4568146"/>
+          </a:xfrm>
+          <a:prstGeom prst="rect">
+            <a:avLst/>
+          </a:prstGeom>
+        </p:spPr>
+      </p:pic>
+      <p:pic>
+        <p:nvPicPr>
+          <p:cNvPr id="9" name="Picture 8"/>
+          <p:cNvPicPr>
+            <a:picLocks noChangeAspect="1"/>
+          </p:cNvPicPr>
+          <p:nvPr/>
+        </p:nvPicPr>
+        <p:blipFill rotWithShape="1">
+          <a:blip r:embed="rId46">
+            <a:extLst>
+              <a:ext uri="{28A0092B-C50C-407E-A947-70E740481C1C}">
+                <a14:useLocalDpi xmlns:a14="http://schemas.microsoft.com/office/drawing/2010/main" val="0"/>
+              </a:ext>
+            </a:extLst>
+          </a:blip>
+          <a:srcRect l="12792" t="8315" r="10438" b="21952"/>
+          <a:stretch/>
+        </p:blipFill>
+        <p:spPr>
+          <a:xfrm>
+            <a:off x="7616952" y="1700784"/>
+            <a:ext cx="1554480" cy="4568146"/>
+          </a:xfrm>
+          <a:prstGeom prst="rect">
+            <a:avLst/>
+          </a:prstGeom>
+        </p:spPr>
+      </p:pic>
+      <p:pic>
+        <p:nvPicPr>
+          <p:cNvPr id="11" name="Picture 10"/>
+          <p:cNvPicPr>
+            <a:picLocks noChangeAspect="1"/>
+          </p:cNvPicPr>
+          <p:nvPr/>
+        </p:nvPicPr>
+        <p:blipFill rotWithShape="1">
+          <a:blip r:embed="rId47">
+            <a:extLst>
+              <a:ext uri="{28A0092B-C50C-407E-A947-70E740481C1C}">
+                <a14:useLocalDpi xmlns:a14="http://schemas.microsoft.com/office/drawing/2010/main" val="0"/>
+              </a:ext>
+            </a:extLst>
+          </a:blip>
+          <a:srcRect l="12792" t="8315" r="10438" b="21952"/>
+          <a:stretch/>
+        </p:blipFill>
+        <p:spPr>
+          <a:xfrm>
+            <a:off x="12198096" y="1700784"/>
+            <a:ext cx="1554480" cy="4568146"/>
+          </a:xfrm>
+          <a:prstGeom prst="rect">
+            <a:avLst/>
+          </a:prstGeom>
+        </p:spPr>
+      </p:pic>
+      <p:pic>
+        <p:nvPicPr>
+          <p:cNvPr id="12" name="Picture 11"/>
+          <p:cNvPicPr>
+            <a:picLocks noChangeAspect="1"/>
+          </p:cNvPicPr>
+          <p:nvPr/>
+        </p:nvPicPr>
+        <p:blipFill rotWithShape="1">
+          <a:blip r:embed="rId48">
+            <a:extLst>
+              <a:ext uri="{28A0092B-C50C-407E-A947-70E740481C1C}">
+                <a14:useLocalDpi xmlns:a14="http://schemas.microsoft.com/office/drawing/2010/main" val="0"/>
+              </a:ext>
+            </a:extLst>
+          </a:blip>
+          <a:srcRect l="12792" t="8315" r="10438" b="21952"/>
+          <a:stretch/>
+        </p:blipFill>
+        <p:spPr>
+          <a:xfrm>
+            <a:off x="13853160" y="1700784"/>
+            <a:ext cx="1554480" cy="4568146"/>
+          </a:xfrm>
+          <a:prstGeom prst="rect">
+            <a:avLst/>
+          </a:prstGeom>
+        </p:spPr>
+      </p:pic>
+      <p:pic>
+        <p:nvPicPr>
+          <p:cNvPr id="112" name="Picture 111"/>
+          <p:cNvPicPr>
+            <a:picLocks noChangeAspect="1"/>
+          </p:cNvPicPr>
           <p:nvPr>
             <p:custDataLst>
-              <p:tags r:id="rId8"/>
+              <p:tags r:id="rId6"/>
             </p:custDataLst>
           </p:nvPr>
         </p:nvPicPr>
         <p:blipFill>
-          <a:blip r:embed="rId36">
+          <a:blip r:embed="rId32">
             <a:extLst>
               <a:ext uri="{28A0092B-C50C-407E-A947-70E740481C1C}">
                 <a14:useLocalDpi xmlns:a14="http://schemas.microsoft.com/office/drawing/2010/main" val="0"/>
@@ -3235,8 +4761,8 @@
         </p:blipFill>
         <p:spPr>
           <a:xfrm>
-            <a:off x="17407847" y="1353788"/>
-            <a:ext cx="1015238" cy="255238"/>
+            <a:off x="2238826" y="3858722"/>
+            <a:ext cx="152000" cy="245333"/>
           </a:xfrm>
           <a:prstGeom prst="rect">
             <a:avLst/>
@@ -3245,18 +4771,18 @@
       </p:pic>
       <p:pic>
         <p:nvPicPr>
-          <p:cNvPr id="27" name="Picture 26"/>
+          <p:cNvPr id="113" name="Picture 112"/>
           <p:cNvPicPr>
             <a:picLocks noChangeAspect="1"/>
           </p:cNvPicPr>
           <p:nvPr>
             <p:custDataLst>
-              <p:tags r:id="rId9"/>
+              <p:tags r:id="rId7"/>
             </p:custDataLst>
           </p:nvPr>
         </p:nvPicPr>
         <p:blipFill>
-          <a:blip r:embed="rId37">
+          <a:blip r:embed="rId29">
             <a:extLst>
               <a:ext uri="{28A0092B-C50C-407E-A947-70E740481C1C}">
                 <a14:useLocalDpi xmlns:a14="http://schemas.microsoft.com/office/drawing/2010/main" val="0"/>
@@ -3269,8 +4795,8 @@
         </p:blipFill>
         <p:spPr>
           <a:xfrm>
-            <a:off x="2390069" y="3835308"/>
-            <a:ext cx="108571" cy="175238"/>
+            <a:off x="2293560" y="2725779"/>
+            <a:ext cx="216000" cy="242667"/>
           </a:xfrm>
           <a:prstGeom prst="rect">
             <a:avLst/>
@@ -3279,18 +4805,18 @@
       </p:pic>
       <p:pic>
         <p:nvPicPr>
-          <p:cNvPr id="28" name="Picture 27"/>
+          <p:cNvPr id="115" name="Picture 114"/>
           <p:cNvPicPr>
             <a:picLocks noChangeAspect="1"/>
           </p:cNvPicPr>
           <p:nvPr>
             <p:custDataLst>
-              <p:tags r:id="rId10"/>
+              <p:tags r:id="rId8"/>
             </p:custDataLst>
           </p:nvPr>
         </p:nvPicPr>
         <p:blipFill>
-          <a:blip r:embed="rId38">
+          <a:blip r:embed="rId49">
             <a:extLst>
               <a:ext uri="{28A0092B-C50C-407E-A947-70E740481C1C}">
                 <a14:useLocalDpi xmlns:a14="http://schemas.microsoft.com/office/drawing/2010/main" val="0"/>
@@ -3303,8 +4829,8 @@
         </p:blipFill>
         <p:spPr>
           <a:xfrm>
-            <a:off x="2350483" y="2684754"/>
-            <a:ext cx="154286" cy="173333"/>
+            <a:off x="2047876" y="4985667"/>
+            <a:ext cx="474667" cy="242667"/>
           </a:xfrm>
           <a:prstGeom prst="rect">
             <a:avLst/>
@@ -3313,18 +4839,18 @@
       </p:pic>
       <p:pic>
         <p:nvPicPr>
-          <p:cNvPr id="23" name="Picture 22"/>
+          <p:cNvPr id="116" name="Picture 115"/>
           <p:cNvPicPr>
             <a:picLocks noChangeAspect="1"/>
           </p:cNvPicPr>
           <p:nvPr>
             <p:custDataLst>
-              <p:tags r:id="rId11"/>
+              <p:tags r:id="rId9"/>
             </p:custDataLst>
           </p:nvPr>
         </p:nvPicPr>
         <p:blipFill>
-          <a:blip r:embed="rId39">
+          <a:blip r:embed="rId50">
             <a:extLst>
               <a:ext uri="{28A0092B-C50C-407E-A947-70E740481C1C}">
                 <a14:useLocalDpi xmlns:a14="http://schemas.microsoft.com/office/drawing/2010/main" val="0"/>
@@ -3337,8 +4863,8 @@
         </p:blipFill>
         <p:spPr>
           <a:xfrm>
-            <a:off x="2236881" y="4984765"/>
-            <a:ext cx="339048" cy="173333"/>
+            <a:off x="1936086" y="6161399"/>
+            <a:ext cx="650667" cy="242667"/>
           </a:xfrm>
           <a:prstGeom prst="rect">
             <a:avLst/>
@@ -3347,18 +4873,18 @@
       </p:pic>
       <p:pic>
         <p:nvPicPr>
-          <p:cNvPr id="24" name="Picture 23"/>
+          <p:cNvPr id="117" name="Picture 116"/>
           <p:cNvPicPr>
             <a:picLocks noChangeAspect="1"/>
           </p:cNvPicPr>
           <p:nvPr>
             <p:custDataLst>
-              <p:tags r:id="rId12"/>
+              <p:tags r:id="rId10"/>
             </p:custDataLst>
           </p:nvPr>
         </p:nvPicPr>
         <p:blipFill>
-          <a:blip r:embed="rId40">
+          <a:blip r:embed="rId51">
             <a:extLst>
               <a:ext uri="{28A0092B-C50C-407E-A947-70E740481C1C}">
                 <a14:useLocalDpi xmlns:a14="http://schemas.microsoft.com/office/drawing/2010/main" val="0"/>
@@ -3371,42 +4897,8 @@
         </p:blipFill>
         <p:spPr>
           <a:xfrm>
-            <a:off x="2068672" y="6103865"/>
-            <a:ext cx="464762" cy="173333"/>
-          </a:xfrm>
-          <a:prstGeom prst="rect">
-            <a:avLst/>
-          </a:prstGeom>
-        </p:spPr>
-      </p:pic>
-      <p:pic>
-        <p:nvPicPr>
-          <p:cNvPr id="25" name="Picture 24"/>
-          <p:cNvPicPr>
-            <a:picLocks noChangeAspect="1"/>
-          </p:cNvPicPr>
-          <p:nvPr>
-            <p:custDataLst>
-              <p:tags r:id="rId13"/>
-            </p:custDataLst>
-          </p:nvPr>
-        </p:nvPicPr>
-        <p:blipFill>
-          <a:blip r:embed="rId41">
-            <a:extLst>
-              <a:ext uri="{28A0092B-C50C-407E-A947-70E740481C1C}">
-                <a14:useLocalDpi xmlns:a14="http://schemas.microsoft.com/office/drawing/2010/main" val="0"/>
-              </a:ext>
-            </a:extLst>
-          </a:blip>
-          <a:stretch>
-            <a:fillRect/>
-          </a:stretch>
-        </p:blipFill>
-        <p:spPr>
-          <a:xfrm>
-            <a:off x="2226678" y="1612597"/>
-            <a:ext cx="278095" cy="173333"/>
+            <a:off x="2133690" y="1595969"/>
+            <a:ext cx="389333" cy="242667"/>
           </a:xfrm>
           <a:prstGeom prst="rect">
             <a:avLst/>
@@ -3415,13 +4907,13 @@
       </p:pic>
       <p:cxnSp>
         <p:nvCxnSpPr>
-          <p:cNvPr id="36" name="Straight Connector 35"/>
+          <p:cNvPr id="118" name="Straight Connector 117"/>
           <p:cNvCxnSpPr/>
           <p:nvPr/>
         </p:nvCxnSpPr>
         <p:spPr>
           <a:xfrm>
-            <a:off x="2589178" y="1719137"/>
+            <a:off x="2608992" y="1722850"/>
             <a:ext cx="91440" cy="0"/>
           </a:xfrm>
           <a:prstGeom prst="line">
@@ -3446,13 +4938,13 @@
       </p:cxnSp>
       <p:cxnSp>
         <p:nvCxnSpPr>
-          <p:cNvPr id="38" name="Straight Connector 37"/>
+          <p:cNvPr id="128" name="Straight Connector 127"/>
           <p:cNvCxnSpPr/>
           <p:nvPr/>
         </p:nvCxnSpPr>
         <p:spPr>
           <a:xfrm>
-            <a:off x="2582553" y="2759301"/>
+            <a:off x="2620880" y="2838426"/>
             <a:ext cx="91440" cy="0"/>
           </a:xfrm>
           <a:prstGeom prst="line">
@@ -3477,13 +4969,13 @@
       </p:cxnSp>
       <p:cxnSp>
         <p:nvCxnSpPr>
-          <p:cNvPr id="39" name="Straight Connector 38"/>
+          <p:cNvPr id="129" name="Straight Connector 128"/>
           <p:cNvCxnSpPr/>
           <p:nvPr/>
         </p:nvCxnSpPr>
         <p:spPr>
           <a:xfrm>
-            <a:off x="2594716" y="3937505"/>
+            <a:off x="2595873" y="3960918"/>
             <a:ext cx="91440" cy="0"/>
           </a:xfrm>
           <a:prstGeom prst="line">
@@ -3508,13 +5000,13 @@
       </p:cxnSp>
       <p:cxnSp>
         <p:nvCxnSpPr>
-          <p:cNvPr id="40" name="Straight Connector 39"/>
+          <p:cNvPr id="134" name="Straight Connector 133"/>
           <p:cNvCxnSpPr/>
           <p:nvPr/>
         </p:nvCxnSpPr>
         <p:spPr>
           <a:xfrm>
-            <a:off x="2616975" y="5076828"/>
+            <a:off x="2618469" y="5115830"/>
             <a:ext cx="91440" cy="0"/>
           </a:xfrm>
           <a:prstGeom prst="line">
@@ -3539,13 +5031,214 @@
       </p:cxnSp>
       <p:cxnSp>
         <p:nvCxnSpPr>
-          <p:cNvPr id="41" name="Straight Connector 40"/>
+          <p:cNvPr id="135" name="Straight Connector 134"/>
           <p:cNvCxnSpPr/>
           <p:nvPr/>
         </p:nvCxnSpPr>
         <p:spPr>
           <a:xfrm>
-            <a:off x="2591749" y="6174449"/>
+            <a:off x="2611563" y="6270083"/>
+            <a:ext cx="91440" cy="0"/>
+          </a:xfrm>
+          <a:prstGeom prst="line">
+            <a:avLst/>
+          </a:prstGeom>
+          <a:ln w="38100"/>
+        </p:spPr>
+        <p:style>
+          <a:lnRef idx="1">
+            <a:schemeClr val="dk1"/>
+          </a:lnRef>
+          <a:fillRef idx="0">
+            <a:schemeClr val="dk1"/>
+          </a:fillRef>
+          <a:effectRef idx="0">
+            <a:schemeClr val="dk1"/>
+          </a:effectRef>
+          <a:fontRef idx="minor">
+            <a:schemeClr val="tx1"/>
+          </a:fontRef>
+        </p:style>
+      </p:cxnSp>
+      <p:pic>
+        <p:nvPicPr>
+          <p:cNvPr id="168" name="Picture 167"/>
+          <p:cNvPicPr>
+            <a:picLocks noChangeAspect="1"/>
+          </p:cNvPicPr>
+          <p:nvPr>
+            <p:custDataLst>
+              <p:tags r:id="rId11"/>
+            </p:custDataLst>
+          </p:nvPr>
+        </p:nvPicPr>
+        <p:blipFill>
+          <a:blip r:embed="rId32">
+            <a:extLst>
+              <a:ext uri="{28A0092B-C50C-407E-A947-70E740481C1C}">
+                <a14:useLocalDpi xmlns:a14="http://schemas.microsoft.com/office/drawing/2010/main" val="0"/>
+              </a:ext>
+            </a:extLst>
+          </a:blip>
+          <a:stretch>
+            <a:fillRect/>
+          </a:stretch>
+        </p:blipFill>
+        <p:spPr>
+          <a:xfrm>
+            <a:off x="2276668" y="9041345"/>
+            <a:ext cx="152000" cy="245333"/>
+          </a:xfrm>
+          <a:prstGeom prst="rect">
+            <a:avLst/>
+          </a:prstGeom>
+        </p:spPr>
+      </p:pic>
+      <p:pic>
+        <p:nvPicPr>
+          <p:cNvPr id="169" name="Picture 168"/>
+          <p:cNvPicPr>
+            <a:picLocks noChangeAspect="1"/>
+          </p:cNvPicPr>
+          <p:nvPr>
+            <p:custDataLst>
+              <p:tags r:id="rId12"/>
+            </p:custDataLst>
+          </p:nvPr>
+        </p:nvPicPr>
+        <p:blipFill>
+          <a:blip r:embed="rId29">
+            <a:extLst>
+              <a:ext uri="{28A0092B-C50C-407E-A947-70E740481C1C}">
+                <a14:useLocalDpi xmlns:a14="http://schemas.microsoft.com/office/drawing/2010/main" val="0"/>
+              </a:ext>
+            </a:extLst>
+          </a:blip>
+          <a:stretch>
+            <a:fillRect/>
+          </a:stretch>
+        </p:blipFill>
+        <p:spPr>
+          <a:xfrm>
+            <a:off x="2281831" y="7914212"/>
+            <a:ext cx="216000" cy="242667"/>
+          </a:xfrm>
+          <a:prstGeom prst="rect">
+            <a:avLst/>
+          </a:prstGeom>
+        </p:spPr>
+      </p:pic>
+      <p:pic>
+        <p:nvPicPr>
+          <p:cNvPr id="170" name="Picture 169"/>
+          <p:cNvPicPr>
+            <a:picLocks noChangeAspect="1"/>
+          </p:cNvPicPr>
+          <p:nvPr>
+            <p:custDataLst>
+              <p:tags r:id="rId13"/>
+            </p:custDataLst>
+          </p:nvPr>
+        </p:nvPicPr>
+        <p:blipFill>
+          <a:blip r:embed="rId49">
+            <a:extLst>
+              <a:ext uri="{28A0092B-C50C-407E-A947-70E740481C1C}">
+                <a14:useLocalDpi xmlns:a14="http://schemas.microsoft.com/office/drawing/2010/main" val="0"/>
+              </a:ext>
+            </a:extLst>
+          </a:blip>
+          <a:stretch>
+            <a:fillRect/>
+          </a:stretch>
+        </p:blipFill>
+        <p:spPr>
+          <a:xfrm>
+            <a:off x="2037278" y="10049810"/>
+            <a:ext cx="474667" cy="242667"/>
+          </a:xfrm>
+          <a:prstGeom prst="rect">
+            <a:avLst/>
+          </a:prstGeom>
+        </p:spPr>
+      </p:pic>
+      <p:pic>
+        <p:nvPicPr>
+          <p:cNvPr id="171" name="Picture 170"/>
+          <p:cNvPicPr>
+            <a:picLocks noChangeAspect="1"/>
+          </p:cNvPicPr>
+          <p:nvPr>
+            <p:custDataLst>
+              <p:tags r:id="rId14"/>
+            </p:custDataLst>
+          </p:nvPr>
+        </p:nvPicPr>
+        <p:blipFill>
+          <a:blip r:embed="rId50">
+            <a:extLst>
+              <a:ext uri="{28A0092B-C50C-407E-A947-70E740481C1C}">
+                <a14:useLocalDpi xmlns:a14="http://schemas.microsoft.com/office/drawing/2010/main" val="0"/>
+              </a:ext>
+            </a:extLst>
+          </a:blip>
+          <a:stretch>
+            <a:fillRect/>
+          </a:stretch>
+        </p:blipFill>
+        <p:spPr>
+          <a:xfrm>
+            <a:off x="1922648" y="11237922"/>
+            <a:ext cx="650667" cy="242667"/>
+          </a:xfrm>
+          <a:prstGeom prst="rect">
+            <a:avLst/>
+          </a:prstGeom>
+        </p:spPr>
+      </p:pic>
+      <p:pic>
+        <p:nvPicPr>
+          <p:cNvPr id="172" name="Picture 171"/>
+          <p:cNvPicPr>
+            <a:picLocks noChangeAspect="1"/>
+          </p:cNvPicPr>
+          <p:nvPr>
+            <p:custDataLst>
+              <p:tags r:id="rId15"/>
+            </p:custDataLst>
+          </p:nvPr>
+        </p:nvPicPr>
+        <p:blipFill>
+          <a:blip r:embed="rId51">
+            <a:extLst>
+              <a:ext uri="{28A0092B-C50C-407E-A947-70E740481C1C}">
+                <a14:useLocalDpi xmlns:a14="http://schemas.microsoft.com/office/drawing/2010/main" val="0"/>
+              </a:ext>
+            </a:extLst>
+          </a:blip>
+          <a:stretch>
+            <a:fillRect/>
+          </a:stretch>
+        </p:blipFill>
+        <p:spPr>
+          <a:xfrm>
+            <a:off x="2121961" y="6784402"/>
+            <a:ext cx="389333" cy="242667"/>
+          </a:xfrm>
+          <a:prstGeom prst="rect">
+            <a:avLst/>
+          </a:prstGeom>
+        </p:spPr>
+      </p:pic>
+      <p:cxnSp>
+        <p:nvCxnSpPr>
+          <p:cNvPr id="189" name="Straight Connector 188"/>
+          <p:cNvCxnSpPr/>
+          <p:nvPr/>
+        </p:nvCxnSpPr>
+        <p:spPr>
+          <a:xfrm>
+            <a:off x="2597263" y="6911283"/>
             <a:ext cx="91440" cy="0"/>
           </a:xfrm>
           <a:prstGeom prst="line">
@@ -3570,22 +5263,112 @@
       </p:cxnSp>
       <p:cxnSp>
         <p:nvCxnSpPr>
-          <p:cNvPr id="85" name="Straight Arrow Connector 84"/>
+          <p:cNvPr id="190" name="Straight Connector 189"/>
           <p:cNvCxnSpPr/>
           <p:nvPr/>
         </p:nvCxnSpPr>
         <p:spPr>
-          <a:xfrm flipV="1">
-            <a:off x="2675466" y="11515899"/>
-            <a:ext cx="1554480" cy="0"/>
-          </a:xfrm>
-          <a:prstGeom prst="straightConnector1">
-            <a:avLst/>
-          </a:prstGeom>
-          <a:ln w="28575">
-            <a:headEnd type="stealth" w="med" len="lg"/>
-            <a:tailEnd type="stealth" w="med" len="lg"/>
-          </a:ln>
+          <a:xfrm>
+            <a:off x="2609151" y="8026859"/>
+            <a:ext cx="91440" cy="0"/>
+          </a:xfrm>
+          <a:prstGeom prst="line">
+            <a:avLst/>
+          </a:prstGeom>
+          <a:ln w="38100"/>
+        </p:spPr>
+        <p:style>
+          <a:lnRef idx="1">
+            <a:schemeClr val="dk1"/>
+          </a:lnRef>
+          <a:fillRef idx="0">
+            <a:schemeClr val="dk1"/>
+          </a:fillRef>
+          <a:effectRef idx="0">
+            <a:schemeClr val="dk1"/>
+          </a:effectRef>
+          <a:fontRef idx="minor">
+            <a:schemeClr val="tx1"/>
+          </a:fontRef>
+        </p:style>
+      </p:cxnSp>
+      <p:cxnSp>
+        <p:nvCxnSpPr>
+          <p:cNvPr id="191" name="Straight Connector 190"/>
+          <p:cNvCxnSpPr/>
+          <p:nvPr/>
+        </p:nvCxnSpPr>
+        <p:spPr>
+          <a:xfrm>
+            <a:off x="2633715" y="9143541"/>
+            <a:ext cx="91440" cy="0"/>
+          </a:xfrm>
+          <a:prstGeom prst="line">
+            <a:avLst/>
+          </a:prstGeom>
+          <a:ln w="38100"/>
+        </p:spPr>
+        <p:style>
+          <a:lnRef idx="1">
+            <a:schemeClr val="dk1"/>
+          </a:lnRef>
+          <a:fillRef idx="0">
+            <a:schemeClr val="dk1"/>
+          </a:fillRef>
+          <a:effectRef idx="0">
+            <a:schemeClr val="dk1"/>
+          </a:effectRef>
+          <a:fontRef idx="minor">
+            <a:schemeClr val="tx1"/>
+          </a:fontRef>
+        </p:style>
+      </p:cxnSp>
+      <p:cxnSp>
+        <p:nvCxnSpPr>
+          <p:cNvPr id="192" name="Straight Connector 191"/>
+          <p:cNvCxnSpPr/>
+          <p:nvPr/>
+        </p:nvCxnSpPr>
+        <p:spPr>
+          <a:xfrm>
+            <a:off x="2607871" y="10179973"/>
+            <a:ext cx="91440" cy="0"/>
+          </a:xfrm>
+          <a:prstGeom prst="line">
+            <a:avLst/>
+          </a:prstGeom>
+          <a:ln w="38100"/>
+        </p:spPr>
+        <p:style>
+          <a:lnRef idx="1">
+            <a:schemeClr val="dk1"/>
+          </a:lnRef>
+          <a:fillRef idx="0">
+            <a:schemeClr val="dk1"/>
+          </a:fillRef>
+          <a:effectRef idx="0">
+            <a:schemeClr val="dk1"/>
+          </a:effectRef>
+          <a:fontRef idx="minor">
+            <a:schemeClr val="tx1"/>
+          </a:fontRef>
+        </p:style>
+      </p:cxnSp>
+      <p:cxnSp>
+        <p:nvCxnSpPr>
+          <p:cNvPr id="193" name="Straight Connector 192"/>
+          <p:cNvCxnSpPr/>
+          <p:nvPr/>
+        </p:nvCxnSpPr>
+        <p:spPr>
+          <a:xfrm>
+            <a:off x="2598125" y="11346606"/>
+            <a:ext cx="91440" cy="0"/>
+          </a:xfrm>
+          <a:prstGeom prst="line">
+            <a:avLst/>
+          </a:prstGeom>
+          <a:ln w="38100"/>
         </p:spPr>
         <p:style>
           <a:lnRef idx="1">
@@ -3604,18 +5387,18 @@
       </p:cxnSp>
       <p:pic>
         <p:nvPicPr>
-          <p:cNvPr id="86" name="Picture 85"/>
+          <p:cNvPr id="194" name="Picture 193"/>
           <p:cNvPicPr>
             <a:picLocks noChangeAspect="1"/>
           </p:cNvPicPr>
           <p:nvPr>
             <p:custDataLst>
-              <p:tags r:id="rId14"/>
+              <p:tags r:id="rId16"/>
             </p:custDataLst>
           </p:nvPr>
         </p:nvPicPr>
         <p:blipFill>
-          <a:blip r:embed="rId38">
+          <a:blip r:embed="rId52">
             <a:extLst>
               <a:ext uri="{28A0092B-C50C-407E-A947-70E740481C1C}">
                 <a14:useLocalDpi xmlns:a14="http://schemas.microsoft.com/office/drawing/2010/main" val="0"/>
@@ -3628,8 +5411,8 @@
         </p:blipFill>
         <p:spPr>
           <a:xfrm>
-            <a:off x="3371433" y="11623040"/>
-            <a:ext cx="154286" cy="173333"/>
+            <a:off x="307944" y="8985433"/>
+            <a:ext cx="1536000" cy="357333"/>
           </a:xfrm>
           <a:prstGeom prst="rect">
             <a:avLst/>
@@ -3638,56 +5421,18 @@
       </p:pic>
       <p:pic>
         <p:nvPicPr>
-          <p:cNvPr id="87" name="Content Placeholder 3"/>
+          <p:cNvPr id="195" name="Picture 194"/>
           <p:cNvPicPr>
             <a:picLocks noChangeAspect="1"/>
           </p:cNvPicPr>
-          <p:nvPr/>
-        </p:nvPicPr>
-        <p:blipFill rotWithShape="1">
-          <a:blip r:embed="rId42">
-            <a:extLst>
-              <a:ext uri="{BEBA8EAE-BF5A-486C-A8C5-ECC9F3942E4B}">
-                <a14:imgProps xmlns:a14="http://schemas.microsoft.com/office/drawing/2010/main">
-                  <a14:imgLayer r:embed="rId43">
-                    <a14:imgEffect>
-                      <a14:backgroundRemoval t="75268" b="88704" l="13777" r="94062"/>
-                    </a14:imgEffect>
-                  </a14:imgLayer>
-                </a14:imgProps>
-              </a:ext>
-              <a:ext uri="{28A0092B-C50C-407E-A947-70E740481C1C}">
-                <a14:useLocalDpi xmlns:a14="http://schemas.microsoft.com/office/drawing/2010/main" val="0"/>
-              </a:ext>
-            </a:extLst>
-          </a:blip>
-          <a:srcRect l="13269" t="74206" r="4523" b="10908"/>
-          <a:stretch/>
-        </p:blipFill>
-        <p:spPr>
-          <a:xfrm>
-            <a:off x="15316200" y="11359256"/>
-            <a:ext cx="3581400" cy="647701"/>
-          </a:xfrm>
-          <a:prstGeom prst="rect">
-            <a:avLst/>
-          </a:prstGeom>
-        </p:spPr>
-      </p:pic>
-      <p:pic>
-        <p:nvPicPr>
-          <p:cNvPr id="88" name="Picture 87"/>
-          <p:cNvPicPr>
-            <a:picLocks noChangeAspect="1"/>
-          </p:cNvPicPr>
           <p:nvPr>
             <p:custDataLst>
-              <p:tags r:id="rId15"/>
+              <p:tags r:id="rId17"/>
             </p:custDataLst>
           </p:nvPr>
         </p:nvPicPr>
         <p:blipFill>
-          <a:blip r:embed="rId44">
+          <a:blip r:embed="rId53">
             <a:extLst>
               <a:ext uri="{28A0092B-C50C-407E-A947-70E740481C1C}">
                 <a14:useLocalDpi xmlns:a14="http://schemas.microsoft.com/office/drawing/2010/main" val="0"/>
@@ -3700,8 +5445,8 @@
         </p:blipFill>
         <p:spPr>
           <a:xfrm>
-            <a:off x="13622233" y="11471605"/>
-            <a:ext cx="1721905" cy="622857"/>
+            <a:off x="310896" y="3781467"/>
+            <a:ext cx="1149333" cy="330667"/>
           </a:xfrm>
           <a:prstGeom prst="rect">
             <a:avLst/>
@@ -3710,18 +5455,18 @@
       </p:pic>
       <p:pic>
         <p:nvPicPr>
-          <p:cNvPr id="89" name="Picture 88"/>
+          <p:cNvPr id="196" name="Picture 195"/>
           <p:cNvPicPr>
             <a:picLocks noChangeAspect="1"/>
           </p:cNvPicPr>
           <p:nvPr>
             <p:custDataLst>
-              <p:tags r:id="rId16"/>
+              <p:tags r:id="rId18"/>
             </p:custDataLst>
           </p:nvPr>
         </p:nvPicPr>
         <p:blipFill>
-          <a:blip r:embed="rId37">
+          <a:blip r:embed="rId54">
             <a:extLst>
               <a:ext uri="{28A0092B-C50C-407E-A947-70E740481C1C}">
                 <a14:useLocalDpi xmlns:a14="http://schemas.microsoft.com/office/drawing/2010/main" val="0"/>
@@ -3734,8 +5479,8 @@
         </p:blipFill>
         <p:spPr>
           <a:xfrm>
-            <a:off x="15430340" y="11695409"/>
-            <a:ext cx="108571" cy="175238"/>
+            <a:off x="2659980" y="1288797"/>
+            <a:ext cx="1514667" cy="357333"/>
           </a:xfrm>
           <a:prstGeom prst="rect">
             <a:avLst/>
@@ -3744,18 +5489,18 @@
       </p:pic>
       <p:pic>
         <p:nvPicPr>
-          <p:cNvPr id="90" name="Picture 89"/>
+          <p:cNvPr id="197" name="Picture 196"/>
           <p:cNvPicPr>
             <a:picLocks noChangeAspect="1"/>
           </p:cNvPicPr>
           <p:nvPr>
             <p:custDataLst>
-              <p:tags r:id="rId17"/>
+              <p:tags r:id="rId19"/>
             </p:custDataLst>
           </p:nvPr>
         </p:nvPicPr>
         <p:blipFill>
-          <a:blip r:embed="rId45">
+          <a:blip r:embed="rId55">
             <a:extLst>
               <a:ext uri="{28A0092B-C50C-407E-A947-70E740481C1C}">
                 <a14:useLocalDpi xmlns:a14="http://schemas.microsoft.com/office/drawing/2010/main" val="0"/>
@@ -3768,8 +5513,8 @@
         </p:blipFill>
         <p:spPr>
           <a:xfrm>
-            <a:off x="18534545" y="11695409"/>
-            <a:ext cx="300952" cy="175238"/>
+            <a:off x="4407805" y="1289644"/>
+            <a:ext cx="1229333" cy="357333"/>
           </a:xfrm>
           <a:prstGeom prst="rect">
             <a:avLst/>
@@ -3778,18 +5523,18 @@
       </p:pic>
       <p:pic>
         <p:nvPicPr>
-          <p:cNvPr id="91" name="Picture 90"/>
+          <p:cNvPr id="198" name="Picture 197"/>
           <p:cNvPicPr>
             <a:picLocks noChangeAspect="1"/>
           </p:cNvPicPr>
           <p:nvPr>
             <p:custDataLst>
-              <p:tags r:id="rId18"/>
+              <p:tags r:id="rId20"/>
             </p:custDataLst>
           </p:nvPr>
         </p:nvPicPr>
         <p:blipFill>
-          <a:blip r:embed="rId46">
+          <a:blip r:embed="rId56">
             <a:extLst>
               <a:ext uri="{28A0092B-C50C-407E-A947-70E740481C1C}">
                 <a14:useLocalDpi xmlns:a14="http://schemas.microsoft.com/office/drawing/2010/main" val="0"/>
@@ -3802,8 +5547,8 @@
         </p:blipFill>
         <p:spPr>
           <a:xfrm>
-            <a:off x="16853558" y="11706844"/>
-            <a:ext cx="426667" cy="177143"/>
+            <a:off x="5951820" y="1288797"/>
+            <a:ext cx="1514667" cy="357333"/>
           </a:xfrm>
           <a:prstGeom prst="rect">
             <a:avLst/>
@@ -3812,18 +5557,18 @@
       </p:pic>
       <p:pic>
         <p:nvPicPr>
-          <p:cNvPr id="49" name="Picture 48"/>
+          <p:cNvPr id="199" name="Picture 198"/>
           <p:cNvPicPr>
             <a:picLocks noChangeAspect="1"/>
           </p:cNvPicPr>
           <p:nvPr>
             <p:custDataLst>
-              <p:tags r:id="rId19"/>
+              <p:tags r:id="rId21"/>
             </p:custDataLst>
           </p:nvPr>
         </p:nvPicPr>
         <p:blipFill>
-          <a:blip r:embed="rId47">
+          <a:blip r:embed="rId57">
             <a:extLst>
               <a:ext uri="{28A0092B-C50C-407E-A947-70E740481C1C}">
                 <a14:useLocalDpi xmlns:a14="http://schemas.microsoft.com/office/drawing/2010/main" val="0"/>
@@ -3836,8 +5581,8 @@
         </p:blipFill>
         <p:spPr>
           <a:xfrm>
-            <a:off x="399384" y="8985433"/>
-            <a:ext cx="1536000" cy="357333"/>
+            <a:off x="7699639" y="1295115"/>
+            <a:ext cx="1240000" cy="357333"/>
           </a:xfrm>
           <a:prstGeom prst="rect">
             <a:avLst/>
@@ -3846,18 +5591,18 @@
       </p:pic>
       <p:pic>
         <p:nvPicPr>
-          <p:cNvPr id="48" name="Picture 47"/>
+          <p:cNvPr id="200" name="Picture 199"/>
           <p:cNvPicPr>
             <a:picLocks noChangeAspect="1"/>
           </p:cNvPicPr>
           <p:nvPr>
             <p:custDataLst>
-              <p:tags r:id="rId20"/>
+              <p:tags r:id="rId22"/>
             </p:custDataLst>
           </p:nvPr>
         </p:nvPicPr>
         <p:blipFill>
-          <a:blip r:embed="rId48">
+          <a:blip r:embed="rId58">
             <a:extLst>
               <a:ext uri="{28A0092B-C50C-407E-A947-70E740481C1C}">
                 <a14:useLocalDpi xmlns:a14="http://schemas.microsoft.com/office/drawing/2010/main" val="0"/>
@@ -3870,8 +5615,8 @@
         </p:blipFill>
         <p:spPr>
           <a:xfrm>
-            <a:off x="402336" y="3781467"/>
-            <a:ext cx="1149333" cy="330667"/>
+            <a:off x="12280217" y="1283685"/>
+            <a:ext cx="1248000" cy="357333"/>
           </a:xfrm>
           <a:prstGeom prst="rect">
             <a:avLst/>
@@ -3880,797 +5625,18 @@
       </p:pic>
       <p:pic>
         <p:nvPicPr>
-          <p:cNvPr id="130" name="Picture 129"/>
+          <p:cNvPr id="201" name="Picture 200"/>
           <p:cNvPicPr>
             <a:picLocks noChangeAspect="1"/>
           </p:cNvPicPr>
-          <p:nvPr/>
-        </p:nvPicPr>
-        <p:blipFill rotWithShape="1">
-          <a:blip r:embed="rId49">
-            <a:extLst>
-              <a:ext uri="{28A0092B-C50C-407E-A947-70E740481C1C}">
-                <a14:useLocalDpi xmlns:a14="http://schemas.microsoft.com/office/drawing/2010/main" val="0"/>
-              </a:ext>
-            </a:extLst>
-          </a:blip>
-          <a:srcRect l="13086" t="8860" r="8967" b="21588"/>
-          <a:stretch/>
-        </p:blipFill>
-        <p:spPr>
-          <a:xfrm>
-            <a:off x="2679192" y="6887719"/>
-            <a:ext cx="1554480" cy="4487461"/>
-          </a:xfrm>
-          <a:prstGeom prst="rect">
-            <a:avLst/>
-          </a:prstGeom>
-        </p:spPr>
-      </p:pic>
-      <p:pic>
-        <p:nvPicPr>
-          <p:cNvPr id="131" name="Picture 130"/>
-          <p:cNvPicPr>
-            <a:picLocks noChangeAspect="1"/>
-          </p:cNvPicPr>
-          <p:nvPr/>
-        </p:nvPicPr>
-        <p:blipFill rotWithShape="1">
-          <a:blip r:embed="rId50">
-            <a:extLst>
-              <a:ext uri="{28A0092B-C50C-407E-A947-70E740481C1C}">
-                <a14:useLocalDpi xmlns:a14="http://schemas.microsoft.com/office/drawing/2010/main" val="0"/>
-              </a:ext>
-            </a:extLst>
-          </a:blip>
-          <a:srcRect l="13086" t="8405" r="8967" b="22043"/>
-          <a:stretch/>
-        </p:blipFill>
-        <p:spPr>
-          <a:xfrm>
-            <a:off x="4325112" y="6887719"/>
-            <a:ext cx="1554480" cy="4487461"/>
-          </a:xfrm>
-          <a:prstGeom prst="rect">
-            <a:avLst/>
-          </a:prstGeom>
-        </p:spPr>
-      </p:pic>
-      <p:pic>
-        <p:nvPicPr>
-          <p:cNvPr id="132" name="Picture 131"/>
-          <p:cNvPicPr>
-            <a:picLocks noChangeAspect="1"/>
-          </p:cNvPicPr>
-          <p:nvPr/>
-        </p:nvPicPr>
-        <p:blipFill rotWithShape="1">
-          <a:blip r:embed="rId51">
-            <a:extLst>
-              <a:ext uri="{28A0092B-C50C-407E-A947-70E740481C1C}">
-                <a14:useLocalDpi xmlns:a14="http://schemas.microsoft.com/office/drawing/2010/main" val="0"/>
-              </a:ext>
-            </a:extLst>
-          </a:blip>
-          <a:srcRect l="13086" t="8405" r="8967" b="22043"/>
-          <a:stretch/>
-        </p:blipFill>
-        <p:spPr>
-          <a:xfrm>
-            <a:off x="5971032" y="6887719"/>
-            <a:ext cx="1554480" cy="4487461"/>
-          </a:xfrm>
-          <a:prstGeom prst="rect">
-            <a:avLst/>
-          </a:prstGeom>
-        </p:spPr>
-      </p:pic>
-      <p:pic>
-        <p:nvPicPr>
-          <p:cNvPr id="133" name="Picture 132"/>
-          <p:cNvPicPr>
-            <a:picLocks noChangeAspect="1"/>
-          </p:cNvPicPr>
-          <p:nvPr/>
-        </p:nvPicPr>
-        <p:blipFill rotWithShape="1">
-          <a:blip r:embed="rId52">
-            <a:extLst>
-              <a:ext uri="{28A0092B-C50C-407E-A947-70E740481C1C}">
-                <a14:useLocalDpi xmlns:a14="http://schemas.microsoft.com/office/drawing/2010/main" val="0"/>
-              </a:ext>
-            </a:extLst>
-          </a:blip>
-          <a:srcRect l="13086" t="8405" r="8967" b="22043"/>
-          <a:stretch/>
-        </p:blipFill>
-        <p:spPr>
-          <a:xfrm>
-            <a:off x="7616952" y="6887719"/>
-            <a:ext cx="1554480" cy="4487461"/>
-          </a:xfrm>
-          <a:prstGeom prst="rect">
-            <a:avLst/>
-          </a:prstGeom>
-        </p:spPr>
-      </p:pic>
-      <p:pic>
-        <p:nvPicPr>
-          <p:cNvPr id="136" name="Picture 135"/>
-          <p:cNvPicPr>
-            <a:picLocks noChangeAspect="1"/>
-          </p:cNvPicPr>
-          <p:nvPr/>
-        </p:nvPicPr>
-        <p:blipFill rotWithShape="1">
-          <a:blip r:embed="rId53">
-            <a:extLst>
-              <a:ext uri="{28A0092B-C50C-407E-A947-70E740481C1C}">
-                <a14:useLocalDpi xmlns:a14="http://schemas.microsoft.com/office/drawing/2010/main" val="0"/>
-              </a:ext>
-            </a:extLst>
-          </a:blip>
-          <a:srcRect l="13086" t="8405" r="8967" b="22043"/>
-          <a:stretch/>
-        </p:blipFill>
-        <p:spPr>
-          <a:xfrm>
-            <a:off x="12195048" y="6887719"/>
-            <a:ext cx="1554480" cy="4487461"/>
-          </a:xfrm>
-          <a:prstGeom prst="rect">
-            <a:avLst/>
-          </a:prstGeom>
-        </p:spPr>
-      </p:pic>
-      <p:pic>
-        <p:nvPicPr>
-          <p:cNvPr id="137" name="Picture 136"/>
-          <p:cNvPicPr>
-            <a:picLocks noChangeAspect="1"/>
-          </p:cNvPicPr>
-          <p:nvPr/>
-        </p:nvPicPr>
-        <p:blipFill rotWithShape="1">
-          <a:blip r:embed="rId54">
-            <a:extLst>
-              <a:ext uri="{28A0092B-C50C-407E-A947-70E740481C1C}">
-                <a14:useLocalDpi xmlns:a14="http://schemas.microsoft.com/office/drawing/2010/main" val="0"/>
-              </a:ext>
-            </a:extLst>
-          </a:blip>
-          <a:srcRect l="13086" t="8405" r="8967" b="22043"/>
-          <a:stretch/>
-        </p:blipFill>
-        <p:spPr>
-          <a:xfrm>
-            <a:off x="13850112" y="6887719"/>
-            <a:ext cx="1554480" cy="4487461"/>
-          </a:xfrm>
-          <a:prstGeom prst="rect">
-            <a:avLst/>
-          </a:prstGeom>
-        </p:spPr>
-      </p:pic>
-      <p:pic>
-        <p:nvPicPr>
-          <p:cNvPr id="140" name="Picture 139"/>
-          <p:cNvPicPr>
-            <a:picLocks noChangeAspect="1"/>
-          </p:cNvPicPr>
-          <p:nvPr/>
-        </p:nvPicPr>
-        <p:blipFill rotWithShape="1">
-          <a:blip r:embed="rId55">
-            <a:extLst>
-              <a:ext uri="{28A0092B-C50C-407E-A947-70E740481C1C}">
-                <a14:useLocalDpi xmlns:a14="http://schemas.microsoft.com/office/drawing/2010/main" val="0"/>
-              </a:ext>
-            </a:extLst>
-          </a:blip>
-          <a:srcRect l="13086" t="8405" r="8967" b="22043"/>
-          <a:stretch/>
-        </p:blipFill>
-        <p:spPr>
-          <a:xfrm>
-            <a:off x="2679192" y="1703071"/>
-            <a:ext cx="1554480" cy="4487461"/>
-          </a:xfrm>
-          <a:prstGeom prst="rect">
-            <a:avLst/>
-          </a:prstGeom>
-        </p:spPr>
-      </p:pic>
-      <p:pic>
-        <p:nvPicPr>
-          <p:cNvPr id="141" name="Picture 140"/>
-          <p:cNvPicPr>
-            <a:picLocks noChangeAspect="1"/>
-          </p:cNvPicPr>
-          <p:nvPr/>
-        </p:nvPicPr>
-        <p:blipFill rotWithShape="1">
-          <a:blip r:embed="rId56">
-            <a:extLst>
-              <a:ext uri="{28A0092B-C50C-407E-A947-70E740481C1C}">
-                <a14:useLocalDpi xmlns:a14="http://schemas.microsoft.com/office/drawing/2010/main" val="0"/>
-              </a:ext>
-            </a:extLst>
-          </a:blip>
-          <a:srcRect l="13085" t="8405" r="8967" b="22043"/>
-          <a:stretch/>
-        </p:blipFill>
-        <p:spPr>
-          <a:xfrm>
-            <a:off x="4325112" y="1703071"/>
-            <a:ext cx="1554480" cy="4487461"/>
-          </a:xfrm>
-          <a:prstGeom prst="rect">
-            <a:avLst/>
-          </a:prstGeom>
-        </p:spPr>
-      </p:pic>
-      <p:pic>
-        <p:nvPicPr>
-          <p:cNvPr id="142" name="Picture 141"/>
-          <p:cNvPicPr>
-            <a:picLocks noChangeAspect="1"/>
-          </p:cNvPicPr>
-          <p:nvPr/>
-        </p:nvPicPr>
-        <p:blipFill rotWithShape="1">
-          <a:blip r:embed="rId57">
-            <a:extLst>
-              <a:ext uri="{28A0092B-C50C-407E-A947-70E740481C1C}">
-                <a14:useLocalDpi xmlns:a14="http://schemas.microsoft.com/office/drawing/2010/main" val="0"/>
-              </a:ext>
-            </a:extLst>
-          </a:blip>
-          <a:srcRect l="13086" t="8405" r="8967" b="22043"/>
-          <a:stretch/>
-        </p:blipFill>
-        <p:spPr>
-          <a:xfrm>
-            <a:off x="5971032" y="1703070"/>
-            <a:ext cx="1554480" cy="4487462"/>
-          </a:xfrm>
-          <a:prstGeom prst="rect">
-            <a:avLst/>
-          </a:prstGeom>
-        </p:spPr>
-      </p:pic>
-      <p:pic>
-        <p:nvPicPr>
-          <p:cNvPr id="143" name="Picture 142"/>
-          <p:cNvPicPr>
-            <a:picLocks noChangeAspect="1"/>
-          </p:cNvPicPr>
-          <p:nvPr/>
-        </p:nvPicPr>
-        <p:blipFill rotWithShape="1">
-          <a:blip r:embed="rId58">
-            <a:extLst>
-              <a:ext uri="{28A0092B-C50C-407E-A947-70E740481C1C}">
-                <a14:useLocalDpi xmlns:a14="http://schemas.microsoft.com/office/drawing/2010/main" val="0"/>
-              </a:ext>
-            </a:extLst>
-          </a:blip>
-          <a:srcRect l="13086" t="8405" r="8967" b="22043"/>
-          <a:stretch/>
-        </p:blipFill>
-        <p:spPr>
-          <a:xfrm>
-            <a:off x="7616952" y="1703071"/>
-            <a:ext cx="1554480" cy="4487461"/>
-          </a:xfrm>
-          <a:prstGeom prst="rect">
-            <a:avLst/>
-          </a:prstGeom>
-        </p:spPr>
-      </p:pic>
-      <p:pic>
-        <p:nvPicPr>
-          <p:cNvPr id="146" name="Picture 145"/>
-          <p:cNvPicPr>
-            <a:picLocks noChangeAspect="1"/>
-          </p:cNvPicPr>
-          <p:nvPr/>
-        </p:nvPicPr>
-        <p:blipFill rotWithShape="1">
-          <a:blip r:embed="rId59">
-            <a:extLst>
-              <a:ext uri="{28A0092B-C50C-407E-A947-70E740481C1C}">
-                <a14:useLocalDpi xmlns:a14="http://schemas.microsoft.com/office/drawing/2010/main" val="0"/>
-              </a:ext>
-            </a:extLst>
-          </a:blip>
-          <a:srcRect l="13086" t="8405" r="8967" b="22043"/>
-          <a:stretch/>
-        </p:blipFill>
-        <p:spPr>
-          <a:xfrm>
-            <a:off x="13850112" y="1703071"/>
-            <a:ext cx="1554480" cy="4487461"/>
-          </a:xfrm>
-          <a:prstGeom prst="rect">
-            <a:avLst/>
-          </a:prstGeom>
-        </p:spPr>
-      </p:pic>
-      <p:pic>
-        <p:nvPicPr>
-          <p:cNvPr id="147" name="Picture 146"/>
-          <p:cNvPicPr>
-            <a:picLocks noChangeAspect="1"/>
-          </p:cNvPicPr>
-          <p:nvPr/>
-        </p:nvPicPr>
-        <p:blipFill rotWithShape="1">
-          <a:blip r:embed="rId60">
-            <a:extLst>
-              <a:ext uri="{28A0092B-C50C-407E-A947-70E740481C1C}">
-                <a14:useLocalDpi xmlns:a14="http://schemas.microsoft.com/office/drawing/2010/main" val="0"/>
-              </a:ext>
-            </a:extLst>
-          </a:blip>
-          <a:srcRect l="13086" t="8405" r="8967" b="22043"/>
-          <a:stretch/>
-        </p:blipFill>
-        <p:spPr>
-          <a:xfrm>
-            <a:off x="15496032" y="1703071"/>
-            <a:ext cx="1554480" cy="4487461"/>
-          </a:xfrm>
-          <a:prstGeom prst="rect">
-            <a:avLst/>
-          </a:prstGeom>
-        </p:spPr>
-      </p:pic>
-      <p:pic>
-        <p:nvPicPr>
-          <p:cNvPr id="148" name="Picture 147"/>
-          <p:cNvPicPr>
-            <a:picLocks noChangeAspect="1"/>
-          </p:cNvPicPr>
-          <p:nvPr/>
-        </p:nvPicPr>
-        <p:blipFill rotWithShape="1">
-          <a:blip r:embed="rId61">
-            <a:extLst>
-              <a:ext uri="{28A0092B-C50C-407E-A947-70E740481C1C}">
-                <a14:useLocalDpi xmlns:a14="http://schemas.microsoft.com/office/drawing/2010/main" val="0"/>
-              </a:ext>
-            </a:extLst>
-          </a:blip>
-          <a:srcRect l="13086" t="8405" r="8967" b="22043"/>
-          <a:stretch/>
-        </p:blipFill>
-        <p:spPr>
-          <a:xfrm>
-            <a:off x="17141952" y="1703071"/>
-            <a:ext cx="1554480" cy="4487461"/>
-          </a:xfrm>
-          <a:prstGeom prst="rect">
-            <a:avLst/>
-          </a:prstGeom>
-        </p:spPr>
-      </p:pic>
-      <p:pic>
-        <p:nvPicPr>
-          <p:cNvPr id="149" name="Picture 148"/>
-          <p:cNvPicPr>
-            <a:picLocks noChangeAspect="1"/>
-          </p:cNvPicPr>
-          <p:nvPr/>
-        </p:nvPicPr>
-        <p:blipFill rotWithShape="1">
-          <a:blip r:embed="rId62">
-            <a:extLst>
-              <a:ext uri="{28A0092B-C50C-407E-A947-70E740481C1C}">
-                <a14:useLocalDpi xmlns:a14="http://schemas.microsoft.com/office/drawing/2010/main" val="0"/>
-              </a:ext>
-            </a:extLst>
-          </a:blip>
-          <a:srcRect l="13086" t="8405" r="8967" b="22043"/>
-          <a:stretch/>
-        </p:blipFill>
-        <p:spPr>
-          <a:xfrm>
-            <a:off x="15496032" y="6887719"/>
-            <a:ext cx="1554480" cy="4487461"/>
-          </a:xfrm>
-          <a:prstGeom prst="rect">
-            <a:avLst/>
-          </a:prstGeom>
-        </p:spPr>
-      </p:pic>
-      <p:pic>
-        <p:nvPicPr>
-          <p:cNvPr id="150" name="Picture 149"/>
-          <p:cNvPicPr>
-            <a:picLocks noChangeAspect="1"/>
-          </p:cNvPicPr>
-          <p:nvPr/>
-        </p:nvPicPr>
-        <p:blipFill rotWithShape="1">
-          <a:blip r:embed="rId63">
-            <a:extLst>
-              <a:ext uri="{28A0092B-C50C-407E-A947-70E740481C1C}">
-                <a14:useLocalDpi xmlns:a14="http://schemas.microsoft.com/office/drawing/2010/main" val="0"/>
-              </a:ext>
-            </a:extLst>
-          </a:blip>
-          <a:srcRect l="13086" t="8405" r="8967" b="22043"/>
-          <a:stretch/>
-        </p:blipFill>
-        <p:spPr>
-          <a:xfrm>
-            <a:off x="17141952" y="6887719"/>
-            <a:ext cx="1554480" cy="4487461"/>
-          </a:xfrm>
-          <a:prstGeom prst="rect">
-            <a:avLst/>
-          </a:prstGeom>
-        </p:spPr>
-      </p:pic>
-      <p:sp>
-        <p:nvSpPr>
-          <p:cNvPr id="19" name="Oval 18"/>
-          <p:cNvSpPr/>
-          <p:nvPr/>
-        </p:nvSpPr>
-        <p:spPr>
-          <a:xfrm>
-            <a:off x="9318879" y="2438399"/>
-            <a:ext cx="1330567" cy="773863"/>
-          </a:xfrm>
-          <a:prstGeom prst="ellipse">
-            <a:avLst/>
-          </a:prstGeom>
-          <a:noFill/>
-          <a:ln w="76200">
-            <a:solidFill>
-              <a:schemeClr val="tx1"/>
-            </a:solidFill>
-          </a:ln>
-        </p:spPr>
-        <p:style>
-          <a:lnRef idx="2">
-            <a:schemeClr val="accent1">
-              <a:shade val="50000"/>
-            </a:schemeClr>
-          </a:lnRef>
-          <a:fillRef idx="1">
-            <a:schemeClr val="accent1"/>
-          </a:fillRef>
-          <a:effectRef idx="0">
-            <a:schemeClr val="accent1"/>
-          </a:effectRef>
-          <a:fontRef idx="minor">
-            <a:schemeClr val="lt1"/>
-          </a:fontRef>
-        </p:style>
-        <p:txBody>
-          <a:bodyPr rot="0" spcFirstLastPara="0" vertOverflow="overflow" horzOverflow="overflow" vert="horz" wrap="square" lIns="91440" tIns="45720" rIns="91440" bIns="45720" numCol="1" spcCol="0" rtlCol="0" fromWordArt="0" anchor="ctr" anchorCtr="0" forceAA="0" compatLnSpc="1">
-            <a:prstTxWarp prst="textNoShape">
-              <a:avLst/>
-            </a:prstTxWarp>
-            <a:noAutofit/>
-          </a:bodyPr>
-          <a:lstStyle/>
-          <a:p>
-            <a:pPr algn="ctr"/>
-            <a:endParaRPr lang="en-US">
-              <a:solidFill>
-                <a:srgbClr val="FF0000"/>
-              </a:solidFill>
-            </a:endParaRPr>
-          </a:p>
-        </p:txBody>
-      </p:sp>
-      <p:sp>
-        <p:nvSpPr>
-          <p:cNvPr id="20" name="Chevron 19"/>
-          <p:cNvSpPr/>
-          <p:nvPr/>
-        </p:nvSpPr>
-        <p:spPr>
-          <a:xfrm>
-            <a:off x="9844898" y="3072920"/>
-            <a:ext cx="287707" cy="304921"/>
-          </a:xfrm>
-          <a:prstGeom prst="chevron">
-            <a:avLst/>
-          </a:prstGeom>
-          <a:ln/>
-        </p:spPr>
-        <p:style>
-          <a:lnRef idx="2">
-            <a:schemeClr val="dk1">
-              <a:shade val="50000"/>
-            </a:schemeClr>
-          </a:lnRef>
-          <a:fillRef idx="1">
-            <a:schemeClr val="dk1"/>
-          </a:fillRef>
-          <a:effectRef idx="0">
-            <a:schemeClr val="dk1"/>
-          </a:effectRef>
-          <a:fontRef idx="minor">
-            <a:schemeClr val="lt1"/>
-          </a:fontRef>
-        </p:style>
-        <p:txBody>
-          <a:bodyPr rot="0" spcFirstLastPara="0" vertOverflow="overflow" horzOverflow="overflow" vert="horz" wrap="square" lIns="91440" tIns="45720" rIns="91440" bIns="45720" numCol="1" spcCol="0" rtlCol="0" fromWordArt="0" anchor="ctr" anchorCtr="0" forceAA="0" compatLnSpc="1">
-            <a:prstTxWarp prst="textNoShape">
-              <a:avLst/>
-            </a:prstTxWarp>
-            <a:noAutofit/>
-          </a:bodyPr>
-          <a:lstStyle/>
-          <a:p>
-            <a:pPr algn="ctr"/>
-            <a:endParaRPr lang="en-US">
-              <a:solidFill>
-                <a:schemeClr val="tx1"/>
-              </a:solidFill>
-            </a:endParaRPr>
-          </a:p>
-        </p:txBody>
-      </p:sp>
-      <p:sp>
-        <p:nvSpPr>
-          <p:cNvPr id="71" name="Chevron 70"/>
-          <p:cNvSpPr/>
-          <p:nvPr/>
-        </p:nvSpPr>
-        <p:spPr>
-          <a:xfrm flipH="1">
-            <a:off x="9802748" y="2288224"/>
-            <a:ext cx="287707" cy="304921"/>
-          </a:xfrm>
-          <a:prstGeom prst="chevron">
-            <a:avLst/>
-          </a:prstGeom>
-          <a:ln/>
-        </p:spPr>
-        <p:style>
-          <a:lnRef idx="2">
-            <a:schemeClr val="dk1">
-              <a:shade val="50000"/>
-            </a:schemeClr>
-          </a:lnRef>
-          <a:fillRef idx="1">
-            <a:schemeClr val="dk1"/>
-          </a:fillRef>
-          <a:effectRef idx="0">
-            <a:schemeClr val="dk1"/>
-          </a:effectRef>
-          <a:fontRef idx="minor">
-            <a:schemeClr val="lt1"/>
-          </a:fontRef>
-        </p:style>
-        <p:txBody>
-          <a:bodyPr rot="0" spcFirstLastPara="0" vertOverflow="overflow" horzOverflow="overflow" vert="horz" wrap="square" lIns="91440" tIns="45720" rIns="91440" bIns="45720" numCol="1" spcCol="0" rtlCol="0" fromWordArt="0" anchor="ctr" anchorCtr="0" forceAA="0" compatLnSpc="1">
-            <a:prstTxWarp prst="textNoShape">
-              <a:avLst/>
-            </a:prstTxWarp>
-            <a:noAutofit/>
-          </a:bodyPr>
-          <a:lstStyle/>
-          <a:p>
-            <a:pPr algn="ctr"/>
-            <a:endParaRPr lang="en-US">
-              <a:solidFill>
-                <a:schemeClr val="tx1"/>
-              </a:solidFill>
-            </a:endParaRPr>
-          </a:p>
-        </p:txBody>
-      </p:sp>
-      <p:sp>
-        <p:nvSpPr>
-          <p:cNvPr id="74" name="Chevron 73"/>
-          <p:cNvSpPr/>
-          <p:nvPr/>
-        </p:nvSpPr>
-        <p:spPr>
-          <a:xfrm>
-            <a:off x="9812686" y="3414832"/>
-            <a:ext cx="296492" cy="369258"/>
-          </a:xfrm>
-          <a:prstGeom prst="chevron">
-            <a:avLst/>
-          </a:prstGeom>
-          <a:ln/>
-        </p:spPr>
-        <p:style>
-          <a:lnRef idx="2">
-            <a:schemeClr val="dk1">
-              <a:shade val="50000"/>
-            </a:schemeClr>
-          </a:lnRef>
-          <a:fillRef idx="1">
-            <a:schemeClr val="dk1"/>
-          </a:fillRef>
-          <a:effectRef idx="0">
-            <a:schemeClr val="dk1"/>
-          </a:effectRef>
-          <a:fontRef idx="minor">
-            <a:schemeClr val="lt1"/>
-          </a:fontRef>
-        </p:style>
-        <p:txBody>
-          <a:bodyPr rot="0" spcFirstLastPara="0" vertOverflow="overflow" horzOverflow="overflow" vert="horz" wrap="square" lIns="91440" tIns="45720" rIns="91440" bIns="45720" numCol="1" spcCol="0" rtlCol="0" fromWordArt="0" anchor="ctr" anchorCtr="0" forceAA="0" compatLnSpc="1">
-            <a:prstTxWarp prst="textNoShape">
-              <a:avLst/>
-            </a:prstTxWarp>
-            <a:noAutofit/>
-          </a:bodyPr>
-          <a:lstStyle/>
-          <a:p>
-            <a:pPr algn="ctr"/>
-            <a:endParaRPr lang="en-US">
-              <a:solidFill>
-                <a:schemeClr val="tx1"/>
-              </a:solidFill>
-            </a:endParaRPr>
-          </a:p>
-        </p:txBody>
-      </p:sp>
-      <p:sp>
-        <p:nvSpPr>
-          <p:cNvPr id="21" name="Oval 20"/>
-          <p:cNvSpPr/>
-          <p:nvPr/>
-        </p:nvSpPr>
-        <p:spPr>
-          <a:xfrm>
-            <a:off x="9824388" y="2684754"/>
-            <a:ext cx="274320" cy="274320"/>
-          </a:xfrm>
-          <a:prstGeom prst="ellipse">
-            <a:avLst/>
-          </a:prstGeom>
-          <a:solidFill>
-            <a:srgbClr val="FF0000"/>
-          </a:solidFill>
-          <a:ln>
-            <a:noFill/>
-          </a:ln>
-        </p:spPr>
-        <p:style>
-          <a:lnRef idx="2">
-            <a:schemeClr val="accent1">
-              <a:shade val="50000"/>
-            </a:schemeClr>
-          </a:lnRef>
-          <a:fillRef idx="1">
-            <a:schemeClr val="accent1"/>
-          </a:fillRef>
-          <a:effectRef idx="0">
-            <a:schemeClr val="accent1"/>
-          </a:effectRef>
-          <a:fontRef idx="minor">
-            <a:schemeClr val="lt1"/>
-          </a:fontRef>
-        </p:style>
-        <p:txBody>
-          <a:bodyPr rot="0" spcFirstLastPara="0" vertOverflow="overflow" horzOverflow="overflow" vert="horz" wrap="square" lIns="91440" tIns="45720" rIns="91440" bIns="45720" numCol="1" spcCol="0" rtlCol="0" fromWordArt="0" anchor="ctr" anchorCtr="0" forceAA="0" compatLnSpc="1">
-            <a:prstTxWarp prst="textNoShape">
-              <a:avLst/>
-            </a:prstTxWarp>
-            <a:noAutofit/>
-          </a:bodyPr>
-          <a:lstStyle/>
-          <a:p>
-            <a:pPr algn="ctr"/>
-            <a:endParaRPr lang="en-US"/>
-          </a:p>
-        </p:txBody>
-      </p:sp>
-      <p:sp>
-        <p:nvSpPr>
-          <p:cNvPr id="81" name="Oval 80"/>
-          <p:cNvSpPr/>
-          <p:nvPr/>
-        </p:nvSpPr>
-        <p:spPr>
-          <a:xfrm>
-            <a:off x="9835786" y="3835308"/>
-            <a:ext cx="274320" cy="274320"/>
-          </a:xfrm>
-          <a:prstGeom prst="ellipse">
-            <a:avLst/>
-          </a:prstGeom>
-          <a:solidFill>
-            <a:srgbClr val="0000FF"/>
-          </a:solidFill>
-          <a:ln>
-            <a:noFill/>
-          </a:ln>
-        </p:spPr>
-        <p:style>
-          <a:lnRef idx="2">
-            <a:schemeClr val="accent1">
-              <a:shade val="50000"/>
-            </a:schemeClr>
-          </a:lnRef>
-          <a:fillRef idx="1">
-            <a:schemeClr val="accent1"/>
-          </a:fillRef>
-          <a:effectRef idx="0">
-            <a:schemeClr val="accent1"/>
-          </a:effectRef>
-          <a:fontRef idx="minor">
-            <a:schemeClr val="lt1"/>
-          </a:fontRef>
-        </p:style>
-        <p:txBody>
-          <a:bodyPr rot="0" spcFirstLastPara="0" vertOverflow="overflow" horzOverflow="overflow" vert="horz" wrap="square" lIns="91440" tIns="45720" rIns="91440" bIns="45720" numCol="1" spcCol="0" rtlCol="0" fromWordArt="0" anchor="ctr" anchorCtr="0" forceAA="0" compatLnSpc="1">
-            <a:prstTxWarp prst="textNoShape">
-              <a:avLst/>
-            </a:prstTxWarp>
-            <a:noAutofit/>
-          </a:bodyPr>
-          <a:lstStyle/>
-          <a:p>
-            <a:pPr algn="ctr"/>
-            <a:endParaRPr lang="en-US"/>
-          </a:p>
-        </p:txBody>
-      </p:sp>
-      <p:cxnSp>
-        <p:nvCxnSpPr>
-          <p:cNvPr id="26" name="Straight Arrow Connector 25"/>
-          <p:cNvCxnSpPr/>
-          <p:nvPr/>
-        </p:nvCxnSpPr>
-        <p:spPr>
-          <a:xfrm flipH="1">
-            <a:off x="10861337" y="2788086"/>
-            <a:ext cx="0" cy="2286000"/>
-          </a:xfrm>
-          <a:prstGeom prst="straightConnector1">
-            <a:avLst/>
-          </a:prstGeom>
-          <a:ln w="57150">
-            <a:solidFill>
-              <a:schemeClr val="tx1"/>
-            </a:solidFill>
-            <a:headEnd type="stealth" w="lg" len="lg"/>
-            <a:tailEnd type="stealth" w="lg" len="lg"/>
-          </a:ln>
-        </p:spPr>
-        <p:style>
-          <a:lnRef idx="1">
-            <a:schemeClr val="accent1"/>
-          </a:lnRef>
-          <a:fillRef idx="0">
-            <a:schemeClr val="accent1"/>
-          </a:fillRef>
-          <a:effectRef idx="0">
-            <a:schemeClr val="accent1"/>
-          </a:effectRef>
-          <a:fontRef idx="minor">
-            <a:schemeClr val="tx1"/>
-          </a:fontRef>
-        </p:style>
-      </p:cxnSp>
-      <p:pic>
-        <p:nvPicPr>
-          <p:cNvPr id="33" name="Picture 32"/>
-          <p:cNvPicPr>
-            <a:picLocks noChangeAspect="1"/>
-          </p:cNvPicPr>
           <p:nvPr>
             <p:custDataLst>
-              <p:tags r:id="rId21"/>
+              <p:tags r:id="rId23"/>
             </p:custDataLst>
           </p:nvPr>
         </p:nvPicPr>
         <p:blipFill>
-          <a:blip r:embed="rId64">
+          <a:blip r:embed="rId59">
             <a:extLst>
               <a:ext uri="{28A0092B-C50C-407E-A947-70E740481C1C}">
                 <a14:useLocalDpi xmlns:a14="http://schemas.microsoft.com/office/drawing/2010/main" val="0"/>
@@ -4683,65 +5649,28 @@
         </p:blipFill>
         <p:spPr>
           <a:xfrm>
-            <a:off x="11026068" y="3891940"/>
-            <a:ext cx="1035714" cy="230953"/>
+            <a:off x="13932106" y="1295115"/>
+            <a:ext cx="1242667" cy="357333"/>
           </a:xfrm>
           <a:prstGeom prst="rect">
             <a:avLst/>
           </a:prstGeom>
         </p:spPr>
       </p:pic>
-      <p:cxnSp>
-        <p:nvCxnSpPr>
-          <p:cNvPr id="114" name="Straight Arrow Connector 113"/>
-          <p:cNvCxnSpPr/>
-          <p:nvPr/>
-        </p:nvCxnSpPr>
-        <p:spPr>
-          <a:xfrm flipH="1">
-            <a:off x="10419728" y="7933007"/>
-            <a:ext cx="0" cy="1371600"/>
-          </a:xfrm>
-          <a:prstGeom prst="straightConnector1">
-            <a:avLst/>
-          </a:prstGeom>
-          <a:ln w="57150">
-            <a:solidFill>
-              <a:schemeClr val="tx1"/>
-            </a:solidFill>
-            <a:headEnd type="stealth" w="lg" len="lg"/>
-            <a:tailEnd type="stealth" w="lg" len="lg"/>
-          </a:ln>
-        </p:spPr>
-        <p:style>
-          <a:lnRef idx="1">
-            <a:schemeClr val="accent1"/>
-          </a:lnRef>
-          <a:fillRef idx="0">
-            <a:schemeClr val="accent1"/>
-          </a:fillRef>
-          <a:effectRef idx="0">
-            <a:schemeClr val="accent1"/>
-          </a:effectRef>
-          <a:fontRef idx="minor">
-            <a:schemeClr val="tx1"/>
-          </a:fontRef>
-        </p:style>
-      </p:cxnSp>
       <p:pic>
         <p:nvPicPr>
-          <p:cNvPr id="47" name="Picture 46"/>
+          <p:cNvPr id="202" name="Picture 201"/>
           <p:cNvPicPr>
             <a:picLocks noChangeAspect="1"/>
           </p:cNvPicPr>
           <p:nvPr>
             <p:custDataLst>
-              <p:tags r:id="rId22"/>
+              <p:tags r:id="rId24"/>
             </p:custDataLst>
           </p:nvPr>
         </p:nvPicPr>
         <p:blipFill>
-          <a:blip r:embed="rId65">
+          <a:blip r:embed="rId60">
             <a:extLst>
               <a:ext uri="{28A0092B-C50C-407E-A947-70E740481C1C}">
                 <a14:useLocalDpi xmlns:a14="http://schemas.microsoft.com/office/drawing/2010/main" val="0"/>
@@ -4754,821 +5683,28 @@
         </p:blipFill>
         <p:spPr>
           <a:xfrm>
-            <a:off x="10578303" y="8503331"/>
-            <a:ext cx="1114286" cy="230953"/>
+            <a:off x="15579234" y="1295115"/>
+            <a:ext cx="1242667" cy="357333"/>
           </a:xfrm>
           <a:prstGeom prst="rect">
             <a:avLst/>
           </a:prstGeom>
         </p:spPr>
       </p:pic>
-      <p:sp>
-        <p:nvSpPr>
-          <p:cNvPr id="119" name="Oval 118"/>
-          <p:cNvSpPr/>
-          <p:nvPr/>
-        </p:nvSpPr>
-        <p:spPr>
-          <a:xfrm>
-            <a:off x="9389927" y="7775344"/>
-            <a:ext cx="818574" cy="536861"/>
-          </a:xfrm>
-          <a:prstGeom prst="ellipse">
-            <a:avLst/>
-          </a:prstGeom>
-          <a:noFill/>
-          <a:ln w="76200">
-            <a:solidFill>
-              <a:schemeClr val="tx1"/>
-            </a:solidFill>
-          </a:ln>
-        </p:spPr>
-        <p:style>
-          <a:lnRef idx="2">
-            <a:schemeClr val="accent1">
-              <a:shade val="50000"/>
-            </a:schemeClr>
-          </a:lnRef>
-          <a:fillRef idx="1">
-            <a:schemeClr val="accent1"/>
-          </a:fillRef>
-          <a:effectRef idx="0">
-            <a:schemeClr val="accent1"/>
-          </a:effectRef>
-          <a:fontRef idx="minor">
-            <a:schemeClr val="lt1"/>
-          </a:fontRef>
-        </p:style>
-        <p:txBody>
-          <a:bodyPr rot="0" spcFirstLastPara="0" vertOverflow="overflow" horzOverflow="overflow" vert="horz" wrap="square" lIns="91440" tIns="45720" rIns="91440" bIns="45720" numCol="1" spcCol="0" rtlCol="0" fromWordArt="0" anchor="ctr" anchorCtr="0" forceAA="0" compatLnSpc="1">
-            <a:prstTxWarp prst="textNoShape">
-              <a:avLst/>
-            </a:prstTxWarp>
-            <a:noAutofit/>
-          </a:bodyPr>
-          <a:lstStyle/>
-          <a:p>
-            <a:pPr algn="ctr"/>
-            <a:endParaRPr lang="en-US">
-              <a:solidFill>
-                <a:srgbClr val="FF0000"/>
-              </a:solidFill>
-            </a:endParaRPr>
-          </a:p>
-        </p:txBody>
-      </p:sp>
-      <p:sp>
-        <p:nvSpPr>
-          <p:cNvPr id="120" name="Chevron 119"/>
-          <p:cNvSpPr/>
-          <p:nvPr/>
-        </p:nvSpPr>
-        <p:spPr>
-          <a:xfrm flipH="1">
-            <a:off x="9659007" y="8139945"/>
-            <a:ext cx="237799" cy="285175"/>
-          </a:xfrm>
-          <a:prstGeom prst="chevron">
-            <a:avLst/>
-          </a:prstGeom>
-          <a:ln/>
-        </p:spPr>
-        <p:style>
-          <a:lnRef idx="2">
-            <a:schemeClr val="dk1">
-              <a:shade val="50000"/>
-            </a:schemeClr>
-          </a:lnRef>
-          <a:fillRef idx="1">
-            <a:schemeClr val="dk1"/>
-          </a:fillRef>
-          <a:effectRef idx="0">
-            <a:schemeClr val="dk1"/>
-          </a:effectRef>
-          <a:fontRef idx="minor">
-            <a:schemeClr val="lt1"/>
-          </a:fontRef>
-        </p:style>
-        <p:txBody>
-          <a:bodyPr rot="0" spcFirstLastPara="0" vertOverflow="overflow" horzOverflow="overflow" vert="horz" wrap="square" lIns="91440" tIns="45720" rIns="91440" bIns="45720" numCol="1" spcCol="0" rtlCol="0" fromWordArt="0" anchor="ctr" anchorCtr="0" forceAA="0" compatLnSpc="1">
-            <a:prstTxWarp prst="textNoShape">
-              <a:avLst/>
-            </a:prstTxWarp>
-            <a:noAutofit/>
-          </a:bodyPr>
-          <a:lstStyle/>
-          <a:p>
-            <a:pPr algn="ctr"/>
-            <a:endParaRPr lang="en-US">
-              <a:solidFill>
-                <a:schemeClr val="tx1"/>
-              </a:solidFill>
-            </a:endParaRPr>
-          </a:p>
-        </p:txBody>
-      </p:sp>
-      <p:sp>
-        <p:nvSpPr>
-          <p:cNvPr id="121" name="Chevron 120"/>
-          <p:cNvSpPr/>
-          <p:nvPr/>
-        </p:nvSpPr>
-        <p:spPr>
-          <a:xfrm flipH="1">
-            <a:off x="9658901" y="7647832"/>
-            <a:ext cx="237799" cy="285175"/>
-          </a:xfrm>
-          <a:prstGeom prst="chevron">
-            <a:avLst/>
-          </a:prstGeom>
-          <a:ln/>
-        </p:spPr>
-        <p:style>
-          <a:lnRef idx="2">
-            <a:schemeClr val="dk1">
-              <a:shade val="50000"/>
-            </a:schemeClr>
-          </a:lnRef>
-          <a:fillRef idx="1">
-            <a:schemeClr val="dk1"/>
-          </a:fillRef>
-          <a:effectRef idx="0">
-            <a:schemeClr val="dk1"/>
-          </a:effectRef>
-          <a:fontRef idx="minor">
-            <a:schemeClr val="lt1"/>
-          </a:fontRef>
-        </p:style>
-        <p:txBody>
-          <a:bodyPr rot="0" spcFirstLastPara="0" vertOverflow="overflow" horzOverflow="overflow" vert="horz" wrap="square" lIns="91440" tIns="45720" rIns="91440" bIns="45720" numCol="1" spcCol="0" rtlCol="0" fromWordArt="0" anchor="ctr" anchorCtr="0" forceAA="0" compatLnSpc="1">
-            <a:prstTxWarp prst="textNoShape">
-              <a:avLst/>
-            </a:prstTxWarp>
-            <a:noAutofit/>
-          </a:bodyPr>
-          <a:lstStyle/>
-          <a:p>
-            <a:pPr algn="ctr"/>
-            <a:endParaRPr lang="en-US">
-              <a:solidFill>
-                <a:schemeClr val="tx1"/>
-              </a:solidFill>
-            </a:endParaRPr>
-          </a:p>
-        </p:txBody>
-      </p:sp>
       <p:pic>
         <p:nvPicPr>
-          <p:cNvPr id="145" name="Picture 144"/>
+          <p:cNvPr id="203" name="Picture 202"/>
           <p:cNvPicPr>
             <a:picLocks noChangeAspect="1"/>
           </p:cNvPicPr>
-          <p:nvPr/>
-        </p:nvPicPr>
-        <p:blipFill rotWithShape="1">
-          <a:blip r:embed="rId66">
-            <a:extLst>
-              <a:ext uri="{28A0092B-C50C-407E-A947-70E740481C1C}">
-                <a14:useLocalDpi xmlns:a14="http://schemas.microsoft.com/office/drawing/2010/main" val="0"/>
-              </a:ext>
-            </a:extLst>
-          </a:blip>
-          <a:srcRect l="13087" t="8404" r="8969" b="22042"/>
-          <a:stretch/>
-        </p:blipFill>
-        <p:spPr>
-          <a:xfrm>
-            <a:off x="12195048" y="1703070"/>
-            <a:ext cx="1554480" cy="4487462"/>
-          </a:xfrm>
-          <a:prstGeom prst="rect">
-            <a:avLst/>
-          </a:prstGeom>
-        </p:spPr>
-      </p:pic>
-      <p:sp>
-        <p:nvSpPr>
-          <p:cNvPr id="122" name="Oval 121"/>
-          <p:cNvSpPr/>
-          <p:nvPr/>
-        </p:nvSpPr>
-        <p:spPr>
-          <a:xfrm>
-            <a:off x="9318879" y="4705349"/>
-            <a:ext cx="1330567" cy="773863"/>
-          </a:xfrm>
-          <a:prstGeom prst="ellipse">
-            <a:avLst/>
-          </a:prstGeom>
-          <a:noFill/>
-          <a:ln w="76200">
-            <a:solidFill>
-              <a:schemeClr val="tx1"/>
-            </a:solidFill>
-          </a:ln>
-        </p:spPr>
-        <p:style>
-          <a:lnRef idx="2">
-            <a:schemeClr val="accent1">
-              <a:shade val="50000"/>
-            </a:schemeClr>
-          </a:lnRef>
-          <a:fillRef idx="1">
-            <a:schemeClr val="accent1"/>
-          </a:fillRef>
-          <a:effectRef idx="0">
-            <a:schemeClr val="accent1"/>
-          </a:effectRef>
-          <a:fontRef idx="minor">
-            <a:schemeClr val="lt1"/>
-          </a:fontRef>
-        </p:style>
-        <p:txBody>
-          <a:bodyPr rot="0" spcFirstLastPara="0" vertOverflow="overflow" horzOverflow="overflow" vert="horz" wrap="square" lIns="91440" tIns="45720" rIns="91440" bIns="45720" numCol="1" spcCol="0" rtlCol="0" fromWordArt="0" anchor="ctr" anchorCtr="0" forceAA="0" compatLnSpc="1">
-            <a:prstTxWarp prst="textNoShape">
-              <a:avLst/>
-            </a:prstTxWarp>
-            <a:noAutofit/>
-          </a:bodyPr>
-          <a:lstStyle/>
-          <a:p>
-            <a:pPr algn="ctr"/>
-            <a:endParaRPr lang="en-US">
-              <a:solidFill>
-                <a:srgbClr val="FF0000"/>
-              </a:solidFill>
-            </a:endParaRPr>
-          </a:p>
-        </p:txBody>
-      </p:sp>
-      <p:sp>
-        <p:nvSpPr>
-          <p:cNvPr id="123" name="Chevron 122"/>
-          <p:cNvSpPr/>
-          <p:nvPr/>
-        </p:nvSpPr>
-        <p:spPr>
-          <a:xfrm>
-            <a:off x="9844898" y="5339870"/>
-            <a:ext cx="287707" cy="304921"/>
-          </a:xfrm>
-          <a:prstGeom prst="chevron">
-            <a:avLst/>
-          </a:prstGeom>
-          <a:ln/>
-        </p:spPr>
-        <p:style>
-          <a:lnRef idx="2">
-            <a:schemeClr val="dk1">
-              <a:shade val="50000"/>
-            </a:schemeClr>
-          </a:lnRef>
-          <a:fillRef idx="1">
-            <a:schemeClr val="dk1"/>
-          </a:fillRef>
-          <a:effectRef idx="0">
-            <a:schemeClr val="dk1"/>
-          </a:effectRef>
-          <a:fontRef idx="minor">
-            <a:schemeClr val="lt1"/>
-          </a:fontRef>
-        </p:style>
-        <p:txBody>
-          <a:bodyPr rot="0" spcFirstLastPara="0" vertOverflow="overflow" horzOverflow="overflow" vert="horz" wrap="square" lIns="91440" tIns="45720" rIns="91440" bIns="45720" numCol="1" spcCol="0" rtlCol="0" fromWordArt="0" anchor="ctr" anchorCtr="0" forceAA="0" compatLnSpc="1">
-            <a:prstTxWarp prst="textNoShape">
-              <a:avLst/>
-            </a:prstTxWarp>
-            <a:noAutofit/>
-          </a:bodyPr>
-          <a:lstStyle/>
-          <a:p>
-            <a:pPr algn="ctr"/>
-            <a:endParaRPr lang="en-US">
-              <a:solidFill>
-                <a:schemeClr val="tx1"/>
-              </a:solidFill>
-            </a:endParaRPr>
-          </a:p>
-        </p:txBody>
-      </p:sp>
-      <p:sp>
-        <p:nvSpPr>
-          <p:cNvPr id="124" name="Chevron 123"/>
-          <p:cNvSpPr/>
-          <p:nvPr/>
-        </p:nvSpPr>
-        <p:spPr>
-          <a:xfrm flipH="1">
-            <a:off x="9802748" y="4555174"/>
-            <a:ext cx="287707" cy="304921"/>
-          </a:xfrm>
-          <a:prstGeom prst="chevron">
-            <a:avLst/>
-          </a:prstGeom>
-          <a:ln/>
-        </p:spPr>
-        <p:style>
-          <a:lnRef idx="2">
-            <a:schemeClr val="dk1">
-              <a:shade val="50000"/>
-            </a:schemeClr>
-          </a:lnRef>
-          <a:fillRef idx="1">
-            <a:schemeClr val="dk1"/>
-          </a:fillRef>
-          <a:effectRef idx="0">
-            <a:schemeClr val="dk1"/>
-          </a:effectRef>
-          <a:fontRef idx="minor">
-            <a:schemeClr val="lt1"/>
-          </a:fontRef>
-        </p:style>
-        <p:txBody>
-          <a:bodyPr rot="0" spcFirstLastPara="0" vertOverflow="overflow" horzOverflow="overflow" vert="horz" wrap="square" lIns="91440" tIns="45720" rIns="91440" bIns="45720" numCol="1" spcCol="0" rtlCol="0" fromWordArt="0" anchor="ctr" anchorCtr="0" forceAA="0" compatLnSpc="1">
-            <a:prstTxWarp prst="textNoShape">
-              <a:avLst/>
-            </a:prstTxWarp>
-            <a:noAutofit/>
-          </a:bodyPr>
-          <a:lstStyle/>
-          <a:p>
-            <a:pPr algn="ctr"/>
-            <a:endParaRPr lang="en-US">
-              <a:solidFill>
-                <a:schemeClr val="tx1"/>
-              </a:solidFill>
-            </a:endParaRPr>
-          </a:p>
-        </p:txBody>
-      </p:sp>
-      <p:sp>
-        <p:nvSpPr>
-          <p:cNvPr id="125" name="Oval 124"/>
-          <p:cNvSpPr/>
-          <p:nvPr/>
-        </p:nvSpPr>
-        <p:spPr>
-          <a:xfrm>
-            <a:off x="9824388" y="4951704"/>
-            <a:ext cx="274320" cy="274320"/>
-          </a:xfrm>
-          <a:prstGeom prst="ellipse">
-            <a:avLst/>
-          </a:prstGeom>
-          <a:solidFill>
-            <a:srgbClr val="FF0000"/>
-          </a:solidFill>
-          <a:ln>
-            <a:noFill/>
-          </a:ln>
-        </p:spPr>
-        <p:style>
-          <a:lnRef idx="2">
-            <a:schemeClr val="accent1">
-              <a:shade val="50000"/>
-            </a:schemeClr>
-          </a:lnRef>
-          <a:fillRef idx="1">
-            <a:schemeClr val="accent1"/>
-          </a:fillRef>
-          <a:effectRef idx="0">
-            <a:schemeClr val="accent1"/>
-          </a:effectRef>
-          <a:fontRef idx="minor">
-            <a:schemeClr val="lt1"/>
-          </a:fontRef>
-        </p:style>
-        <p:txBody>
-          <a:bodyPr rot="0" spcFirstLastPara="0" vertOverflow="overflow" horzOverflow="overflow" vert="horz" wrap="square" lIns="91440" tIns="45720" rIns="91440" bIns="45720" numCol="1" spcCol="0" rtlCol="0" fromWordArt="0" anchor="ctr" anchorCtr="0" forceAA="0" compatLnSpc="1">
-            <a:prstTxWarp prst="textNoShape">
-              <a:avLst/>
-            </a:prstTxWarp>
-            <a:noAutofit/>
-          </a:bodyPr>
-          <a:lstStyle/>
-          <a:p>
-            <a:pPr algn="ctr"/>
-            <a:endParaRPr lang="en-US"/>
-          </a:p>
-        </p:txBody>
-      </p:sp>
-      <p:sp>
-        <p:nvSpPr>
-          <p:cNvPr id="126" name="Oval 125"/>
-          <p:cNvSpPr/>
-          <p:nvPr/>
-        </p:nvSpPr>
-        <p:spPr>
-          <a:xfrm>
-            <a:off x="9318879" y="3581399"/>
-            <a:ext cx="1330567" cy="773863"/>
-          </a:xfrm>
-          <a:prstGeom prst="ellipse">
-            <a:avLst/>
-          </a:prstGeom>
-          <a:noFill/>
-          <a:ln w="76200">
-            <a:solidFill>
-              <a:schemeClr val="tx1"/>
-            </a:solidFill>
-          </a:ln>
-        </p:spPr>
-        <p:style>
-          <a:lnRef idx="2">
-            <a:schemeClr val="accent1">
-              <a:shade val="50000"/>
-            </a:schemeClr>
-          </a:lnRef>
-          <a:fillRef idx="1">
-            <a:schemeClr val="accent1"/>
-          </a:fillRef>
-          <a:effectRef idx="0">
-            <a:schemeClr val="accent1"/>
-          </a:effectRef>
-          <a:fontRef idx="minor">
-            <a:schemeClr val="lt1"/>
-          </a:fontRef>
-        </p:style>
-        <p:txBody>
-          <a:bodyPr rot="0" spcFirstLastPara="0" vertOverflow="overflow" horzOverflow="overflow" vert="horz" wrap="square" lIns="91440" tIns="45720" rIns="91440" bIns="45720" numCol="1" spcCol="0" rtlCol="0" fromWordArt="0" anchor="ctr" anchorCtr="0" forceAA="0" compatLnSpc="1">
-            <a:prstTxWarp prst="textNoShape">
-              <a:avLst/>
-            </a:prstTxWarp>
-            <a:noAutofit/>
-          </a:bodyPr>
-          <a:lstStyle/>
-          <a:p>
-            <a:pPr algn="ctr"/>
-            <a:endParaRPr lang="en-US">
-              <a:solidFill>
-                <a:srgbClr val="FF0000"/>
-              </a:solidFill>
-            </a:endParaRPr>
-          </a:p>
-        </p:txBody>
-      </p:sp>
-      <p:sp>
-        <p:nvSpPr>
-          <p:cNvPr id="127" name="Chevron 126"/>
-          <p:cNvSpPr/>
-          <p:nvPr/>
-        </p:nvSpPr>
-        <p:spPr>
-          <a:xfrm>
-            <a:off x="9844898" y="4234970"/>
-            <a:ext cx="287707" cy="304921"/>
-          </a:xfrm>
-          <a:prstGeom prst="chevron">
-            <a:avLst/>
-          </a:prstGeom>
-          <a:ln/>
-        </p:spPr>
-        <p:style>
-          <a:lnRef idx="2">
-            <a:schemeClr val="dk1">
-              <a:shade val="50000"/>
-            </a:schemeClr>
-          </a:lnRef>
-          <a:fillRef idx="1">
-            <a:schemeClr val="dk1"/>
-          </a:fillRef>
-          <a:effectRef idx="0">
-            <a:schemeClr val="dk1"/>
-          </a:effectRef>
-          <a:fontRef idx="minor">
-            <a:schemeClr val="lt1"/>
-          </a:fontRef>
-        </p:style>
-        <p:txBody>
-          <a:bodyPr rot="0" spcFirstLastPara="0" vertOverflow="overflow" horzOverflow="overflow" vert="horz" wrap="square" lIns="91440" tIns="45720" rIns="91440" bIns="45720" numCol="1" spcCol="0" rtlCol="0" fromWordArt="0" anchor="ctr" anchorCtr="0" forceAA="0" compatLnSpc="1">
-            <a:prstTxWarp prst="textNoShape">
-              <a:avLst/>
-            </a:prstTxWarp>
-            <a:noAutofit/>
-          </a:bodyPr>
-          <a:lstStyle/>
-          <a:p>
-            <a:pPr algn="ctr"/>
-            <a:endParaRPr lang="en-US">
-              <a:solidFill>
-                <a:schemeClr val="tx1"/>
-              </a:solidFill>
-            </a:endParaRPr>
-          </a:p>
-        </p:txBody>
-      </p:sp>
-      <p:sp>
-        <p:nvSpPr>
-          <p:cNvPr id="173" name="Oval 172"/>
-          <p:cNvSpPr/>
-          <p:nvPr/>
-        </p:nvSpPr>
-        <p:spPr>
-          <a:xfrm>
-            <a:off x="9385975" y="8895670"/>
-            <a:ext cx="818574" cy="536861"/>
-          </a:xfrm>
-          <a:prstGeom prst="ellipse">
-            <a:avLst/>
-          </a:prstGeom>
-          <a:noFill/>
-          <a:ln w="76200">
-            <a:solidFill>
-              <a:schemeClr val="tx1"/>
-            </a:solidFill>
-          </a:ln>
-        </p:spPr>
-        <p:style>
-          <a:lnRef idx="2">
-            <a:schemeClr val="accent1">
-              <a:shade val="50000"/>
-            </a:schemeClr>
-          </a:lnRef>
-          <a:fillRef idx="1">
-            <a:schemeClr val="accent1"/>
-          </a:fillRef>
-          <a:effectRef idx="0">
-            <a:schemeClr val="accent1"/>
-          </a:effectRef>
-          <a:fontRef idx="minor">
-            <a:schemeClr val="lt1"/>
-          </a:fontRef>
-        </p:style>
-        <p:txBody>
-          <a:bodyPr rot="0" spcFirstLastPara="0" vertOverflow="overflow" horzOverflow="overflow" vert="horz" wrap="square" lIns="91440" tIns="45720" rIns="91440" bIns="45720" numCol="1" spcCol="0" rtlCol="0" fromWordArt="0" anchor="ctr" anchorCtr="0" forceAA="0" compatLnSpc="1">
-            <a:prstTxWarp prst="textNoShape">
-              <a:avLst/>
-            </a:prstTxWarp>
-            <a:noAutofit/>
-          </a:bodyPr>
-          <a:lstStyle/>
-          <a:p>
-            <a:pPr algn="ctr"/>
-            <a:endParaRPr lang="en-US">
-              <a:solidFill>
-                <a:srgbClr val="FF0000"/>
-              </a:solidFill>
-            </a:endParaRPr>
-          </a:p>
-        </p:txBody>
-      </p:sp>
-      <p:sp>
-        <p:nvSpPr>
-          <p:cNvPr id="174" name="Chevron 173"/>
-          <p:cNvSpPr/>
-          <p:nvPr/>
-        </p:nvSpPr>
-        <p:spPr>
-          <a:xfrm flipH="1">
-            <a:off x="9655055" y="9260271"/>
-            <a:ext cx="237799" cy="285175"/>
-          </a:xfrm>
-          <a:prstGeom prst="chevron">
-            <a:avLst/>
-          </a:prstGeom>
-          <a:ln/>
-        </p:spPr>
-        <p:style>
-          <a:lnRef idx="2">
-            <a:schemeClr val="dk1">
-              <a:shade val="50000"/>
-            </a:schemeClr>
-          </a:lnRef>
-          <a:fillRef idx="1">
-            <a:schemeClr val="dk1"/>
-          </a:fillRef>
-          <a:effectRef idx="0">
-            <a:schemeClr val="dk1"/>
-          </a:effectRef>
-          <a:fontRef idx="minor">
-            <a:schemeClr val="lt1"/>
-          </a:fontRef>
-        </p:style>
-        <p:txBody>
-          <a:bodyPr rot="0" spcFirstLastPara="0" vertOverflow="overflow" horzOverflow="overflow" vert="horz" wrap="square" lIns="91440" tIns="45720" rIns="91440" bIns="45720" numCol="1" spcCol="0" rtlCol="0" fromWordArt="0" anchor="ctr" anchorCtr="0" forceAA="0" compatLnSpc="1">
-            <a:prstTxWarp prst="textNoShape">
-              <a:avLst/>
-            </a:prstTxWarp>
-            <a:noAutofit/>
-          </a:bodyPr>
-          <a:lstStyle/>
-          <a:p>
-            <a:pPr algn="ctr"/>
-            <a:endParaRPr lang="en-US">
-              <a:solidFill>
-                <a:schemeClr val="tx1"/>
-              </a:solidFill>
-            </a:endParaRPr>
-          </a:p>
-        </p:txBody>
-      </p:sp>
-      <p:sp>
-        <p:nvSpPr>
-          <p:cNvPr id="175" name="Chevron 174"/>
-          <p:cNvSpPr/>
-          <p:nvPr/>
-        </p:nvSpPr>
-        <p:spPr>
-          <a:xfrm flipH="1">
-            <a:off x="9654949" y="8768158"/>
-            <a:ext cx="237799" cy="285175"/>
-          </a:xfrm>
-          <a:prstGeom prst="chevron">
-            <a:avLst/>
-          </a:prstGeom>
-          <a:ln/>
-        </p:spPr>
-        <p:style>
-          <a:lnRef idx="2">
-            <a:schemeClr val="dk1">
-              <a:shade val="50000"/>
-            </a:schemeClr>
-          </a:lnRef>
-          <a:fillRef idx="1">
-            <a:schemeClr val="dk1"/>
-          </a:fillRef>
-          <a:effectRef idx="0">
-            <a:schemeClr val="dk1"/>
-          </a:effectRef>
-          <a:fontRef idx="minor">
-            <a:schemeClr val="lt1"/>
-          </a:fontRef>
-        </p:style>
-        <p:txBody>
-          <a:bodyPr rot="0" spcFirstLastPara="0" vertOverflow="overflow" horzOverflow="overflow" vert="horz" wrap="square" lIns="91440" tIns="45720" rIns="91440" bIns="45720" numCol="1" spcCol="0" rtlCol="0" fromWordArt="0" anchor="ctr" anchorCtr="0" forceAA="0" compatLnSpc="1">
-            <a:prstTxWarp prst="textNoShape">
-              <a:avLst/>
-            </a:prstTxWarp>
-            <a:noAutofit/>
-          </a:bodyPr>
-          <a:lstStyle/>
-          <a:p>
-            <a:pPr algn="ctr"/>
-            <a:endParaRPr lang="en-US">
-              <a:solidFill>
-                <a:schemeClr val="tx1"/>
-              </a:solidFill>
-            </a:endParaRPr>
-          </a:p>
-        </p:txBody>
-      </p:sp>
-      <p:sp>
-        <p:nvSpPr>
-          <p:cNvPr id="176" name="Oval 175"/>
-          <p:cNvSpPr/>
-          <p:nvPr/>
-        </p:nvSpPr>
-        <p:spPr>
-          <a:xfrm>
-            <a:off x="9414874" y="10030593"/>
-            <a:ext cx="818574" cy="536861"/>
-          </a:xfrm>
-          <a:prstGeom prst="ellipse">
-            <a:avLst/>
-          </a:prstGeom>
-          <a:noFill/>
-          <a:ln w="76200">
-            <a:solidFill>
-              <a:schemeClr val="tx1"/>
-            </a:solidFill>
-          </a:ln>
-        </p:spPr>
-        <p:style>
-          <a:lnRef idx="2">
-            <a:schemeClr val="accent1">
-              <a:shade val="50000"/>
-            </a:schemeClr>
-          </a:lnRef>
-          <a:fillRef idx="1">
-            <a:schemeClr val="accent1"/>
-          </a:fillRef>
-          <a:effectRef idx="0">
-            <a:schemeClr val="accent1"/>
-          </a:effectRef>
-          <a:fontRef idx="minor">
-            <a:schemeClr val="lt1"/>
-          </a:fontRef>
-        </p:style>
-        <p:txBody>
-          <a:bodyPr rot="0" spcFirstLastPara="0" vertOverflow="overflow" horzOverflow="overflow" vert="horz" wrap="square" lIns="91440" tIns="45720" rIns="91440" bIns="45720" numCol="1" spcCol="0" rtlCol="0" fromWordArt="0" anchor="ctr" anchorCtr="0" forceAA="0" compatLnSpc="1">
-            <a:prstTxWarp prst="textNoShape">
-              <a:avLst/>
-            </a:prstTxWarp>
-            <a:noAutofit/>
-          </a:bodyPr>
-          <a:lstStyle/>
-          <a:p>
-            <a:pPr algn="ctr"/>
-            <a:endParaRPr lang="en-US"/>
-          </a:p>
-        </p:txBody>
-      </p:sp>
-      <p:sp>
-        <p:nvSpPr>
-          <p:cNvPr id="177" name="Chevron 176"/>
-          <p:cNvSpPr/>
-          <p:nvPr/>
-        </p:nvSpPr>
-        <p:spPr>
-          <a:xfrm flipH="1">
-            <a:off x="9683954" y="10395194"/>
-            <a:ext cx="237799" cy="285175"/>
-          </a:xfrm>
-          <a:prstGeom prst="chevron">
-            <a:avLst/>
-          </a:prstGeom>
-          <a:ln/>
-        </p:spPr>
-        <p:style>
-          <a:lnRef idx="2">
-            <a:schemeClr val="dk1">
-              <a:shade val="50000"/>
-            </a:schemeClr>
-          </a:lnRef>
-          <a:fillRef idx="1">
-            <a:schemeClr val="dk1"/>
-          </a:fillRef>
-          <a:effectRef idx="0">
-            <a:schemeClr val="dk1"/>
-          </a:effectRef>
-          <a:fontRef idx="minor">
-            <a:schemeClr val="lt1"/>
-          </a:fontRef>
-        </p:style>
-        <p:txBody>
-          <a:bodyPr rot="0" spcFirstLastPara="0" vertOverflow="overflow" horzOverflow="overflow" vert="horz" wrap="square" lIns="91440" tIns="45720" rIns="91440" bIns="45720" numCol="1" spcCol="0" rtlCol="0" fromWordArt="0" anchor="ctr" anchorCtr="0" forceAA="0" compatLnSpc="1">
-            <a:prstTxWarp prst="textNoShape">
-              <a:avLst/>
-            </a:prstTxWarp>
-            <a:noAutofit/>
-          </a:bodyPr>
-          <a:lstStyle/>
-          <a:p>
-            <a:pPr algn="ctr"/>
-            <a:endParaRPr lang="en-US"/>
-          </a:p>
-        </p:txBody>
-      </p:sp>
-      <p:sp>
-        <p:nvSpPr>
-          <p:cNvPr id="178" name="Chevron 177"/>
-          <p:cNvSpPr/>
-          <p:nvPr/>
-        </p:nvSpPr>
-        <p:spPr>
-          <a:xfrm flipH="1">
-            <a:off x="9683848" y="9903081"/>
-            <a:ext cx="237799" cy="285175"/>
-          </a:xfrm>
-          <a:prstGeom prst="chevron">
-            <a:avLst/>
-          </a:prstGeom>
-          <a:ln/>
-        </p:spPr>
-        <p:style>
-          <a:lnRef idx="2">
-            <a:schemeClr val="dk1">
-              <a:shade val="50000"/>
-            </a:schemeClr>
-          </a:lnRef>
-          <a:fillRef idx="1">
-            <a:schemeClr val="dk1"/>
-          </a:fillRef>
-          <a:effectRef idx="0">
-            <a:schemeClr val="dk1"/>
-          </a:effectRef>
-          <a:fontRef idx="minor">
-            <a:schemeClr val="lt1"/>
-          </a:fontRef>
-        </p:style>
-        <p:txBody>
-          <a:bodyPr rot="0" spcFirstLastPara="0" vertOverflow="overflow" horzOverflow="overflow" vert="horz" wrap="square" lIns="91440" tIns="45720" rIns="91440" bIns="45720" numCol="1" spcCol="0" rtlCol="0" fromWordArt="0" anchor="ctr" anchorCtr="0" forceAA="0" compatLnSpc="1">
-            <a:prstTxWarp prst="textNoShape">
-              <a:avLst/>
-            </a:prstTxWarp>
-            <a:noAutofit/>
-          </a:bodyPr>
-          <a:lstStyle/>
-          <a:p>
-            <a:pPr algn="ctr"/>
-            <a:endParaRPr lang="en-US"/>
-          </a:p>
-        </p:txBody>
-      </p:sp>
-      <p:pic>
-        <p:nvPicPr>
-          <p:cNvPr id="179" name="Picture 178"/>
-          <p:cNvPicPr>
-            <a:picLocks noChangeAspect="1"/>
-          </p:cNvPicPr>
           <p:nvPr>
             <p:custDataLst>
-              <p:tags r:id="rId23"/>
+              <p:tags r:id="rId25"/>
             </p:custDataLst>
           </p:nvPr>
         </p:nvPicPr>
         <p:blipFill>
-          <a:blip r:embed="rId37">
+          <a:blip r:embed="rId61">
             <a:extLst>
               <a:ext uri="{28A0092B-C50C-407E-A947-70E740481C1C}">
                 <a14:useLocalDpi xmlns:a14="http://schemas.microsoft.com/office/drawing/2010/main" val="0"/>
@@ -5581,144 +5717,8 @@
         </p:blipFill>
         <p:spPr>
           <a:xfrm>
-            <a:off x="2410616" y="9019956"/>
-            <a:ext cx="108571" cy="175238"/>
-          </a:xfrm>
-          <a:prstGeom prst="rect">
-            <a:avLst/>
-          </a:prstGeom>
-        </p:spPr>
-      </p:pic>
-      <p:pic>
-        <p:nvPicPr>
-          <p:cNvPr id="180" name="Picture 179"/>
-          <p:cNvPicPr>
-            <a:picLocks noChangeAspect="1"/>
-          </p:cNvPicPr>
-          <p:nvPr>
-            <p:custDataLst>
-              <p:tags r:id="rId24"/>
-            </p:custDataLst>
-          </p:nvPr>
-        </p:nvPicPr>
-        <p:blipFill>
-          <a:blip r:embed="rId38">
-            <a:extLst>
-              <a:ext uri="{28A0092B-C50C-407E-A947-70E740481C1C}">
-                <a14:useLocalDpi xmlns:a14="http://schemas.microsoft.com/office/drawing/2010/main" val="0"/>
-              </a:ext>
-            </a:extLst>
-          </a:blip>
-          <a:stretch>
-            <a:fillRect/>
-          </a:stretch>
-        </p:blipFill>
-        <p:spPr>
-          <a:xfrm>
-            <a:off x="2371030" y="7869402"/>
-            <a:ext cx="154286" cy="173333"/>
-          </a:xfrm>
-          <a:prstGeom prst="rect">
-            <a:avLst/>
-          </a:prstGeom>
-        </p:spPr>
-      </p:pic>
-      <p:pic>
-        <p:nvPicPr>
-          <p:cNvPr id="181" name="Picture 180"/>
-          <p:cNvPicPr>
-            <a:picLocks noChangeAspect="1"/>
-          </p:cNvPicPr>
-          <p:nvPr>
-            <p:custDataLst>
-              <p:tags r:id="rId25"/>
-            </p:custDataLst>
-          </p:nvPr>
-        </p:nvPicPr>
-        <p:blipFill>
-          <a:blip r:embed="rId39">
-            <a:extLst>
-              <a:ext uri="{28A0092B-C50C-407E-A947-70E740481C1C}">
-                <a14:useLocalDpi xmlns:a14="http://schemas.microsoft.com/office/drawing/2010/main" val="0"/>
-              </a:ext>
-            </a:extLst>
-          </a:blip>
-          <a:stretch>
-            <a:fillRect/>
-          </a:stretch>
-        </p:blipFill>
-        <p:spPr>
-          <a:xfrm>
-            <a:off x="2257428" y="10169413"/>
-            <a:ext cx="339048" cy="173333"/>
-          </a:xfrm>
-          <a:prstGeom prst="rect">
-            <a:avLst/>
-          </a:prstGeom>
-        </p:spPr>
-      </p:pic>
-      <p:pic>
-        <p:nvPicPr>
-          <p:cNvPr id="182" name="Picture 181"/>
-          <p:cNvPicPr>
-            <a:picLocks noChangeAspect="1"/>
-          </p:cNvPicPr>
-          <p:nvPr>
-            <p:custDataLst>
-              <p:tags r:id="rId26"/>
-            </p:custDataLst>
-          </p:nvPr>
-        </p:nvPicPr>
-        <p:blipFill>
-          <a:blip r:embed="rId40">
-            <a:extLst>
-              <a:ext uri="{28A0092B-C50C-407E-A947-70E740481C1C}">
-                <a14:useLocalDpi xmlns:a14="http://schemas.microsoft.com/office/drawing/2010/main" val="0"/>
-              </a:ext>
-            </a:extLst>
-          </a:blip>
-          <a:stretch>
-            <a:fillRect/>
-          </a:stretch>
-        </p:blipFill>
-        <p:spPr>
-          <a:xfrm>
-            <a:off x="2089219" y="11288513"/>
-            <a:ext cx="464762" cy="173333"/>
-          </a:xfrm>
-          <a:prstGeom prst="rect">
-            <a:avLst/>
-          </a:prstGeom>
-        </p:spPr>
-      </p:pic>
-      <p:pic>
-        <p:nvPicPr>
-          <p:cNvPr id="183" name="Picture 182"/>
-          <p:cNvPicPr>
-            <a:picLocks noChangeAspect="1"/>
-          </p:cNvPicPr>
-          <p:nvPr>
-            <p:custDataLst>
-              <p:tags r:id="rId27"/>
-            </p:custDataLst>
-          </p:nvPr>
-        </p:nvPicPr>
-        <p:blipFill>
-          <a:blip r:embed="rId41">
-            <a:extLst>
-              <a:ext uri="{28A0092B-C50C-407E-A947-70E740481C1C}">
-                <a14:useLocalDpi xmlns:a14="http://schemas.microsoft.com/office/drawing/2010/main" val="0"/>
-              </a:ext>
-            </a:extLst>
-          </a:blip>
-          <a:stretch>
-            <a:fillRect/>
-          </a:stretch>
-        </p:blipFill>
-        <p:spPr>
-          <a:xfrm>
-            <a:off x="2247225" y="6797245"/>
-            <a:ext cx="278095" cy="173333"/>
+            <a:off x="17160199" y="1295115"/>
+            <a:ext cx="1421333" cy="357333"/>
           </a:xfrm>
           <a:prstGeom prst="rect">
             <a:avLst/>
@@ -5727,13 +5727,13 @@
       </p:pic>
       <p:cxnSp>
         <p:nvCxnSpPr>
-          <p:cNvPr id="184" name="Straight Connector 183"/>
+          <p:cNvPr id="204" name="Straight Connector 203"/>
           <p:cNvCxnSpPr/>
           <p:nvPr/>
         </p:nvCxnSpPr>
         <p:spPr>
           <a:xfrm>
-            <a:off x="2609725" y="6903785"/>
+            <a:off x="2589178" y="1719137"/>
             <a:ext cx="91440" cy="0"/>
           </a:xfrm>
           <a:prstGeom prst="line">
@@ -5756,130 +5756,161 @@
           </a:fontRef>
         </p:style>
       </p:cxnSp>
-      <p:cxnSp>
-        <p:nvCxnSpPr>
-          <p:cNvPr id="185" name="Straight Connector 184"/>
-          <p:cNvCxnSpPr/>
+      <p:pic>
+        <p:nvPicPr>
+          <p:cNvPr id="16" name="Picture 15"/>
+          <p:cNvPicPr>
+            <a:picLocks noChangeAspect="1"/>
+          </p:cNvPicPr>
           <p:nvPr/>
-        </p:nvCxnSpPr>
-        <p:spPr>
-          <a:xfrm>
-            <a:off x="2603100" y="7943949"/>
-            <a:ext cx="91440" cy="0"/>
-          </a:xfrm>
-          <a:prstGeom prst="line">
-            <a:avLst/>
-          </a:prstGeom>
-          <a:ln w="38100"/>
-        </p:spPr>
-        <p:style>
-          <a:lnRef idx="1">
-            <a:schemeClr val="dk1"/>
-          </a:lnRef>
-          <a:fillRef idx="0">
-            <a:schemeClr val="dk1"/>
-          </a:fillRef>
-          <a:effectRef idx="0">
-            <a:schemeClr val="dk1"/>
-          </a:effectRef>
-          <a:fontRef idx="minor">
-            <a:schemeClr val="tx1"/>
-          </a:fontRef>
-        </p:style>
-      </p:cxnSp>
-      <p:cxnSp>
-        <p:nvCxnSpPr>
-          <p:cNvPr id="186" name="Straight Connector 185"/>
-          <p:cNvCxnSpPr/>
+        </p:nvPicPr>
+        <p:blipFill rotWithShape="1">
+          <a:blip r:embed="rId62">
+            <a:extLst>
+              <a:ext uri="{28A0092B-C50C-407E-A947-70E740481C1C}">
+                <a14:useLocalDpi xmlns:a14="http://schemas.microsoft.com/office/drawing/2010/main" val="0"/>
+              </a:ext>
+            </a:extLst>
+          </a:blip>
+          <a:srcRect l="12792" t="8315" r="10438" b="21952"/>
+          <a:stretch/>
+        </p:blipFill>
+        <p:spPr>
+          <a:xfrm>
+            <a:off x="15508224" y="1700784"/>
+            <a:ext cx="1554480" cy="4568146"/>
+          </a:xfrm>
+          <a:prstGeom prst="rect">
+            <a:avLst/>
+          </a:prstGeom>
+        </p:spPr>
+      </p:pic>
+      <p:pic>
+        <p:nvPicPr>
+          <p:cNvPr id="2" name="Picture 1"/>
+          <p:cNvPicPr>
+            <a:picLocks noChangeAspect="1"/>
+          </p:cNvPicPr>
+          <p:nvPr>
+            <p:custDataLst>
+              <p:tags r:id="rId26"/>
+            </p:custDataLst>
+          </p:nvPr>
+        </p:nvPicPr>
+        <p:blipFill>
+          <a:blip r:embed="rId63">
+            <a:extLst>
+              <a:ext uri="{28A0092B-C50C-407E-A947-70E740481C1C}">
+                <a14:useLocalDpi xmlns:a14="http://schemas.microsoft.com/office/drawing/2010/main" val="0"/>
+              </a:ext>
+            </a:extLst>
+          </a:blip>
+          <a:stretch>
+            <a:fillRect/>
+          </a:stretch>
+        </p:blipFill>
+        <p:spPr>
+          <a:xfrm>
+            <a:off x="12710125" y="11566419"/>
+            <a:ext cx="2582857" cy="934286"/>
+          </a:xfrm>
+          <a:prstGeom prst="rect">
+            <a:avLst/>
+          </a:prstGeom>
+        </p:spPr>
+      </p:pic>
+      <p:pic>
+        <p:nvPicPr>
+          <p:cNvPr id="34" name="Picture 33"/>
+          <p:cNvPicPr>
+            <a:picLocks noChangeAspect="1"/>
+          </p:cNvPicPr>
           <p:nvPr/>
-        </p:nvCxnSpPr>
-        <p:spPr>
-          <a:xfrm>
-            <a:off x="2615263" y="9122153"/>
-            <a:ext cx="91440" cy="0"/>
-          </a:xfrm>
-          <a:prstGeom prst="line">
-            <a:avLst/>
-          </a:prstGeom>
-          <a:ln w="38100"/>
-        </p:spPr>
-        <p:style>
-          <a:lnRef idx="1">
-            <a:schemeClr val="dk1"/>
-          </a:lnRef>
-          <a:fillRef idx="0">
-            <a:schemeClr val="dk1"/>
-          </a:fillRef>
-          <a:effectRef idx="0">
-            <a:schemeClr val="dk1"/>
-          </a:effectRef>
-          <a:fontRef idx="minor">
-            <a:schemeClr val="tx1"/>
-          </a:fontRef>
-        </p:style>
-      </p:cxnSp>
-      <p:cxnSp>
-        <p:nvCxnSpPr>
-          <p:cNvPr id="187" name="Straight Connector 186"/>
-          <p:cNvCxnSpPr/>
+        </p:nvPicPr>
+        <p:blipFill rotWithShape="1">
+          <a:blip r:embed="rId64">
+            <a:extLst>
+              <a:ext uri="{28A0092B-C50C-407E-A947-70E740481C1C}">
+                <a14:useLocalDpi xmlns:a14="http://schemas.microsoft.com/office/drawing/2010/main" val="0"/>
+              </a:ext>
+            </a:extLst>
+          </a:blip>
+          <a:srcRect l="12792" t="9291" r="10438" b="22174"/>
+          <a:stretch/>
+        </p:blipFill>
+        <p:spPr>
+          <a:xfrm>
+            <a:off x="2679192" y="6885432"/>
+            <a:ext cx="1554480" cy="4489704"/>
+          </a:xfrm>
+          <a:prstGeom prst="rect">
+            <a:avLst/>
+          </a:prstGeom>
+        </p:spPr>
+      </p:pic>
+      <p:pic>
+        <p:nvPicPr>
+          <p:cNvPr id="37" name="Picture 36"/>
+          <p:cNvPicPr>
+            <a:picLocks noChangeAspect="1"/>
+          </p:cNvPicPr>
           <p:nvPr/>
-        </p:nvCxnSpPr>
-        <p:spPr>
-          <a:xfrm>
-            <a:off x="2637522" y="10261476"/>
-            <a:ext cx="91440" cy="0"/>
-          </a:xfrm>
-          <a:prstGeom prst="line">
-            <a:avLst/>
-          </a:prstGeom>
-          <a:ln w="38100"/>
-        </p:spPr>
-        <p:style>
-          <a:lnRef idx="1">
-            <a:schemeClr val="dk1"/>
-          </a:lnRef>
-          <a:fillRef idx="0">
-            <a:schemeClr val="dk1"/>
-          </a:fillRef>
-          <a:effectRef idx="0">
-            <a:schemeClr val="dk1"/>
-          </a:effectRef>
-          <a:fontRef idx="minor">
-            <a:schemeClr val="tx1"/>
-          </a:fontRef>
-        </p:style>
-      </p:cxnSp>
-      <p:cxnSp>
-        <p:nvCxnSpPr>
-          <p:cNvPr id="188" name="Straight Connector 187"/>
-          <p:cNvCxnSpPr/>
-          <p:nvPr/>
-        </p:nvCxnSpPr>
-        <p:spPr>
-          <a:xfrm>
-            <a:off x="2612296" y="11359097"/>
-            <a:ext cx="91440" cy="0"/>
-          </a:xfrm>
-          <a:prstGeom prst="line">
-            <a:avLst/>
-          </a:prstGeom>
-          <a:ln w="38100"/>
-        </p:spPr>
-        <p:style>
-          <a:lnRef idx="1">
-            <a:schemeClr val="dk1"/>
-          </a:lnRef>
-          <a:fillRef idx="0">
-            <a:schemeClr val="dk1"/>
-          </a:fillRef>
-          <a:effectRef idx="0">
-            <a:schemeClr val="dk1"/>
-          </a:effectRef>
-          <a:fontRef idx="minor">
-            <a:schemeClr val="tx1"/>
-          </a:fontRef>
-        </p:style>
-      </p:cxnSp>
+        </p:nvPicPr>
+        <p:blipFill rotWithShape="1">
+          <a:blip r:embed="rId65">
+            <a:extLst>
+              <a:ext uri="{28A0092B-C50C-407E-A947-70E740481C1C}">
+                <a14:useLocalDpi xmlns:a14="http://schemas.microsoft.com/office/drawing/2010/main" val="0"/>
+              </a:ext>
+            </a:extLst>
+          </a:blip>
+          <a:srcRect l="12792" t="8315" r="10438" b="21952"/>
+          <a:stretch/>
+        </p:blipFill>
+        <p:spPr>
+          <a:xfrm>
+            <a:off x="17145000" y="1700784"/>
+            <a:ext cx="1554480" cy="4568146"/>
+          </a:xfrm>
+          <a:prstGeom prst="rect">
+            <a:avLst/>
+          </a:prstGeom>
+        </p:spPr>
+      </p:pic>
+      <p:pic>
+        <p:nvPicPr>
+          <p:cNvPr id="50" name="Picture 49"/>
+          <p:cNvPicPr>
+            <a:picLocks noChangeAspect="1"/>
+          </p:cNvPicPr>
+          <p:nvPr>
+            <p:custDataLst>
+              <p:tags r:id="rId27"/>
+            </p:custDataLst>
+          </p:nvPr>
+        </p:nvPicPr>
+        <p:blipFill>
+          <a:blip r:embed="rId66">
+            <a:extLst>
+              <a:ext uri="{28A0092B-C50C-407E-A947-70E740481C1C}">
+                <a14:useLocalDpi xmlns:a14="http://schemas.microsoft.com/office/drawing/2010/main" val="0"/>
+              </a:ext>
+            </a:extLst>
+          </a:blip>
+          <a:stretch>
+            <a:fillRect/>
+          </a:stretch>
+        </p:blipFill>
+        <p:spPr>
+          <a:xfrm>
+            <a:off x="10620871" y="8414265"/>
+            <a:ext cx="1352000" cy="373333"/>
+          </a:xfrm>
+          <a:prstGeom prst="rect">
+            <a:avLst/>
+          </a:prstGeom>
+        </p:spPr>
+      </p:pic>
     </p:spTree>
     <p:extLst>
       <p:ext uri="{BB962C8B-B14F-4D97-AF65-F5344CB8AC3E}">
@@ -5895,190 +5926,190 @@
 
 <file path=ppt/tags/tag1.xml><?xml version="1.0" encoding="utf-8"?>
 <p:tagLst xmlns:a="http://schemas.openxmlformats.org/drawingml/2006/main" xmlns:r="http://schemas.openxmlformats.org/officeDocument/2006/relationships" xmlns:p="http://schemas.openxmlformats.org/presentationml/2006/main">
-  <p:tag name="LATEXADDIN" val="\documentclass{article}&#10;\usepackage{amsmath}&#10;\pagestyle{empty}&#10;\begin{document}&#10;&#10;&#10;$\lambda/L = 0.5$&#10;&#10;\end{document}"/>
-  <p:tag name="IGUANATEXSIZE" val="20"/>
+  <p:tag name="LATEXADDIN" val="\documentclass{article}&#10;\usepackage{amsmath}&#10;\pagestyle{empty}&#10;\begin{document}&#10;&#10;&#10;$L$&#10;&#10;\end{document}"/>
+  <p:tag name="IGUANATEXSIZE" val="28"/>
 </p:tagLst>
 </file>
 
 <file path=ppt/tags/tag10.xml><?xml version="1.0" encoding="utf-8"?>
 <p:tagLst xmlns:a="http://schemas.openxmlformats.org/drawingml/2006/main" xmlns:r="http://schemas.openxmlformats.org/officeDocument/2006/relationships" xmlns:p="http://schemas.openxmlformats.org/presentationml/2006/main">
-  <p:tag name="LATEXADDIN" val="\documentclass{article}&#10;\usepackage{amsmath}&#10;\pagestyle{empty}&#10;\begin{document}&#10;&#10;&#10;$L$&#10;&#10;\end{document}"/>
-  <p:tag name="IGUANATEXSIZE" val="20"/>
+  <p:tag name="LATEXADDIN" val="\documentclass{article}&#10;\usepackage{amsmath}&#10;\pagestyle{empty}&#10;\begin{document}&#10;&#10;&#10;$2L$&#10;&#10;\end{document}"/>
+  <p:tag name="IGUANATEXSIZE" val="28"/>
 </p:tagLst>
 </file>
 
 <file path=ppt/tags/tag11.xml><?xml version="1.0" encoding="utf-8"?>
 <p:tagLst xmlns:a="http://schemas.openxmlformats.org/drawingml/2006/main" xmlns:r="http://schemas.openxmlformats.org/officeDocument/2006/relationships" xmlns:p="http://schemas.openxmlformats.org/presentationml/2006/main">
-  <p:tag name="LATEXADDIN" val="\documentclass{article}&#10;\usepackage{amsmath}&#10;\pagestyle{empty}&#10;\begin{document}&#10;&#10;&#10;$-L$&#10;&#10;\end{document}"/>
-  <p:tag name="IGUANATEXSIZE" val="20"/>
+  <p:tag name="LATEXADDIN" val="\documentclass{article}&#10;\usepackage{amsmath}&#10;\pagestyle{empty}&#10;\begin{document}&#10;&#10;&#10;$0$&#10;&#10;\end{document}"/>
+  <p:tag name="IGUANATEXSIZE" val="28"/>
 </p:tagLst>
 </file>
 
 <file path=ppt/tags/tag12.xml><?xml version="1.0" encoding="utf-8"?>
 <p:tagLst xmlns:a="http://schemas.openxmlformats.org/drawingml/2006/main" xmlns:r="http://schemas.openxmlformats.org/officeDocument/2006/relationships" xmlns:p="http://schemas.openxmlformats.org/presentationml/2006/main">
-  <p:tag name="LATEXADDIN" val="\documentclass{article}&#10;\usepackage{amsmath}&#10;\pagestyle{empty}&#10;\begin{document}&#10;&#10;&#10;$-2L$&#10;&#10;\end{document}"/>
-  <p:tag name="IGUANATEXSIZE" val="20"/>
+  <p:tag name="LATEXADDIN" val="\documentclass{article}&#10;\usepackage{amsmath}&#10;\pagestyle{empty}&#10;\begin{document}&#10;&#10;&#10;$L$&#10;&#10;\end{document}"/>
+  <p:tag name="IGUANATEXSIZE" val="28"/>
 </p:tagLst>
 </file>
 
 <file path=ppt/tags/tag13.xml><?xml version="1.0" encoding="utf-8"?>
 <p:tagLst xmlns:a="http://schemas.openxmlformats.org/drawingml/2006/main" xmlns:r="http://schemas.openxmlformats.org/officeDocument/2006/relationships" xmlns:p="http://schemas.openxmlformats.org/presentationml/2006/main">
-  <p:tag name="LATEXADDIN" val="\documentclass{article}&#10;\usepackage{amsmath}&#10;\pagestyle{empty}&#10;\begin{document}&#10;&#10;&#10;$2L$&#10;&#10;\end{document}"/>
-  <p:tag name="IGUANATEXSIZE" val="20"/>
+  <p:tag name="LATEXADDIN" val="\documentclass{article}&#10;\usepackage{amsmath}&#10;\pagestyle{empty}&#10;\begin{document}&#10;&#10;&#10;$-L$&#10;&#10;\end{document}"/>
+  <p:tag name="IGUANATEXSIZE" val="28"/>
 </p:tagLst>
 </file>
 
 <file path=ppt/tags/tag14.xml><?xml version="1.0" encoding="utf-8"?>
 <p:tagLst xmlns:a="http://schemas.openxmlformats.org/drawingml/2006/main" xmlns:r="http://schemas.openxmlformats.org/officeDocument/2006/relationships" xmlns:p="http://schemas.openxmlformats.org/presentationml/2006/main">
-  <p:tag name="LATEXADDIN" val="\documentclass{article}&#10;\usepackage{amsmath}&#10;\pagestyle{empty}&#10;\begin{document}&#10;&#10;&#10;$L$&#10;&#10;\end{document}"/>
-  <p:tag name="IGUANATEXSIZE" val="20"/>
+  <p:tag name="LATEXADDIN" val="\documentclass{article}&#10;\usepackage{amsmath}&#10;\pagestyle{empty}&#10;\begin{document}&#10;&#10;&#10;$-2L$&#10;&#10;\end{document}"/>
+  <p:tag name="IGUANATEXSIZE" val="28"/>
 </p:tagLst>
 </file>
 
 <file path=ppt/tags/tag15.xml><?xml version="1.0" encoding="utf-8"?>
 <p:tagLst xmlns:a="http://schemas.openxmlformats.org/drawingml/2006/main" xmlns:r="http://schemas.openxmlformats.org/officeDocument/2006/relationships" xmlns:p="http://schemas.openxmlformats.org/presentationml/2006/main">
-  <p:tag name="LATEXADDIN" val="\documentclass{article}&#10;\usepackage{amsmath}&#10;\pagestyle{empty}&#10;\begin{document}&#10;&#10;\begin{equation*}&#10;\begin{split}&#10;&amp;\mathrm{Current \ density} \\&#10;&amp;[ek_F\Delta_0/\pi\hbar]&#10;\end{split}&#10;\end{equation*}&#10;&#10;\end{document}"/>
-  <p:tag name="IGUANATEXSIZE" val="20"/>
+  <p:tag name="LATEXADDIN" val="\documentclass{article}&#10;\usepackage{amsmath}&#10;\pagestyle{empty}&#10;\begin{document}&#10;&#10;&#10;$2L$&#10;&#10;\end{document}"/>
+  <p:tag name="IGUANATEXSIZE" val="28"/>
 </p:tagLst>
 </file>
 
 <file path=ppt/tags/tag16.xml><?xml version="1.0" encoding="utf-8"?>
-<p:tagLst xmlns:a="http://schemas.openxmlformats.org/drawingml/2006/main" xmlns:r="http://schemas.openxmlformats.org/officeDocument/2006/relationships" xmlns:p="http://schemas.openxmlformats.org/presentationml/2006/main">
-  <p:tag name="LATEXADDIN" val="\documentclass{article}&#10;\usepackage{amsmath}&#10;\pagestyle{empty}&#10;\begin{document}&#10;&#10;&#10;$0$&#10;&#10;\end{document}"/>
-  <p:tag name="IGUANATEXSIZE" val="20"/>
-</p:tagLst>
-</file>
-
-<file path=ppt/tags/tag17.xml><?xml version="1.0" encoding="utf-8"?>
-<p:tagLst xmlns:a="http://schemas.openxmlformats.org/drawingml/2006/main" xmlns:r="http://schemas.openxmlformats.org/officeDocument/2006/relationships" xmlns:p="http://schemas.openxmlformats.org/presentationml/2006/main">
-  <p:tag name="LATEXADDIN" val="\documentclass{article}&#10;\usepackage{amsmath}&#10;\pagestyle{empty}&#10;\begin{document}&#10;&#10;&#10;0.5&#10;&#10;\end{document}"/>
-  <p:tag name="IGUANATEXSIZE" val="20"/>
-</p:tagLst>
-</file>
-
-<file path=ppt/tags/tag18.xml><?xml version="1.0" encoding="utf-8"?>
-<p:tagLst xmlns:a="http://schemas.openxmlformats.org/drawingml/2006/main" xmlns:r="http://schemas.openxmlformats.org/officeDocument/2006/relationships" xmlns:p="http://schemas.openxmlformats.org/presentationml/2006/main">
-  <p:tag name="LATEXADDIN" val="\documentclass{article}&#10;\usepackage{amsmath}&#10;\pagestyle{empty}&#10;\begin{document}&#10;&#10;&#10;0.25&#10;&#10;\end{document}"/>
-  <p:tag name="IGUANATEXSIZE" val="20"/>
-</p:tagLst>
-</file>
-
-<file path=ppt/tags/tag19.xml><?xml version="1.0" encoding="utf-8"?>
 <p:tagLst xmlns:a="http://schemas.openxmlformats.org/drawingml/2006/main" xmlns:r="http://schemas.openxmlformats.org/officeDocument/2006/relationships" xmlns:p="http://schemas.openxmlformats.org/presentationml/2006/main">
   <p:tag name="LATEXADDIN" val="\documentclass{article}&#10;\usepackage{amsmath}&#10;\pagestyle{empty}&#10;\begin{document}&#10;&#10;&#10;$\Delta \varphi = \pi/2$&#10;&#10;\end{document}"/>
   <p:tag name="IGUANATEXSIZE" val="28"/>
 </p:tagLst>
 </file>
 
-<file path=ppt/tags/tag2.xml><?xml version="1.0" encoding="utf-8"?>
-<p:tagLst xmlns:a="http://schemas.openxmlformats.org/drawingml/2006/main" xmlns:r="http://schemas.openxmlformats.org/officeDocument/2006/relationships" xmlns:p="http://schemas.openxmlformats.org/presentationml/2006/main">
-  <p:tag name="LATEXADDIN" val="\documentclass{article}&#10;\usepackage{amsmath}&#10;\pagestyle{empty}&#10;\begin{document}&#10;&#10;&#10;$\lambda/L = 1$&#10;&#10;\end{document}"/>
-  <p:tag name="IGUANATEXSIZE" val="20"/>
-</p:tagLst>
-</file>
-
-<file path=ppt/tags/tag20.xml><?xml version="1.0" encoding="utf-8"?>
+<file path=ppt/tags/tag17.xml><?xml version="1.0" encoding="utf-8"?>
 <p:tagLst xmlns:a="http://schemas.openxmlformats.org/drawingml/2006/main" xmlns:r="http://schemas.openxmlformats.org/officeDocument/2006/relationships" xmlns:p="http://schemas.openxmlformats.org/presentationml/2006/main">
   <p:tag name="LATEXADDIN" val="\documentclass{article}&#10;\usepackage{amsmath}&#10;\pagestyle{empty}&#10;\begin{document}&#10;&#10;&#10;$\Delta \varphi = 0$&#10;&#10;\end{document}"/>
   <p:tag name="IGUANATEXSIZE" val="28"/>
 </p:tagLst>
 </file>
 
+<file path=ppt/tags/tag18.xml><?xml version="1.0" encoding="utf-8"?>
+<p:tagLst xmlns:a="http://schemas.openxmlformats.org/drawingml/2006/main" xmlns:r="http://schemas.openxmlformats.org/officeDocument/2006/relationships" xmlns:p="http://schemas.openxmlformats.org/presentationml/2006/main">
+  <p:tag name="LATEXADDIN" val="\documentclass{article}&#10;\usepackage{amsmath}&#10;\pagestyle{empty}&#10;\begin{document}&#10;&#10;&#10;$\lambda/L = 0.5$&#10;&#10;\end{document}"/>
+  <p:tag name="IGUANATEXSIZE" val="28"/>
+</p:tagLst>
+</file>
+
+<file path=ppt/tags/tag19.xml><?xml version="1.0" encoding="utf-8"?>
+<p:tagLst xmlns:a="http://schemas.openxmlformats.org/drawingml/2006/main" xmlns:r="http://schemas.openxmlformats.org/officeDocument/2006/relationships" xmlns:p="http://schemas.openxmlformats.org/presentationml/2006/main">
+  <p:tag name="LATEXADDIN" val="\documentclass{article}&#10;\usepackage{amsmath}&#10;\pagestyle{empty}&#10;\begin{document}&#10;&#10;&#10;$\lambda/L = 1$&#10;&#10;\end{document}"/>
+  <p:tag name="IGUANATEXSIZE" val="28"/>
+</p:tagLst>
+</file>
+
+<file path=ppt/tags/tag2.xml><?xml version="1.0" encoding="utf-8"?>
+<p:tagLst xmlns:a="http://schemas.openxmlformats.org/drawingml/2006/main" xmlns:r="http://schemas.openxmlformats.org/officeDocument/2006/relationships" xmlns:p="http://schemas.openxmlformats.org/presentationml/2006/main">
+  <p:tag name="LATEXADDIN" val="\documentclass{article}&#10;\usepackage{amsmath}&#10;\pagestyle{empty}&#10;\begin{document}&#10;&#10;&#10;$0$&#10;&#10;\end{document}"/>
+  <p:tag name="IGUANATEXSIZE" val="28"/>
+</p:tagLst>
+</file>
+
+<file path=ppt/tags/tag20.xml><?xml version="1.0" encoding="utf-8"?>
+<p:tagLst xmlns:a="http://schemas.openxmlformats.org/drawingml/2006/main" xmlns:r="http://schemas.openxmlformats.org/officeDocument/2006/relationships" xmlns:p="http://schemas.openxmlformats.org/presentationml/2006/main">
+  <p:tag name="LATEXADDIN" val="\documentclass{article}&#10;\usepackage{amsmath}&#10;\pagestyle{empty}&#10;\begin{document}&#10;&#10;&#10;$\lambda/L = 1.5$&#10;&#10;\end{document}"/>
+  <p:tag name="IGUANATEXSIZE" val="28"/>
+</p:tagLst>
+</file>
+
 <file path=ppt/tags/tag21.xml><?xml version="1.0" encoding="utf-8"?>
 <p:tagLst xmlns:a="http://schemas.openxmlformats.org/drawingml/2006/main" xmlns:r="http://schemas.openxmlformats.org/officeDocument/2006/relationships" xmlns:p="http://schemas.openxmlformats.org/presentationml/2006/main">
-  <p:tag name="LATEXADDIN" val="\documentclass{article}&#10;\usepackage{amsmath}&#10;\pagestyle{empty}&#10;\begin{document}&#10;&#10;&#10;$a_{\mathrm{row,odd}}$&#10;&#10;\end{document}"/>
-  <p:tag name="IGUANATEXSIZE" val="25"/>
+  <p:tag name="LATEXADDIN" val="\documentclass{article}&#10;\usepackage{amsmath}&#10;\pagestyle{empty}&#10;\begin{document}&#10;&#10;&#10;$\lambda/L = 2$&#10;&#10;\end{document}"/>
+  <p:tag name="IGUANATEXSIZE" val="28"/>
 </p:tagLst>
 </file>
 
 <file path=ppt/tags/tag22.xml><?xml version="1.0" encoding="utf-8"?>
 <p:tagLst xmlns:a="http://schemas.openxmlformats.org/drawingml/2006/main" xmlns:r="http://schemas.openxmlformats.org/officeDocument/2006/relationships" xmlns:p="http://schemas.openxmlformats.org/presentationml/2006/main">
-  <p:tag name="LATEXADDIN" val="\documentclass{article}&#10;\usepackage{amsmath}&#10;\pagestyle{empty}&#10;\begin{document}&#10;&#10;&#10;$a_{\mathrm{row,even}}$&#10;&#10;\end{document}"/>
-  <p:tag name="IGUANATEXSIZE" val="25"/>
+  <p:tag name="LATEXADDIN" val="\documentclass{article}&#10;\usepackage{amsmath}&#10;\pagestyle{empty}&#10;\begin{document}&#10;&#10;&#10;$\lambda/L = 4$&#10;&#10;\end{document}"/>
+  <p:tag name="IGUANATEXSIZE" val="28"/>
 </p:tagLst>
 </file>
 
 <file path=ppt/tags/tag23.xml><?xml version="1.0" encoding="utf-8"?>
 <p:tagLst xmlns:a="http://schemas.openxmlformats.org/drawingml/2006/main" xmlns:r="http://schemas.openxmlformats.org/officeDocument/2006/relationships" xmlns:p="http://schemas.openxmlformats.org/presentationml/2006/main">
-  <p:tag name="LATEXADDIN" val="\documentclass{article}&#10;\usepackage{amsmath}&#10;\pagestyle{empty}&#10;\begin{document}&#10;&#10;&#10;$0$&#10;&#10;\end{document}"/>
-  <p:tag name="IGUANATEXSIZE" val="20"/>
+  <p:tag name="LATEXADDIN" val="\documentclass{article}&#10;\usepackage{amsmath}&#10;\pagestyle{empty}&#10;\begin{document}&#10;&#10;&#10;$\lambda/L = 6$&#10;&#10;\end{document}"/>
+  <p:tag name="IGUANATEXSIZE" val="28"/>
 </p:tagLst>
 </file>
 
 <file path=ppt/tags/tag24.xml><?xml version="1.0" encoding="utf-8"?>
 <p:tagLst xmlns:a="http://schemas.openxmlformats.org/drawingml/2006/main" xmlns:r="http://schemas.openxmlformats.org/officeDocument/2006/relationships" xmlns:p="http://schemas.openxmlformats.org/presentationml/2006/main">
-  <p:tag name="LATEXADDIN" val="\documentclass{article}&#10;\usepackage{amsmath}&#10;\pagestyle{empty}&#10;\begin{document}&#10;&#10;&#10;$L$&#10;&#10;\end{document}"/>
-  <p:tag name="IGUANATEXSIZE" val="20"/>
+  <p:tag name="LATEXADDIN" val="\documentclass{article}&#10;\usepackage{amsmath}&#10;\pagestyle{empty}&#10;\begin{document}&#10;&#10;&#10;$\lambda/L = 8$&#10;&#10;\end{document}"/>
+  <p:tag name="IGUANATEXSIZE" val="28"/>
 </p:tagLst>
 </file>
 
 <file path=ppt/tags/tag25.xml><?xml version="1.0" encoding="utf-8"?>
 <p:tagLst xmlns:a="http://schemas.openxmlformats.org/drawingml/2006/main" xmlns:r="http://schemas.openxmlformats.org/officeDocument/2006/relationships" xmlns:p="http://schemas.openxmlformats.org/presentationml/2006/main">
-  <p:tag name="LATEXADDIN" val="\documentclass{article}&#10;\usepackage{amsmath}&#10;\pagestyle{empty}&#10;\begin{document}&#10;&#10;&#10;$-L$&#10;&#10;\end{document}"/>
-  <p:tag name="IGUANATEXSIZE" val="20"/>
+  <p:tag name="LATEXADDIN" val="\documentclass{article}&#10;\usepackage{amsmath}&#10;\pagestyle{empty}&#10;\begin{document}&#10;&#10;&#10;$\lambda/L = 20$&#10;&#10;\end{document}"/>
+  <p:tag name="IGUANATEXSIZE" val="28"/>
 </p:tagLst>
 </file>
 
 <file path=ppt/tags/tag26.xml><?xml version="1.0" encoding="utf-8"?>
 <p:tagLst xmlns:a="http://schemas.openxmlformats.org/drawingml/2006/main" xmlns:r="http://schemas.openxmlformats.org/officeDocument/2006/relationships" xmlns:p="http://schemas.openxmlformats.org/presentationml/2006/main">
-  <p:tag name="LATEXADDIN" val="\documentclass{article}&#10;\usepackage{amsmath}&#10;\pagestyle{empty}&#10;\begin{document}&#10;&#10;&#10;$-2L$&#10;&#10;\end{document}"/>
-  <p:tag name="IGUANATEXSIZE" val="20"/>
+  <p:tag name="LATEXADDIN" val="\documentclass{article}&#10;\usepackage{amsmath}&#10;\pagestyle{empty}&#10;\begin{document}&#10;&#10;\begin{equation*}&#10;\begin{split}&#10;&amp;\mathrm{Current \ density} \\&#10;&amp;[ek_F\Delta/\pi\hbar]&#10;\end{split}&#10;\end{equation*}&#10;&#10;\end{document}"/>
+  <p:tag name="IGUANATEXSIZE" val="30"/>
 </p:tagLst>
 </file>
 
 <file path=ppt/tags/tag27.xml><?xml version="1.0" encoding="utf-8"?>
 <p:tagLst xmlns:a="http://schemas.openxmlformats.org/drawingml/2006/main" xmlns:r="http://schemas.openxmlformats.org/officeDocument/2006/relationships" xmlns:p="http://schemas.openxmlformats.org/presentationml/2006/main">
-  <p:tag name="LATEXADDIN" val="\documentclass{article}&#10;\usepackage{amsmath}&#10;\pagestyle{empty}&#10;\begin{document}&#10;&#10;&#10;$2L$&#10;&#10;\end{document}"/>
-  <p:tag name="IGUANATEXSIZE" val="20"/>
+  <p:tag name="LATEXADDIN" val="\documentclass{article}&#10;\usepackage{amsmath}&#10;\pagestyle{empty}&#10;\begin{document}&#10;&#10;&#10;$d_{\mathrm{chain},\pi/2}$&#10;&#10;\end{document}"/>
+  <p:tag name="IGUANATEXSIZE" val="28"/>
 </p:tagLst>
 </file>
 
 <file path=ppt/tags/tag3.xml><?xml version="1.0" encoding="utf-8"?>
 <p:tagLst xmlns:a="http://schemas.openxmlformats.org/drawingml/2006/main" xmlns:r="http://schemas.openxmlformats.org/officeDocument/2006/relationships" xmlns:p="http://schemas.openxmlformats.org/presentationml/2006/main">
-  <p:tag name="LATEXADDIN" val="\documentclass{article}&#10;\usepackage{amsmath}&#10;\pagestyle{empty}&#10;\begin{document}&#10;&#10;&#10;$\lambda/L = 1.5$&#10;&#10;\end{document}"/>
-  <p:tag name="IGUANATEXSIZE" val="20"/>
+  <p:tag name="LATEXADDIN" val="\documentclass{article}&#10;\usepackage{amsmath}&#10;\pagestyle{empty}&#10;\begin{document}&#10;&#10;&#10;0.5&#10;&#10;\end{document}"/>
+  <p:tag name="IGUANATEXSIZE" val="28"/>
 </p:tagLst>
 </file>
 
 <file path=ppt/tags/tag4.xml><?xml version="1.0" encoding="utf-8"?>
 <p:tagLst xmlns:a="http://schemas.openxmlformats.org/drawingml/2006/main" xmlns:r="http://schemas.openxmlformats.org/officeDocument/2006/relationships" xmlns:p="http://schemas.openxmlformats.org/presentationml/2006/main">
-  <p:tag name="LATEXADDIN" val="\documentclass{article}&#10;\usepackage{amsmath}&#10;\pagestyle{empty}&#10;\begin{document}&#10;&#10;&#10;$\lambda/L = 2$&#10;&#10;\end{document}"/>
-  <p:tag name="IGUANATEXSIZE" val="20"/>
+  <p:tag name="LATEXADDIN" val="\documentclass{article}&#10;\usepackage{amsmath}&#10;\pagestyle{empty}&#10;\begin{document}&#10;&#10;&#10;0.25&#10;&#10;\end{document}"/>
+  <p:tag name="IGUANATEXSIZE" val="28"/>
 </p:tagLst>
 </file>
 
 <file path=ppt/tags/tag5.xml><?xml version="1.0" encoding="utf-8"?>
 <p:tagLst xmlns:a="http://schemas.openxmlformats.org/drawingml/2006/main" xmlns:r="http://schemas.openxmlformats.org/officeDocument/2006/relationships" xmlns:p="http://schemas.openxmlformats.org/presentationml/2006/main">
-  <p:tag name="LATEXADDIN" val="\documentclass{article}&#10;\usepackage{amsmath}&#10;\pagestyle{empty}&#10;\begin{document}&#10;&#10;&#10;$\lambda/L = 4$&#10;&#10;\end{document}"/>
-  <p:tag name="IGUANATEXSIZE" val="20"/>
+  <p:tag name="LATEXADDIN" val="\documentclass{article}&#10;\usepackage{amsmath}&#10;\pagestyle{empty}&#10;\begin{document}&#10;&#10;&#10;$d_{\mathrm{chain,0}}$&#10;&#10;\end{document}"/>
+  <p:tag name="IGUANATEXSIZE" val="28"/>
 </p:tagLst>
 </file>
 
 <file path=ppt/tags/tag6.xml><?xml version="1.0" encoding="utf-8"?>
 <p:tagLst xmlns:a="http://schemas.openxmlformats.org/drawingml/2006/main" xmlns:r="http://schemas.openxmlformats.org/officeDocument/2006/relationships" xmlns:p="http://schemas.openxmlformats.org/presentationml/2006/main">
-  <p:tag name="LATEXADDIN" val="\documentclass{article}&#10;\usepackage{amsmath}&#10;\pagestyle{empty}&#10;\begin{document}&#10;&#10;&#10;$\lambda/L = 6$&#10;&#10;\end{document}"/>
-  <p:tag name="IGUANATEXSIZE" val="20"/>
+  <p:tag name="LATEXADDIN" val="\documentclass{article}&#10;\usepackage{amsmath}&#10;\pagestyle{empty}&#10;\begin{document}&#10;&#10;&#10;$0$&#10;&#10;\end{document}"/>
+  <p:tag name="IGUANATEXSIZE" val="28"/>
 </p:tagLst>
 </file>
 
 <file path=ppt/tags/tag7.xml><?xml version="1.0" encoding="utf-8"?>
 <p:tagLst xmlns:a="http://schemas.openxmlformats.org/drawingml/2006/main" xmlns:r="http://schemas.openxmlformats.org/officeDocument/2006/relationships" xmlns:p="http://schemas.openxmlformats.org/presentationml/2006/main">
-  <p:tag name="LATEXADDIN" val="\documentclass{article}&#10;\usepackage{amsmath}&#10;\pagestyle{empty}&#10;\begin{document}&#10;&#10;&#10;$\lambda/L = 8$&#10;&#10;\end{document}"/>
-  <p:tag name="IGUANATEXSIZE" val="20"/>
+  <p:tag name="LATEXADDIN" val="\documentclass{article}&#10;\usepackage{amsmath}&#10;\pagestyle{empty}&#10;\begin{document}&#10;&#10;&#10;$L$&#10;&#10;\end{document}"/>
+  <p:tag name="IGUANATEXSIZE" val="28"/>
 </p:tagLst>
 </file>
 
 <file path=ppt/tags/tag8.xml><?xml version="1.0" encoding="utf-8"?>
 <p:tagLst xmlns:a="http://schemas.openxmlformats.org/drawingml/2006/main" xmlns:r="http://schemas.openxmlformats.org/officeDocument/2006/relationships" xmlns:p="http://schemas.openxmlformats.org/presentationml/2006/main">
-  <p:tag name="LATEXADDIN" val="\documentclass{article}&#10;\usepackage{amsmath}&#10;\pagestyle{empty}&#10;\begin{document}&#10;&#10;&#10;$\lambda/L = 20$&#10;&#10;\end{document}"/>
-  <p:tag name="IGUANATEXSIZE" val="20"/>
+  <p:tag name="LATEXADDIN" val="\documentclass{article}&#10;\usepackage{amsmath}&#10;\pagestyle{empty}&#10;\begin{document}&#10;&#10;&#10;$-L$&#10;&#10;\end{document}"/>
+  <p:tag name="IGUANATEXSIZE" val="28"/>
 </p:tagLst>
 </file>
 
 <file path=ppt/tags/tag9.xml><?xml version="1.0" encoding="utf-8"?>
 <p:tagLst xmlns:a="http://schemas.openxmlformats.org/drawingml/2006/main" xmlns:r="http://schemas.openxmlformats.org/officeDocument/2006/relationships" xmlns:p="http://schemas.openxmlformats.org/presentationml/2006/main">
-  <p:tag name="LATEXADDIN" val="\documentclass{article}&#10;\usepackage{amsmath}&#10;\pagestyle{empty}&#10;\begin{document}&#10;&#10;&#10;$0$&#10;&#10;\end{document}"/>
-  <p:tag name="IGUANATEXSIZE" val="20"/>
+  <p:tag name="LATEXADDIN" val="\documentclass{article}&#10;\usepackage{amsmath}&#10;\pagestyle{empty}&#10;\begin{document}&#10;&#10;&#10;$-2L$&#10;&#10;\end{document}"/>
+  <p:tag name="IGUANATEXSIZE" val="28"/>
 </p:tagLst>
 </file>
 
